--- a/docs/ansible-slides.pptx
+++ b/docs/ansible-slides.pptx
@@ -10,6 +10,10 @@
     <p:sldId id="257" r:id="rId5"/>
     <p:sldId id="258" r:id="rId6"/>
     <p:sldId id="259" r:id="rId7"/>
+    <p:sldId id="260" r:id="rId8"/>
+    <p:sldId id="261" r:id="rId9"/>
+    <p:sldId id="262" r:id="rId10"/>
+    <p:sldId id="263" r:id="rId11"/>
   </p:sldIdLst>
   <p:sldSz cx="10080625" cy="5670550"/>
   <p:notesSz cx="7559675" cy="10691812"/>
@@ -3376,7 +3380,7 @@
           </a:bodyPr>
           <a:p>
             <a:pPr algn="r"/>
-            <a:fld id="{79B0C549-94EF-453E-928D-4B060899C264}" type="slidenum">
+            <a:fld id="{437CD416-5771-486B-A1EC-9EEC5A15A4BF}" type="slidenum">
               <a:rPr b="0" lang="en-US" sz="1400" spc="-1" strike="noStrike">
                 <a:solidFill>
                   <a:srgbClr val="ffffff"/>
@@ -3887,7 +3891,7 @@
           </a:bodyPr>
           <a:p>
             <a:pPr algn="r"/>
-            <a:fld id="{102EB274-414F-45BF-B8B3-1B1D0034B88B}" type="slidenum">
+            <a:fld id="{C5A1AA39-0746-4FA1-91B0-E74F96616B52}" type="slidenum">
               <a:rPr b="0" lang="en-US" sz="1400" spc="-1" strike="noStrike">
                 <a:solidFill>
                   <a:srgbClr val="ffffff"/>
@@ -4626,7 +4630,7 @@
                 </a:solidFill>
                 <a:latin typeface="Arial"/>
               </a:rPr>
-              <a:t>First playbook</a:t>
+              <a:t>Writing Ansible</a:t>
             </a:r>
             <a:endParaRPr b="0" lang="en-US" sz="3300" spc="-1" strike="noStrike">
               <a:solidFill>
@@ -4679,9 +4683,915 @@
                 </a:solidFill>
                 <a:latin typeface="Arial"/>
               </a:rPr>
-              <a:t>Sample dir</a:t>
+              <a:t>Separate data from code</a:t>
             </a:r>
             <a:endParaRPr b="0" lang="en-US" sz="2400" spc="-1" strike="noStrike">
+              <a:solidFill>
+                <a:srgbClr val="009bdd"/>
+              </a:solidFill>
+              <a:latin typeface="Arial"/>
+            </a:endParaRPr>
+          </a:p>
+          <a:p>
+            <a:pPr lvl="1" marL="864000" indent="-324000">
+              <a:spcBef>
+                <a:spcPts val="850"/>
+              </a:spcBef>
+              <a:buClr>
+                <a:srgbClr val="77caee"/>
+              </a:buClr>
+              <a:buSzPct val="45000"/>
+              <a:buFont typeface="Wingdings" charset="2"/>
+              <a:buChar char=""/>
+            </a:pPr>
+            <a:r>
+              <a:rPr b="0" lang="en-US" sz="2100" spc="-1" strike="noStrike">
+                <a:solidFill>
+                  <a:srgbClr val="009bdd"/>
+                </a:solidFill>
+                <a:latin typeface="Arial"/>
+              </a:rPr>
+              <a:t>Inventory</a:t>
+            </a:r>
+            <a:endParaRPr b="0" lang="en-US" sz="2100" spc="-1" strike="noStrike">
+              <a:solidFill>
+                <a:srgbClr val="009bdd"/>
+              </a:solidFill>
+              <a:latin typeface="Arial"/>
+            </a:endParaRPr>
+          </a:p>
+          <a:p>
+            <a:pPr lvl="1" marL="864000" indent="-324000">
+              <a:spcBef>
+                <a:spcPts val="850"/>
+              </a:spcBef>
+              <a:buClr>
+                <a:srgbClr val="77caee"/>
+              </a:buClr>
+              <a:buSzPct val="45000"/>
+              <a:buFont typeface="Wingdings" charset="2"/>
+              <a:buChar char=""/>
+            </a:pPr>
+            <a:r>
+              <a:rPr b="0" lang="en-US" sz="2100" spc="-1" strike="noStrike">
+                <a:solidFill>
+                  <a:srgbClr val="009bdd"/>
+                </a:solidFill>
+                <a:latin typeface="Arial"/>
+              </a:rPr>
+              <a:t>group_vars</a:t>
+            </a:r>
+            <a:endParaRPr b="0" lang="en-US" sz="2100" spc="-1" strike="noStrike">
+              <a:solidFill>
+                <a:srgbClr val="009bdd"/>
+              </a:solidFill>
+              <a:latin typeface="Arial"/>
+            </a:endParaRPr>
+          </a:p>
+          <a:p>
+            <a:pPr lvl="1" marL="864000" indent="-324000">
+              <a:spcBef>
+                <a:spcPts val="850"/>
+              </a:spcBef>
+              <a:buClr>
+                <a:srgbClr val="77caee"/>
+              </a:buClr>
+              <a:buSzPct val="45000"/>
+              <a:buFont typeface="Wingdings" charset="2"/>
+              <a:buChar char=""/>
+            </a:pPr>
+            <a:r>
+              <a:rPr b="0" lang="en-US" sz="2100" spc="-1" strike="noStrike">
+                <a:solidFill>
+                  <a:srgbClr val="009bdd"/>
+                </a:solidFill>
+                <a:latin typeface="Arial"/>
+              </a:rPr>
+              <a:t>host_vars</a:t>
+            </a:r>
+            <a:endParaRPr b="0" lang="en-US" sz="2100" spc="-1" strike="noStrike">
+              <a:solidFill>
+                <a:srgbClr val="009bdd"/>
+              </a:solidFill>
+              <a:latin typeface="Arial"/>
+            </a:endParaRPr>
+          </a:p>
+        </p:txBody>
+      </p:sp>
+    </p:spTree>
+  </p:cSld>
+  <mc:AlternateContent>
+    <mc:Choice Requires="p14">
+      <p:transition spd="slow" p14:dur="2000"/>
+    </mc:Choice>
+    <mc:Fallback>
+      <p:transition spd="slow"/>
+    </mc:Fallback>
+  </mc:AlternateContent>
+</p:sld>
+</file>
+
+<file path=ppt/slides/slide5.xml><?xml version="1.0" encoding="utf-8"?>
+<p:sld xmlns:a="http://schemas.openxmlformats.org/drawingml/2006/main" xmlns:p="http://schemas.openxmlformats.org/presentationml/2006/main" xmlns:r="http://schemas.openxmlformats.org/officeDocument/2006/relationships" xmlns:p14="http://schemas.microsoft.com/office/powerpoint/2010/main" xmlns:p15="http://schemas.microsoft.com/office/powerpoint/2012/main" xmlns:mc="http://schemas.openxmlformats.org/markup-compatibility/2006">
+  <p:cSld>
+    <p:spTree>
+      <p:nvGrpSpPr>
+        <p:cNvPr id="1" name=""/>
+        <p:cNvGrpSpPr/>
+        <p:nvPr/>
+      </p:nvGrpSpPr>
+      <p:grpSpPr>
+        <a:xfrm>
+          <a:off x="0" y="0"/>
+          <a:ext cx="0" cy="0"/>
+          <a:chOff x="0" y="0"/>
+          <a:chExt cx="0" cy="0"/>
+        </a:xfrm>
+      </p:grpSpPr>
+      <p:sp>
+        <p:nvSpPr>
+          <p:cNvPr id="92" name=""/>
+          <p:cNvSpPr txBox="1"/>
+          <p:nvPr/>
+        </p:nvSpPr>
+        <p:spPr>
+          <a:xfrm>
+            <a:off x="360000" y="180000"/>
+            <a:ext cx="9360000" cy="478080"/>
+          </a:xfrm>
+          <a:prstGeom prst="rect">
+            <a:avLst/>
+          </a:prstGeom>
+          <a:noFill/>
+          <a:ln w="0">
+            <a:noFill/>
+          </a:ln>
+        </p:spPr>
+        <p:txBody>
+          <a:bodyPr lIns="0" rIns="0" tIns="0" bIns="0" anchor="ctr">
+            <a:noAutofit/>
+          </a:bodyPr>
+          <a:p>
+            <a:pPr algn="ctr"/>
+            <a:r>
+              <a:rPr b="0" lang="en-US" sz="3300" spc="-1" strike="noStrike">
+                <a:solidFill>
+                  <a:srgbClr val="ffffff"/>
+                </a:solidFill>
+                <a:latin typeface="Arial"/>
+              </a:rPr>
+              <a:t>Molecule</a:t>
+            </a:r>
+            <a:endParaRPr b="0" lang="en-US" sz="3300" spc="-1" strike="noStrike">
+              <a:solidFill>
+                <a:srgbClr val="ffffff"/>
+              </a:solidFill>
+              <a:latin typeface="Arial"/>
+            </a:endParaRPr>
+          </a:p>
+        </p:txBody>
+      </p:sp>
+      <p:sp>
+        <p:nvSpPr>
+          <p:cNvPr id="93" name=""/>
+          <p:cNvSpPr txBox="1"/>
+          <p:nvPr/>
+        </p:nvSpPr>
+        <p:spPr>
+          <a:xfrm>
+            <a:off x="360000" y="1080000"/>
+            <a:ext cx="9360000" cy="3600000"/>
+          </a:xfrm>
+          <a:prstGeom prst="rect">
+            <a:avLst/>
+          </a:prstGeom>
+          <a:noFill/>
+          <a:ln w="0">
+            <a:noFill/>
+          </a:ln>
+        </p:spPr>
+        <p:txBody>
+          <a:bodyPr lIns="0" rIns="0" tIns="0" bIns="0">
+            <a:noAutofit/>
+          </a:bodyPr>
+          <a:p>
+            <a:pPr marL="432000" indent="-324000">
+              <a:spcBef>
+                <a:spcPts val="1060"/>
+              </a:spcBef>
+              <a:buClr>
+                <a:srgbClr val="77caee"/>
+              </a:buClr>
+              <a:buSzPct val="45000"/>
+              <a:buFont typeface="Wingdings" charset="2"/>
+              <a:buChar char=""/>
+            </a:pPr>
+            <a:r>
+              <a:rPr b="0" lang="en-US" sz="2400" spc="-1" strike="noStrike">
+                <a:solidFill>
+                  <a:srgbClr val="009bdd"/>
+                </a:solidFill>
+                <a:latin typeface="Arial"/>
+              </a:rPr>
+              <a:t>Created by Cisco</a:t>
+            </a:r>
+            <a:endParaRPr b="0" lang="en-US" sz="2400" spc="-1" strike="noStrike">
+              <a:solidFill>
+                <a:srgbClr val="009bdd"/>
+              </a:solidFill>
+              <a:latin typeface="Arial"/>
+            </a:endParaRPr>
+          </a:p>
+          <a:p>
+            <a:pPr marL="432000" indent="-324000">
+              <a:spcBef>
+                <a:spcPts val="1060"/>
+              </a:spcBef>
+              <a:buClr>
+                <a:srgbClr val="77caee"/>
+              </a:buClr>
+              <a:buSzPct val="45000"/>
+              <a:buFont typeface="Wingdings" charset="2"/>
+              <a:buChar char=""/>
+            </a:pPr>
+            <a:r>
+              <a:rPr b="0" lang="en-US" sz="2400" spc="-1" strike="noStrike">
+                <a:solidFill>
+                  <a:srgbClr val="009bdd"/>
+                </a:solidFill>
+                <a:latin typeface="Arial"/>
+              </a:rPr>
+              <a:t>Donated to Red Hat Ansible project in 2019</a:t>
+            </a:r>
+            <a:endParaRPr b="0" lang="en-US" sz="2400" spc="-1" strike="noStrike">
+              <a:solidFill>
+                <a:srgbClr val="009bdd"/>
+              </a:solidFill>
+              <a:latin typeface="Arial"/>
+            </a:endParaRPr>
+          </a:p>
+          <a:p>
+            <a:pPr marL="432000" indent="-324000">
+              <a:spcBef>
+                <a:spcPts val="1060"/>
+              </a:spcBef>
+              <a:buClr>
+                <a:srgbClr val="77caee"/>
+              </a:buClr>
+              <a:buSzPct val="45000"/>
+              <a:buFont typeface="Wingdings" charset="2"/>
+              <a:buChar char=""/>
+            </a:pPr>
+            <a:r>
+              <a:rPr b="0" lang="en-US" sz="2400" spc="-1" strike="noStrike">
+                <a:solidFill>
+                  <a:srgbClr val="009bdd"/>
+                </a:solidFill>
+                <a:latin typeface="Arial"/>
+              </a:rPr>
+              <a:t>Used to test your roles</a:t>
+            </a:r>
+            <a:endParaRPr b="0" lang="en-US" sz="2400" spc="-1" strike="noStrike">
+              <a:solidFill>
+                <a:srgbClr val="009bdd"/>
+              </a:solidFill>
+              <a:latin typeface="Arial"/>
+            </a:endParaRPr>
+          </a:p>
+          <a:p>
+            <a:pPr marL="432000" indent="-324000">
+              <a:spcBef>
+                <a:spcPts val="1060"/>
+              </a:spcBef>
+              <a:buClr>
+                <a:srgbClr val="77caee"/>
+              </a:buClr>
+              <a:buSzPct val="45000"/>
+              <a:buFont typeface="Wingdings" charset="2"/>
+              <a:buChar char=""/>
+            </a:pPr>
+            <a:r>
+              <a:rPr b="0" lang="en-US" sz="2400" spc="-1" strike="noStrike">
+                <a:solidFill>
+                  <a:srgbClr val="009bdd"/>
+                </a:solidFill>
+                <a:latin typeface="Arial"/>
+              </a:rPr>
+              <a:t> </a:t>
+            </a:r>
+            <a:endParaRPr b="0" lang="en-US" sz="2400" spc="-1" strike="noStrike">
+              <a:solidFill>
+                <a:srgbClr val="009bdd"/>
+              </a:solidFill>
+              <a:latin typeface="Arial"/>
+            </a:endParaRPr>
+          </a:p>
+        </p:txBody>
+      </p:sp>
+    </p:spTree>
+  </p:cSld>
+  <mc:AlternateContent>
+    <mc:Choice Requires="p14">
+      <p:transition spd="slow" p14:dur="2000"/>
+    </mc:Choice>
+    <mc:Fallback>
+      <p:transition spd="slow"/>
+    </mc:Fallback>
+  </mc:AlternateContent>
+</p:sld>
+</file>
+
+<file path=ppt/slides/slide6.xml><?xml version="1.0" encoding="utf-8"?>
+<p:sld xmlns:a="http://schemas.openxmlformats.org/drawingml/2006/main" xmlns:p="http://schemas.openxmlformats.org/presentationml/2006/main" xmlns:r="http://schemas.openxmlformats.org/officeDocument/2006/relationships" xmlns:p14="http://schemas.microsoft.com/office/powerpoint/2010/main" xmlns:p15="http://schemas.microsoft.com/office/powerpoint/2012/main" xmlns:mc="http://schemas.openxmlformats.org/markup-compatibility/2006">
+  <p:cSld>
+    <p:spTree>
+      <p:nvGrpSpPr>
+        <p:cNvPr id="1" name=""/>
+        <p:cNvGrpSpPr/>
+        <p:nvPr/>
+      </p:nvGrpSpPr>
+      <p:grpSpPr>
+        <a:xfrm>
+          <a:off x="0" y="0"/>
+          <a:ext cx="0" cy="0"/>
+          <a:chOff x="0" y="0"/>
+          <a:chExt cx="0" cy="0"/>
+        </a:xfrm>
+      </p:grpSpPr>
+      <p:sp>
+        <p:nvSpPr>
+          <p:cNvPr id="94" name=""/>
+          <p:cNvSpPr txBox="1"/>
+          <p:nvPr/>
+        </p:nvSpPr>
+        <p:spPr>
+          <a:xfrm>
+            <a:off x="360000" y="180000"/>
+            <a:ext cx="9360000" cy="478080"/>
+          </a:xfrm>
+          <a:prstGeom prst="rect">
+            <a:avLst/>
+          </a:prstGeom>
+          <a:noFill/>
+          <a:ln w="0">
+            <a:noFill/>
+          </a:ln>
+        </p:spPr>
+        <p:txBody>
+          <a:bodyPr lIns="0" rIns="0" tIns="0" bIns="0" anchor="ctr">
+            <a:noAutofit/>
+          </a:bodyPr>
+          <a:p>
+            <a:pPr algn="ctr"/>
+            <a:r>
+              <a:rPr b="0" lang="en-US" sz="3300" spc="-1" strike="noStrike">
+                <a:solidFill>
+                  <a:srgbClr val="ffffff"/>
+                </a:solidFill>
+                <a:latin typeface="Arial"/>
+              </a:rPr>
+              <a:t>ansible-galaxy</a:t>
+            </a:r>
+            <a:endParaRPr b="0" lang="en-US" sz="3300" spc="-1" strike="noStrike">
+              <a:solidFill>
+                <a:srgbClr val="ffffff"/>
+              </a:solidFill>
+              <a:latin typeface="Arial"/>
+            </a:endParaRPr>
+          </a:p>
+        </p:txBody>
+      </p:sp>
+      <p:sp>
+        <p:nvSpPr>
+          <p:cNvPr id="95" name=""/>
+          <p:cNvSpPr txBox="1"/>
+          <p:nvPr/>
+        </p:nvSpPr>
+        <p:spPr>
+          <a:xfrm>
+            <a:off x="360000" y="1080000"/>
+            <a:ext cx="9360000" cy="3600000"/>
+          </a:xfrm>
+          <a:prstGeom prst="rect">
+            <a:avLst/>
+          </a:prstGeom>
+          <a:noFill/>
+          <a:ln w="0">
+            <a:noFill/>
+          </a:ln>
+        </p:spPr>
+        <p:txBody>
+          <a:bodyPr lIns="0" rIns="0" tIns="0" bIns="0">
+            <a:noAutofit/>
+          </a:bodyPr>
+          <a:p>
+            <a:pPr marL="432000" indent="-324000">
+              <a:spcBef>
+                <a:spcPts val="1060"/>
+              </a:spcBef>
+              <a:buClr>
+                <a:srgbClr val="77caee"/>
+              </a:buClr>
+              <a:buSzPct val="45000"/>
+              <a:buFont typeface="Wingdings" charset="2"/>
+              <a:buChar char=""/>
+            </a:pPr>
+            <a:r>
+              <a:rPr b="0" lang="en-US" sz="2400" spc="-1" strike="noStrike">
+                <a:solidFill>
+                  <a:srgbClr val="009bdd"/>
+                </a:solidFill>
+                <a:latin typeface="Arial"/>
+              </a:rPr>
+              <a:t>ansible-galaxy role|collection search &lt;name&gt;</a:t>
+            </a:r>
+            <a:endParaRPr b="0" lang="en-US" sz="2400" spc="-1" strike="noStrike">
+              <a:solidFill>
+                <a:srgbClr val="009bdd"/>
+              </a:solidFill>
+              <a:latin typeface="Arial"/>
+            </a:endParaRPr>
+          </a:p>
+          <a:p>
+            <a:pPr marL="432000" indent="-324000">
+              <a:spcBef>
+                <a:spcPts val="1060"/>
+              </a:spcBef>
+              <a:buClr>
+                <a:srgbClr val="77caee"/>
+              </a:buClr>
+              <a:buSzPct val="45000"/>
+              <a:buFont typeface="Wingdings" charset="2"/>
+              <a:buChar char=""/>
+            </a:pPr>
+            <a:r>
+              <a:rPr b="0" lang="en-US" sz="2400" spc="-1" strike="noStrike">
+                <a:solidFill>
+                  <a:srgbClr val="009bdd"/>
+                </a:solidFill>
+                <a:latin typeface="Arial"/>
+              </a:rPr>
+              <a:t>Roles in galaxy hub for many purposes</a:t>
+            </a:r>
+            <a:endParaRPr b="0" lang="en-US" sz="2400" spc="-1" strike="noStrike">
+              <a:solidFill>
+                <a:srgbClr val="009bdd"/>
+              </a:solidFill>
+              <a:latin typeface="Arial"/>
+            </a:endParaRPr>
+          </a:p>
+          <a:p>
+            <a:pPr marL="432000" indent="-324000">
+              <a:spcBef>
+                <a:spcPts val="1060"/>
+              </a:spcBef>
+              <a:buClr>
+                <a:srgbClr val="77caee"/>
+              </a:buClr>
+              <a:buSzPct val="45000"/>
+              <a:buFont typeface="Wingdings" charset="2"/>
+              <a:buChar char=""/>
+            </a:pPr>
+            <a:endParaRPr b="0" lang="en-US" sz="2400" spc="-1" strike="noStrike">
+              <a:solidFill>
+                <a:srgbClr val="009bdd"/>
+              </a:solidFill>
+              <a:latin typeface="Arial"/>
+            </a:endParaRPr>
+          </a:p>
+        </p:txBody>
+      </p:sp>
+    </p:spTree>
+  </p:cSld>
+  <mc:AlternateContent>
+    <mc:Choice Requires="p14">
+      <p:transition spd="slow" p14:dur="2000"/>
+    </mc:Choice>
+    <mc:Fallback>
+      <p:transition spd="slow"/>
+    </mc:Fallback>
+  </mc:AlternateContent>
+</p:sld>
+</file>
+
+<file path=ppt/slides/slide7.xml><?xml version="1.0" encoding="utf-8"?>
+<p:sld xmlns:a="http://schemas.openxmlformats.org/drawingml/2006/main" xmlns:p="http://schemas.openxmlformats.org/presentationml/2006/main" xmlns:r="http://schemas.openxmlformats.org/officeDocument/2006/relationships" xmlns:p14="http://schemas.microsoft.com/office/powerpoint/2010/main" xmlns:p15="http://schemas.microsoft.com/office/powerpoint/2012/main" xmlns:mc="http://schemas.openxmlformats.org/markup-compatibility/2006">
+  <p:cSld>
+    <p:spTree>
+      <p:nvGrpSpPr>
+        <p:cNvPr id="1" name=""/>
+        <p:cNvGrpSpPr/>
+        <p:nvPr/>
+      </p:nvGrpSpPr>
+      <p:grpSpPr>
+        <a:xfrm>
+          <a:off x="0" y="0"/>
+          <a:ext cx="0" cy="0"/>
+          <a:chOff x="0" y="0"/>
+          <a:chExt cx="0" cy="0"/>
+        </a:xfrm>
+      </p:grpSpPr>
+      <p:sp>
+        <p:nvSpPr>
+          <p:cNvPr id="96" name=""/>
+          <p:cNvSpPr txBox="1"/>
+          <p:nvPr/>
+        </p:nvSpPr>
+        <p:spPr>
+          <a:xfrm>
+            <a:off x="360000" y="180000"/>
+            <a:ext cx="9360000" cy="478080"/>
+          </a:xfrm>
+          <a:prstGeom prst="rect">
+            <a:avLst/>
+          </a:prstGeom>
+          <a:noFill/>
+          <a:ln w="0">
+            <a:noFill/>
+          </a:ln>
+        </p:spPr>
+        <p:txBody>
+          <a:bodyPr lIns="0" rIns="0" tIns="0" bIns="0" anchor="ctr">
+            <a:noAutofit/>
+          </a:bodyPr>
+          <a:p>
+            <a:pPr algn="ctr"/>
+            <a:r>
+              <a:rPr b="0" lang="en-US" sz="3300" spc="-1" strike="noStrike">
+                <a:solidFill>
+                  <a:srgbClr val="ffffff"/>
+                </a:solidFill>
+                <a:latin typeface="Arial"/>
+              </a:rPr>
+              <a:t>Ansible environment</a:t>
+            </a:r>
+            <a:endParaRPr b="0" lang="en-US" sz="3300" spc="-1" strike="noStrike">
+              <a:solidFill>
+                <a:srgbClr val="ffffff"/>
+              </a:solidFill>
+              <a:latin typeface="Arial"/>
+            </a:endParaRPr>
+          </a:p>
+        </p:txBody>
+      </p:sp>
+      <p:sp>
+        <p:nvSpPr>
+          <p:cNvPr id="97" name=""/>
+          <p:cNvSpPr txBox="1"/>
+          <p:nvPr/>
+        </p:nvSpPr>
+        <p:spPr>
+          <a:xfrm>
+            <a:off x="360000" y="1080000"/>
+            <a:ext cx="9360000" cy="3600000"/>
+          </a:xfrm>
+          <a:prstGeom prst="rect">
+            <a:avLst/>
+          </a:prstGeom>
+          <a:noFill/>
+          <a:ln w="0">
+            <a:noFill/>
+          </a:ln>
+        </p:spPr>
+        <p:txBody>
+          <a:bodyPr lIns="0" rIns="0" tIns="0" bIns="0">
+            <a:noAutofit/>
+          </a:bodyPr>
+          <a:p>
+            <a:pPr marL="432000" indent="-324000">
+              <a:spcBef>
+                <a:spcPts val="1060"/>
+              </a:spcBef>
+              <a:buClr>
+                <a:srgbClr val="77caee"/>
+              </a:buClr>
+              <a:buSzPct val="45000"/>
+              <a:buFont typeface="Wingdings" charset="2"/>
+              <a:buChar char=""/>
+            </a:pPr>
+            <a:r>
+              <a:rPr b="0" lang="en-US" sz="2400" spc="-1" strike="noStrike">
+                <a:solidFill>
+                  <a:srgbClr val="009bdd"/>
+                </a:solidFill>
+                <a:latin typeface="Arial"/>
+              </a:rPr>
+              <a:t>Use virtualenv, requirements.txt, and pip</a:t>
+            </a:r>
+            <a:endParaRPr b="0" lang="en-US" sz="2400" spc="-1" strike="noStrike">
+              <a:solidFill>
+                <a:srgbClr val="009bdd"/>
+              </a:solidFill>
+              <a:latin typeface="Arial"/>
+            </a:endParaRPr>
+          </a:p>
+          <a:p>
+            <a:pPr lvl="1" marL="864000" indent="-324000">
+              <a:spcBef>
+                <a:spcPts val="850"/>
+              </a:spcBef>
+              <a:buClr>
+                <a:srgbClr val="77caee"/>
+              </a:buClr>
+              <a:buSzPct val="45000"/>
+              <a:buFont typeface="Wingdings" charset="2"/>
+              <a:buChar char=""/>
+            </a:pPr>
+            <a:r>
+              <a:rPr b="0" lang="en-US" sz="2100" spc="-1" strike="noStrike">
+                <a:solidFill>
+                  <a:srgbClr val="009bdd"/>
+                </a:solidFill>
+                <a:latin typeface="Arial"/>
+              </a:rPr>
+              <a:t>Keeps tree clean</a:t>
+            </a:r>
+            <a:endParaRPr b="0" lang="en-US" sz="2100" spc="-1" strike="noStrike">
+              <a:solidFill>
+                <a:srgbClr val="009bdd"/>
+              </a:solidFill>
+              <a:latin typeface="Arial"/>
+            </a:endParaRPr>
+          </a:p>
+          <a:p>
+            <a:pPr lvl="1" marL="864000" indent="-324000">
+              <a:spcBef>
+                <a:spcPts val="850"/>
+              </a:spcBef>
+              <a:buClr>
+                <a:srgbClr val="77caee"/>
+              </a:buClr>
+              <a:buSzPct val="45000"/>
+              <a:buFont typeface="Wingdings" charset="2"/>
+              <a:buChar char=""/>
+            </a:pPr>
+            <a:r>
+              <a:rPr b="0" lang="en-US" sz="2100" spc="-1" strike="noStrike">
+                <a:solidFill>
+                  <a:srgbClr val="009bdd"/>
+                </a:solidFill>
+                <a:latin typeface="Arial"/>
+              </a:rPr>
+              <a:t>Doesn’t pollute rest of system</a:t>
+            </a:r>
+            <a:endParaRPr b="0" lang="en-US" sz="2100" spc="-1" strike="noStrike">
+              <a:solidFill>
+                <a:srgbClr val="009bdd"/>
+              </a:solidFill>
+              <a:latin typeface="Arial"/>
+            </a:endParaRPr>
+          </a:p>
+          <a:p>
+            <a:pPr marL="432000" indent="-324000">
+              <a:spcBef>
+                <a:spcPts val="1060"/>
+              </a:spcBef>
+              <a:buClr>
+                <a:srgbClr val="77caee"/>
+              </a:buClr>
+              <a:buSzPct val="45000"/>
+              <a:buFont typeface="Wingdings" charset="2"/>
+              <a:buChar char=""/>
+            </a:pPr>
+            <a:r>
+              <a:rPr b="0" lang="en-US" sz="2400" spc="-1" strike="noStrike">
+                <a:solidFill>
+                  <a:srgbClr val="009bdd"/>
+                </a:solidFill>
+                <a:latin typeface="Arial"/>
+              </a:rPr>
+              <a:t>Alternatively, docker container</a:t>
+            </a:r>
+            <a:endParaRPr b="0" lang="en-US" sz="2400" spc="-1" strike="noStrike">
+              <a:solidFill>
+                <a:srgbClr val="009bdd"/>
+              </a:solidFill>
+              <a:latin typeface="Arial"/>
+            </a:endParaRPr>
+          </a:p>
+        </p:txBody>
+      </p:sp>
+    </p:spTree>
+  </p:cSld>
+  <mc:AlternateContent>
+    <mc:Choice Requires="p14">
+      <p:transition spd="slow" p14:dur="2000"/>
+    </mc:Choice>
+    <mc:Fallback>
+      <p:transition spd="slow"/>
+    </mc:Fallback>
+  </mc:AlternateContent>
+</p:sld>
+</file>
+
+<file path=ppt/slides/slide8.xml><?xml version="1.0" encoding="utf-8"?>
+<p:sld xmlns:a="http://schemas.openxmlformats.org/drawingml/2006/main" xmlns:p="http://schemas.openxmlformats.org/presentationml/2006/main" xmlns:r="http://schemas.openxmlformats.org/officeDocument/2006/relationships" xmlns:p14="http://schemas.microsoft.com/office/powerpoint/2010/main" xmlns:p15="http://schemas.microsoft.com/office/powerpoint/2012/main" xmlns:mc="http://schemas.openxmlformats.org/markup-compatibility/2006">
+  <p:cSld>
+    <p:spTree>
+      <p:nvGrpSpPr>
+        <p:cNvPr id="1" name=""/>
+        <p:cNvGrpSpPr/>
+        <p:nvPr/>
+      </p:nvGrpSpPr>
+      <p:grpSpPr>
+        <a:xfrm>
+          <a:off x="0" y="0"/>
+          <a:ext cx="0" cy="0"/>
+          <a:chOff x="0" y="0"/>
+          <a:chExt cx="0" cy="0"/>
+        </a:xfrm>
+      </p:grpSpPr>
+      <p:sp>
+        <p:nvSpPr>
+          <p:cNvPr id="98" name=""/>
+          <p:cNvSpPr txBox="1"/>
+          <p:nvPr/>
+        </p:nvSpPr>
+        <p:spPr>
+          <a:xfrm>
+            <a:off x="360000" y="180000"/>
+            <a:ext cx="9360000" cy="478080"/>
+          </a:xfrm>
+          <a:prstGeom prst="rect">
+            <a:avLst/>
+          </a:prstGeom>
+          <a:noFill/>
+          <a:ln w="0">
+            <a:noFill/>
+          </a:ln>
+        </p:spPr>
+        <p:txBody>
+          <a:bodyPr lIns="0" rIns="0" tIns="0" bIns="0" anchor="ctr">
+            <a:noAutofit/>
+          </a:bodyPr>
+          <a:p>
+            <a:pPr algn="ctr"/>
+            <a:r>
+              <a:rPr b="0" lang="en-US" sz="3300" spc="-1" strike="noStrike">
+                <a:solidFill>
+                  <a:srgbClr val="ffffff"/>
+                </a:solidFill>
+                <a:latin typeface="Arial"/>
+              </a:rPr>
+              <a:t>Future</a:t>
+            </a:r>
+            <a:endParaRPr b="0" lang="en-US" sz="3300" spc="-1" strike="noStrike">
+              <a:solidFill>
+                <a:srgbClr val="ffffff"/>
+              </a:solidFill>
+              <a:latin typeface="Arial"/>
+            </a:endParaRPr>
+          </a:p>
+        </p:txBody>
+      </p:sp>
+      <p:sp>
+        <p:nvSpPr>
+          <p:cNvPr id="99" name=""/>
+          <p:cNvSpPr txBox="1"/>
+          <p:nvPr/>
+        </p:nvSpPr>
+        <p:spPr>
+          <a:xfrm>
+            <a:off x="360000" y="1080000"/>
+            <a:ext cx="9360000" cy="3600000"/>
+          </a:xfrm>
+          <a:prstGeom prst="rect">
+            <a:avLst/>
+          </a:prstGeom>
+          <a:noFill/>
+          <a:ln w="0">
+            <a:noFill/>
+          </a:ln>
+        </p:spPr>
+        <p:txBody>
+          <a:bodyPr lIns="0" rIns="0" tIns="0" bIns="0">
+            <a:noAutofit/>
+          </a:bodyPr>
+          <a:p>
+            <a:pPr marL="432000" indent="-324000">
+              <a:spcBef>
+                <a:spcPts val="1060"/>
+              </a:spcBef>
+              <a:buClr>
+                <a:srgbClr val="77caee"/>
+              </a:buClr>
+              <a:buSzPct val="45000"/>
+              <a:buFont typeface="Wingdings" charset="2"/>
+              <a:buChar char=""/>
+            </a:pPr>
+            <a:r>
+              <a:rPr b="0" lang="en-US" sz="2400" spc="-1" strike="noStrike">
+                <a:solidFill>
+                  <a:srgbClr val="009bdd"/>
+                </a:solidFill>
+                <a:latin typeface="Arial"/>
+              </a:rPr>
+              <a:t>AWX / Ansible Tower</a:t>
+            </a:r>
+            <a:endParaRPr b="0" lang="en-US" sz="2400" spc="-1" strike="noStrike">
+              <a:solidFill>
+                <a:srgbClr val="009bdd"/>
+              </a:solidFill>
+              <a:latin typeface="Arial"/>
+            </a:endParaRPr>
+          </a:p>
+          <a:p>
+            <a:pPr marL="432000" indent="-324000">
+              <a:spcBef>
+                <a:spcPts val="1060"/>
+              </a:spcBef>
+              <a:buClr>
+                <a:srgbClr val="77caee"/>
+              </a:buClr>
+              <a:buSzPct val="45000"/>
+              <a:buFont typeface="Wingdings" charset="2"/>
+              <a:buChar char=""/>
+            </a:pPr>
+            <a:r>
+              <a:rPr b="0" lang="en-US" sz="2400" spc="-1" strike="noStrike">
+                <a:solidFill>
+                  <a:srgbClr val="009bdd"/>
+                </a:solidFill>
+                <a:latin typeface="Arial"/>
+              </a:rPr>
+              <a:t>CI/CD</a:t>
+            </a:r>
+            <a:endParaRPr b="0" lang="en-US" sz="2400" spc="-1" strike="noStrike">
+              <a:solidFill>
+                <a:srgbClr val="009bdd"/>
+              </a:solidFill>
+              <a:latin typeface="Arial"/>
+            </a:endParaRPr>
+          </a:p>
+          <a:p>
+            <a:pPr lvl="1" marL="864000" indent="-324000">
+              <a:spcBef>
+                <a:spcPts val="850"/>
+              </a:spcBef>
+              <a:buClr>
+                <a:srgbClr val="77caee"/>
+              </a:buClr>
+              <a:buSzPct val="45000"/>
+              <a:buFont typeface="Wingdings" charset="2"/>
+              <a:buChar char=""/>
+            </a:pPr>
+            <a:r>
+              <a:rPr b="0" lang="en-US" sz="2100" spc="-1" strike="noStrike">
+                <a:solidFill>
+                  <a:srgbClr val="009bdd"/>
+                </a:solidFill>
+                <a:latin typeface="Arial"/>
+              </a:rPr>
+              <a:t>Jenkins</a:t>
+            </a:r>
+            <a:endParaRPr b="0" lang="en-US" sz="2100" spc="-1" strike="noStrike">
+              <a:solidFill>
+                <a:srgbClr val="009bdd"/>
+              </a:solidFill>
+              <a:latin typeface="Arial"/>
+            </a:endParaRPr>
+          </a:p>
+          <a:p>
+            <a:pPr lvl="1" marL="864000" indent="-324000">
+              <a:spcBef>
+                <a:spcPts val="850"/>
+              </a:spcBef>
+              <a:buClr>
+                <a:srgbClr val="77caee"/>
+              </a:buClr>
+              <a:buSzPct val="45000"/>
+              <a:buFont typeface="Wingdings" charset="2"/>
+              <a:buChar char=""/>
+            </a:pPr>
+            <a:r>
+              <a:rPr b="0" lang="en-US" sz="2100" spc="-1" strike="noStrike">
+                <a:solidFill>
+                  <a:srgbClr val="009bdd"/>
+                </a:solidFill>
+                <a:latin typeface="Arial"/>
+              </a:rPr>
+              <a:t>github/gitlab</a:t>
+            </a:r>
+            <a:endParaRPr b="0" lang="en-US" sz="2100" spc="-1" strike="noStrike">
+              <a:solidFill>
+                <a:srgbClr val="009bdd"/>
+              </a:solidFill>
+              <a:latin typeface="Arial"/>
+            </a:endParaRPr>
+          </a:p>
+          <a:p>
+            <a:pPr marL="432000" indent="-324000">
+              <a:spcBef>
+                <a:spcPts val="1060"/>
+              </a:spcBef>
+              <a:buClr>
+                <a:srgbClr val="77caee"/>
+              </a:buClr>
+              <a:buSzPct val="45000"/>
+              <a:buFont typeface="Wingdings" charset="2"/>
+              <a:buChar char=""/>
+            </a:pPr>
+            <a:endParaRPr b="0" lang="en-US" sz="2100" spc="-1" strike="noStrike">
               <a:solidFill>
                 <a:srgbClr val="009bdd"/>
               </a:solidFill>

--- a/docs/ansible-slides.pptx
+++ b/docs/ansible-slides.pptx
@@ -14,6 +14,8 @@
     <p:sldId id="261" r:id="rId9"/>
     <p:sldId id="262" r:id="rId10"/>
     <p:sldId id="263" r:id="rId11"/>
+    <p:sldId id="264" r:id="rId12"/>
+    <p:sldId id="265" r:id="rId13"/>
   </p:sldIdLst>
   <p:sldSz cx="10080625" cy="5670550"/>
   <p:notesSz cx="7559675" cy="10691812"/>
@@ -3380,7 +3382,7 @@
           </a:bodyPr>
           <a:p>
             <a:pPr algn="r"/>
-            <a:fld id="{437CD416-5771-486B-A1EC-9EEC5A15A4BF}" type="slidenum">
+            <a:fld id="{CD2C2807-2559-4369-BDC1-80D0DA673075}" type="slidenum">
               <a:rPr b="0" lang="en-US" sz="1400" spc="-1" strike="noStrike">
                 <a:solidFill>
                   <a:srgbClr val="ffffff"/>
@@ -3891,7 +3893,7 @@
           </a:bodyPr>
           <a:p>
             <a:pPr algn="r"/>
-            <a:fld id="{C5A1AA39-0746-4FA1-91B0-E74F96616B52}" type="slidenum">
+            <a:fld id="{23D40FD9-7E95-4949-B25E-3C02C69C642B}" type="slidenum">
               <a:rPr b="0" lang="en-US" sz="1400" spc="-1" strike="noStrike">
                 <a:solidFill>
                   <a:srgbClr val="ffffff"/>
@@ -4002,6 +4004,235 @@
 </p:sld>
 </file>
 
+<file path=ppt/slides/slide10.xml><?xml version="1.0" encoding="utf-8"?>
+<p:sld xmlns:a="http://schemas.openxmlformats.org/drawingml/2006/main" xmlns:p="http://schemas.openxmlformats.org/presentationml/2006/main" xmlns:r="http://schemas.openxmlformats.org/officeDocument/2006/relationships" xmlns:p14="http://schemas.microsoft.com/office/powerpoint/2010/main" xmlns:p15="http://schemas.microsoft.com/office/powerpoint/2012/main" xmlns:mc="http://schemas.openxmlformats.org/markup-compatibility/2006">
+  <p:cSld>
+    <p:spTree>
+      <p:nvGrpSpPr>
+        <p:cNvPr id="1" name=""/>
+        <p:cNvGrpSpPr/>
+        <p:nvPr/>
+      </p:nvGrpSpPr>
+      <p:grpSpPr>
+        <a:xfrm>
+          <a:off x="0" y="0"/>
+          <a:ext cx="0" cy="0"/>
+          <a:chOff x="0" y="0"/>
+          <a:chExt cx="0" cy="0"/>
+        </a:xfrm>
+      </p:grpSpPr>
+      <p:sp>
+        <p:nvSpPr>
+          <p:cNvPr id="102" name=""/>
+          <p:cNvSpPr txBox="1"/>
+          <p:nvPr/>
+        </p:nvSpPr>
+        <p:spPr>
+          <a:xfrm>
+            <a:off x="360000" y="180000"/>
+            <a:ext cx="9360000" cy="478080"/>
+          </a:xfrm>
+          <a:prstGeom prst="rect">
+            <a:avLst/>
+          </a:prstGeom>
+          <a:noFill/>
+          <a:ln w="0">
+            <a:noFill/>
+          </a:ln>
+        </p:spPr>
+        <p:txBody>
+          <a:bodyPr lIns="0" rIns="0" tIns="0" bIns="0" anchor="ctr">
+            <a:noAutofit/>
+          </a:bodyPr>
+          <a:p>
+            <a:pPr algn="ctr"/>
+            <a:r>
+              <a:rPr b="0" lang="en-US" sz="3300" spc="-1" strike="noStrike">
+                <a:solidFill>
+                  <a:srgbClr val="ffffff"/>
+                </a:solidFill>
+                <a:latin typeface="Arial"/>
+              </a:rPr>
+              <a:t>Future</a:t>
+            </a:r>
+            <a:endParaRPr b="0" lang="en-US" sz="3300" spc="-1" strike="noStrike">
+              <a:solidFill>
+                <a:srgbClr val="ffffff"/>
+              </a:solidFill>
+              <a:latin typeface="Arial"/>
+            </a:endParaRPr>
+          </a:p>
+        </p:txBody>
+      </p:sp>
+      <p:sp>
+        <p:nvSpPr>
+          <p:cNvPr id="103" name=""/>
+          <p:cNvSpPr txBox="1"/>
+          <p:nvPr/>
+        </p:nvSpPr>
+        <p:spPr>
+          <a:xfrm>
+            <a:off x="360000" y="1080000"/>
+            <a:ext cx="9360000" cy="3600000"/>
+          </a:xfrm>
+          <a:prstGeom prst="rect">
+            <a:avLst/>
+          </a:prstGeom>
+          <a:noFill/>
+          <a:ln w="0">
+            <a:noFill/>
+          </a:ln>
+        </p:spPr>
+        <p:txBody>
+          <a:bodyPr lIns="0" rIns="0" tIns="0" bIns="0">
+            <a:noAutofit/>
+          </a:bodyPr>
+          <a:p>
+            <a:pPr marL="432000" indent="-324000">
+              <a:spcBef>
+                <a:spcPts val="1060"/>
+              </a:spcBef>
+              <a:buClr>
+                <a:srgbClr val="77caee"/>
+              </a:buClr>
+              <a:buSzPct val="45000"/>
+              <a:buFont typeface="Wingdings" charset="2"/>
+              <a:buChar char=""/>
+            </a:pPr>
+            <a:r>
+              <a:rPr b="0" lang="en-US" sz="2400" spc="-1" strike="noStrike">
+                <a:solidFill>
+                  <a:srgbClr val="009bdd"/>
+                </a:solidFill>
+                <a:latin typeface="Arial"/>
+              </a:rPr>
+              <a:t>AWX / Ansible Tower</a:t>
+            </a:r>
+            <a:endParaRPr b="0" lang="en-US" sz="2400" spc="-1" strike="noStrike">
+              <a:solidFill>
+                <a:srgbClr val="009bdd"/>
+              </a:solidFill>
+              <a:latin typeface="Arial"/>
+            </a:endParaRPr>
+          </a:p>
+          <a:p>
+            <a:pPr marL="432000" indent="-324000">
+              <a:spcBef>
+                <a:spcPts val="1060"/>
+              </a:spcBef>
+              <a:buClr>
+                <a:srgbClr val="77caee"/>
+              </a:buClr>
+              <a:buSzPct val="45000"/>
+              <a:buFont typeface="Wingdings" charset="2"/>
+              <a:buChar char=""/>
+            </a:pPr>
+            <a:r>
+              <a:rPr b="0" lang="en-US" sz="2400" spc="-1" strike="noStrike">
+                <a:solidFill>
+                  <a:srgbClr val="009bdd"/>
+                </a:solidFill>
+                <a:latin typeface="Arial"/>
+              </a:rPr>
+              <a:t>CI/CD</a:t>
+            </a:r>
+            <a:endParaRPr b="0" lang="en-US" sz="2400" spc="-1" strike="noStrike">
+              <a:solidFill>
+                <a:srgbClr val="009bdd"/>
+              </a:solidFill>
+              <a:latin typeface="Arial"/>
+            </a:endParaRPr>
+          </a:p>
+          <a:p>
+            <a:pPr lvl="1" marL="864000" indent="-324000">
+              <a:spcBef>
+                <a:spcPts val="850"/>
+              </a:spcBef>
+              <a:buClr>
+                <a:srgbClr val="77caee"/>
+              </a:buClr>
+              <a:buSzPct val="45000"/>
+              <a:buFont typeface="Wingdings" charset="2"/>
+              <a:buChar char=""/>
+            </a:pPr>
+            <a:r>
+              <a:rPr b="0" lang="en-US" sz="2100" spc="-1" strike="noStrike">
+                <a:solidFill>
+                  <a:srgbClr val="009bdd"/>
+                </a:solidFill>
+                <a:latin typeface="Arial"/>
+              </a:rPr>
+              <a:t>Jenkins</a:t>
+            </a:r>
+            <a:endParaRPr b="0" lang="en-US" sz="2100" spc="-1" strike="noStrike">
+              <a:solidFill>
+                <a:srgbClr val="009bdd"/>
+              </a:solidFill>
+              <a:latin typeface="Arial"/>
+            </a:endParaRPr>
+          </a:p>
+          <a:p>
+            <a:pPr lvl="1" marL="864000" indent="-324000">
+              <a:spcBef>
+                <a:spcPts val="850"/>
+              </a:spcBef>
+              <a:buClr>
+                <a:srgbClr val="77caee"/>
+              </a:buClr>
+              <a:buSzPct val="45000"/>
+              <a:buFont typeface="Wingdings" charset="2"/>
+              <a:buChar char=""/>
+            </a:pPr>
+            <a:r>
+              <a:rPr b="0" lang="en-US" sz="2100" spc="-1" strike="noStrike">
+                <a:solidFill>
+                  <a:srgbClr val="009bdd"/>
+                </a:solidFill>
+                <a:latin typeface="Arial"/>
+              </a:rPr>
+              <a:t>github/gitlab</a:t>
+            </a:r>
+            <a:endParaRPr b="0" lang="en-US" sz="2100" spc="-1" strike="noStrike">
+              <a:solidFill>
+                <a:srgbClr val="009bdd"/>
+              </a:solidFill>
+              <a:latin typeface="Arial"/>
+            </a:endParaRPr>
+          </a:p>
+          <a:p>
+            <a:pPr marL="432000" indent="-324000">
+              <a:spcBef>
+                <a:spcPts val="1060"/>
+              </a:spcBef>
+              <a:buClr>
+                <a:srgbClr val="77caee"/>
+              </a:buClr>
+              <a:buSzPct val="45000"/>
+              <a:buFont typeface="Wingdings" charset="2"/>
+              <a:buChar char=""/>
+            </a:pPr>
+            <a:endParaRPr b="0" lang="en-US" sz="2100" spc="-1" strike="noStrike">
+              <a:solidFill>
+                <a:srgbClr val="009bdd"/>
+              </a:solidFill>
+              <a:latin typeface="Arial"/>
+            </a:endParaRPr>
+          </a:p>
+        </p:txBody>
+      </p:sp>
+    </p:spTree>
+  </p:cSld>
+  <mc:AlternateContent>
+    <mc:Choice Requires="p14">
+      <p:transition spd="slow" p14:dur="2000"/>
+    </mc:Choice>
+    <mc:Fallback>
+      <p:transition spd="slow"/>
+    </mc:Fallback>
+  </mc:AlternateContent>
+</p:sld>
+</file>
+
 <file path=ppt/slides/slide2.xml><?xml version="1.0" encoding="utf-8"?>
 <p:sld xmlns:a="http://schemas.openxmlformats.org/drawingml/2006/main" xmlns:p="http://schemas.openxmlformats.org/presentationml/2006/main" xmlns:r="http://schemas.openxmlformats.org/officeDocument/2006/relationships" xmlns:p14="http://schemas.microsoft.com/office/powerpoint/2010/main" xmlns:p15="http://schemas.microsoft.com/office/powerpoint/2012/main" xmlns:mc="http://schemas.openxmlformats.org/markup-compatibility/2006">
   <p:cSld>
@@ -4721,9 +4952,9 @@
             </a:endParaRPr>
           </a:p>
           <a:p>
-            <a:pPr lvl="1" marL="864000" indent="-324000">
+            <a:pPr lvl="2" marL="1296000" indent="-288000">
               <a:spcBef>
-                <a:spcPts val="850"/>
+                <a:spcPts val="635"/>
               </a:spcBef>
               <a:buClr>
                 <a:srgbClr val="77caee"/>
@@ -4733,25 +4964,25 @@
               <a:buChar char=""/>
             </a:pPr>
             <a:r>
-              <a:rPr b="0" lang="en-US" sz="2100" spc="-1" strike="noStrike">
+              <a:rPr b="0" lang="en-US" sz="1800" spc="-1" strike="noStrike">
                 <a:solidFill>
                   <a:srgbClr val="009bdd"/>
                 </a:solidFill>
                 <a:latin typeface="Arial"/>
               </a:rPr>
-              <a:t>group_vars</a:t>
-            </a:r>
-            <a:endParaRPr b="0" lang="en-US" sz="2100" spc="-1" strike="noStrike">
-              <a:solidFill>
-                <a:srgbClr val="009bdd"/>
-              </a:solidFill>
-              <a:latin typeface="Arial"/>
-            </a:endParaRPr>
-          </a:p>
-          <a:p>
-            <a:pPr lvl="1" marL="864000" indent="-324000">
+              <a:t>Hosts and groups</a:t>
+            </a:r>
+            <a:endParaRPr b="0" lang="en-US" sz="1800" spc="-1" strike="noStrike">
+              <a:solidFill>
+                <a:srgbClr val="009bdd"/>
+              </a:solidFill>
+              <a:latin typeface="Arial"/>
+            </a:endParaRPr>
+          </a:p>
+          <a:p>
+            <a:pPr lvl="2" marL="1296000" indent="-288000">
               <a:spcBef>
-                <a:spcPts val="850"/>
+                <a:spcPts val="635"/>
               </a:spcBef>
               <a:buClr>
                 <a:srgbClr val="77caee"/>
@@ -4761,15 +4992,43 @@
               <a:buChar char=""/>
             </a:pPr>
             <a:r>
-              <a:rPr b="0" lang="en-US" sz="2100" spc="-1" strike="noStrike">
+              <a:rPr b="0" lang="en-US" sz="1800" spc="-1" strike="noStrike">
                 <a:solidFill>
                   <a:srgbClr val="009bdd"/>
                 </a:solidFill>
                 <a:latin typeface="Arial"/>
               </a:rPr>
+              <a:t>group_vars</a:t>
+            </a:r>
+            <a:endParaRPr b="0" lang="en-US" sz="1800" spc="-1" strike="noStrike">
+              <a:solidFill>
+                <a:srgbClr val="009bdd"/>
+              </a:solidFill>
+              <a:latin typeface="Arial"/>
+            </a:endParaRPr>
+          </a:p>
+          <a:p>
+            <a:pPr lvl="2" marL="1296000" indent="-288000">
+              <a:spcBef>
+                <a:spcPts val="635"/>
+              </a:spcBef>
+              <a:buClr>
+                <a:srgbClr val="77caee"/>
+              </a:buClr>
+              <a:buSzPct val="45000"/>
+              <a:buFont typeface="Wingdings" charset="2"/>
+              <a:buChar char=""/>
+            </a:pPr>
+            <a:r>
+              <a:rPr b="0" lang="en-US" sz="1800" spc="-1" strike="noStrike">
+                <a:solidFill>
+                  <a:srgbClr val="009bdd"/>
+                </a:solidFill>
+                <a:latin typeface="Arial"/>
+              </a:rPr>
               <a:t>host_vars</a:t>
             </a:r>
-            <a:endParaRPr b="0" lang="en-US" sz="2100" spc="-1" strike="noStrike">
+            <a:endParaRPr b="0" lang="en-US" sz="1800" spc="-1" strike="noStrike">
               <a:solidFill>
                 <a:srgbClr val="009bdd"/>
               </a:solidFill>
@@ -4840,7 +5099,7 @@
                 </a:solidFill>
                 <a:latin typeface="Arial"/>
               </a:rPr>
-              <a:t>Molecule</a:t>
+              <a:t>Writing Ansible</a:t>
             </a:r>
             <a:endParaRPr b="0" lang="en-US" sz="3300" spc="-1" strike="noStrike">
               <a:solidFill>
@@ -4893,19 +5152,19 @@
                 </a:solidFill>
                 <a:latin typeface="Arial"/>
               </a:rPr>
-              <a:t>Created by Cisco</a:t>
-            </a:r>
-            <a:endParaRPr b="0" lang="en-US" sz="2400" spc="-1" strike="noStrike">
-              <a:solidFill>
-                <a:srgbClr val="009bdd"/>
-              </a:solidFill>
-              <a:latin typeface="Arial"/>
-            </a:endParaRPr>
-          </a:p>
-          <a:p>
-            <a:pPr marL="432000" indent="-324000">
+              <a:t>Structure</a:t>
+            </a:r>
+            <a:endParaRPr b="0" lang="en-US" sz="2400" spc="-1" strike="noStrike">
+              <a:solidFill>
+                <a:srgbClr val="009bdd"/>
+              </a:solidFill>
+              <a:latin typeface="Arial"/>
+            </a:endParaRPr>
+          </a:p>
+          <a:p>
+            <a:pPr lvl="1" marL="864000" indent="-324000">
               <a:spcBef>
-                <a:spcPts val="1060"/>
+                <a:spcPts val="850"/>
               </a:spcBef>
               <a:buClr>
                 <a:srgbClr val="77caee"/>
@@ -4915,25 +5174,25 @@
               <a:buChar char=""/>
             </a:pPr>
             <a:r>
-              <a:rPr b="0" lang="en-US" sz="2400" spc="-1" strike="noStrike">
+              <a:rPr b="0" lang="en-US" sz="2100" spc="-1" strike="noStrike">
                 <a:solidFill>
                   <a:srgbClr val="009bdd"/>
                 </a:solidFill>
                 <a:latin typeface="Arial"/>
               </a:rPr>
-              <a:t>Donated to Red Hat Ansible project in 2019</a:t>
-            </a:r>
-            <a:endParaRPr b="0" lang="en-US" sz="2400" spc="-1" strike="noStrike">
-              <a:solidFill>
-                <a:srgbClr val="009bdd"/>
-              </a:solidFill>
-              <a:latin typeface="Arial"/>
-            </a:endParaRPr>
-          </a:p>
-          <a:p>
-            <a:pPr marL="432000" indent="-324000">
+              <a:t>Playbook has multiple tasks and roles</a:t>
+            </a:r>
+            <a:endParaRPr b="0" lang="en-US" sz="2100" spc="-1" strike="noStrike">
+              <a:solidFill>
+                <a:srgbClr val="009bdd"/>
+              </a:solidFill>
+              <a:latin typeface="Arial"/>
+            </a:endParaRPr>
+          </a:p>
+          <a:p>
+            <a:pPr lvl="1" marL="864000" indent="-324000">
               <a:spcBef>
-                <a:spcPts val="1060"/>
+                <a:spcPts val="850"/>
               </a:spcBef>
               <a:buClr>
                 <a:srgbClr val="77caee"/>
@@ -4943,25 +5202,25 @@
               <a:buChar char=""/>
             </a:pPr>
             <a:r>
-              <a:rPr b="0" lang="en-US" sz="2400" spc="-1" strike="noStrike">
+              <a:rPr b="0" lang="en-US" sz="2100" spc="-1" strike="noStrike">
                 <a:solidFill>
                   <a:srgbClr val="009bdd"/>
                 </a:solidFill>
                 <a:latin typeface="Arial"/>
               </a:rPr>
-              <a:t>Used to test your roles</a:t>
-            </a:r>
-            <a:endParaRPr b="0" lang="en-US" sz="2400" spc="-1" strike="noStrike">
-              <a:solidFill>
-                <a:srgbClr val="009bdd"/>
-              </a:solidFill>
-              <a:latin typeface="Arial"/>
-            </a:endParaRPr>
-          </a:p>
-          <a:p>
-            <a:pPr marL="432000" indent="-324000">
+              <a:t>Modules configure specific things</a:t>
+            </a:r>
+            <a:endParaRPr b="0" lang="en-US" sz="2100" spc="-1" strike="noStrike">
+              <a:solidFill>
+                <a:srgbClr val="009bdd"/>
+              </a:solidFill>
+              <a:latin typeface="Arial"/>
+            </a:endParaRPr>
+          </a:p>
+          <a:p>
+            <a:pPr lvl="2" marL="1296000" indent="-288000">
               <a:spcBef>
-                <a:spcPts val="1060"/>
+                <a:spcPts val="635"/>
               </a:spcBef>
               <a:buClr>
                 <a:srgbClr val="77caee"/>
@@ -4971,15 +5230,127 @@
               <a:buChar char=""/>
             </a:pPr>
             <a:r>
-              <a:rPr b="0" lang="en-US" sz="2400" spc="-1" strike="noStrike">
+              <a:rPr b="0" lang="en-US" sz="1800" spc="-1" strike="noStrike">
                 <a:solidFill>
                   <a:srgbClr val="009bdd"/>
                 </a:solidFill>
                 <a:latin typeface="Arial"/>
               </a:rPr>
+              <a:t>http</a:t>
+            </a:r>
+            <a:endParaRPr b="0" lang="en-US" sz="1800" spc="-1" strike="noStrike">
+              <a:solidFill>
+                <a:srgbClr val="009bdd"/>
+              </a:solidFill>
+              <a:latin typeface="Arial"/>
+            </a:endParaRPr>
+          </a:p>
+          <a:p>
+            <a:pPr lvl="2" marL="1296000" indent="-288000">
+              <a:spcBef>
+                <a:spcPts val="635"/>
+              </a:spcBef>
+              <a:buClr>
+                <a:srgbClr val="77caee"/>
+              </a:buClr>
+              <a:buSzPct val="45000"/>
+              <a:buFont typeface="Wingdings" charset="2"/>
+              <a:buChar char=""/>
+            </a:pPr>
+            <a:r>
+              <a:rPr b="0" lang="en-US" sz="1800" spc="-1" strike="noStrike">
+                <a:solidFill>
+                  <a:srgbClr val="009bdd"/>
+                </a:solidFill>
+                <a:latin typeface="Arial"/>
+              </a:rPr>
+              <a:t>cron</a:t>
+            </a:r>
+            <a:endParaRPr b="0" lang="en-US" sz="1800" spc="-1" strike="noStrike">
+              <a:solidFill>
+                <a:srgbClr val="009bdd"/>
+              </a:solidFill>
+              <a:latin typeface="Arial"/>
+            </a:endParaRPr>
+          </a:p>
+          <a:p>
+            <a:pPr lvl="1" marL="864000" indent="-324000">
+              <a:spcBef>
+                <a:spcPts val="850"/>
+              </a:spcBef>
+              <a:buClr>
+                <a:srgbClr val="77caee"/>
+              </a:buClr>
+              <a:buSzPct val="45000"/>
+              <a:buFont typeface="Wingdings" charset="2"/>
+              <a:buChar char=""/>
+            </a:pPr>
+            <a:r>
+              <a:rPr b="0" lang="en-US" sz="2100" spc="-1" strike="noStrike">
+                <a:solidFill>
+                  <a:srgbClr val="009bdd"/>
+                </a:solidFill>
+                <a:latin typeface="Arial"/>
+              </a:rPr>
+              <a:t>Variables</a:t>
+            </a:r>
+            <a:endParaRPr b="0" lang="en-US" sz="2100" spc="-1" strike="noStrike">
+              <a:solidFill>
+                <a:srgbClr val="009bdd"/>
+              </a:solidFill>
+              <a:latin typeface="Arial"/>
+            </a:endParaRPr>
+          </a:p>
+          <a:p>
+            <a:pPr lvl="2" marL="1296000" indent="-288000">
+              <a:spcBef>
+                <a:spcPts val="635"/>
+              </a:spcBef>
+              <a:buClr>
+                <a:srgbClr val="77caee"/>
+              </a:buClr>
+              <a:buSzPct val="45000"/>
+              <a:buFont typeface="Wingdings" charset="2"/>
+              <a:buChar char=""/>
+            </a:pPr>
+            <a:r>
+              <a:rPr b="0" lang="en-US" sz="1800" spc="-1" strike="noStrike">
+                <a:solidFill>
+                  <a:srgbClr val="009bdd"/>
+                </a:solidFill>
+                <a:latin typeface="Arial"/>
+              </a:rPr>
+              <a:t>Effectively global</a:t>
+            </a:r>
+            <a:endParaRPr b="0" lang="en-US" sz="1800" spc="-1" strike="noStrike">
+              <a:solidFill>
+                <a:srgbClr val="009bdd"/>
+              </a:solidFill>
+              <a:latin typeface="Arial"/>
+            </a:endParaRPr>
+          </a:p>
+          <a:p>
+            <a:pPr lvl="2" marL="1296000" indent="-288000">
+              <a:spcBef>
+                <a:spcPts val="635"/>
+              </a:spcBef>
+              <a:buClr>
+                <a:srgbClr val="77caee"/>
+              </a:buClr>
+              <a:buSzPct val="45000"/>
+              <a:buFont typeface="Wingdings" charset="2"/>
+              <a:buChar char=""/>
+            </a:pPr>
+            <a:r>
+              <a:rPr b="0" lang="en-US" sz="1800" spc="-1" strike="noStrike">
+                <a:solidFill>
+                  <a:srgbClr val="009bdd"/>
+                </a:solidFill>
+                <a:latin typeface="Arial"/>
+              </a:rPr>
               <a:t> </a:t>
             </a:r>
-            <a:endParaRPr b="0" lang="en-US" sz="2400" spc="-1" strike="noStrike">
+            <a:endParaRPr b="0" lang="en-US" sz="1800" spc="-1" strike="noStrike">
               <a:solidFill>
                 <a:srgbClr val="009bdd"/>
               </a:solidFill>
@@ -5050,7 +5421,7 @@
                 </a:solidFill>
                 <a:latin typeface="Arial"/>
               </a:rPr>
-              <a:t>ansible-galaxy</a:t>
+              <a:t>Pitfalls</a:t>
             </a:r>
             <a:endParaRPr b="0" lang="en-US" sz="3300" spc="-1" strike="noStrike">
               <a:solidFill>
@@ -5103,7 +5474,7 @@
                 </a:solidFill>
                 <a:latin typeface="Arial"/>
               </a:rPr>
-              <a:t>ansible-galaxy role|collection search &lt;name&gt;</a:t>
+              <a:t>Global variables</a:t>
             </a:r>
             <a:endParaRPr b="0" lang="en-US" sz="2400" spc="-1" strike="noStrike">
               <a:solidFill>
@@ -5131,9 +5502,37 @@
                 </a:solidFill>
                 <a:latin typeface="Arial"/>
               </a:rPr>
-              <a:t>Roles in galaxy hub for many purposes</a:t>
-            </a:r>
-            <a:endParaRPr b="0" lang="en-US" sz="2400" spc="-1" strike="noStrike">
+              <a:t>Hard to change values</a:t>
+            </a:r>
+            <a:endParaRPr b="0" lang="en-US" sz="2400" spc="-1" strike="noStrike">
+              <a:solidFill>
+                <a:srgbClr val="009bdd"/>
+              </a:solidFill>
+              <a:latin typeface="Arial"/>
+            </a:endParaRPr>
+          </a:p>
+          <a:p>
+            <a:pPr lvl="1" marL="864000" indent="-324000">
+              <a:spcBef>
+                <a:spcPts val="850"/>
+              </a:spcBef>
+              <a:buClr>
+                <a:srgbClr val="77caee"/>
+              </a:buClr>
+              <a:buSzPct val="45000"/>
+              <a:buFont typeface="Wingdings" charset="2"/>
+              <a:buChar char=""/>
+            </a:pPr>
+            <a:r>
+              <a:rPr b="0" lang="en-US" sz="2100" spc="-1" strike="noStrike">
+                <a:solidFill>
+                  <a:srgbClr val="009bdd"/>
+                </a:solidFill>
+                <a:latin typeface="Arial"/>
+              </a:rPr>
+              <a:t>Create new variables</a:t>
+            </a:r>
+            <a:endParaRPr b="0" lang="en-US" sz="2100" spc="-1" strike="noStrike">
               <a:solidFill>
                 <a:srgbClr val="009bdd"/>
               </a:solidFill>
@@ -5152,6 +5551,99 @@
               <a:buFont typeface="Wingdings" charset="2"/>
               <a:buChar char=""/>
             </a:pPr>
+            <a:r>
+              <a:rPr b="0" lang="en-US" sz="2400" spc="-1" strike="noStrike">
+                <a:solidFill>
+                  <a:srgbClr val="009bdd"/>
+                </a:solidFill>
+                <a:latin typeface="Arial"/>
+              </a:rPr>
+              <a:t>Name conflicts</a:t>
+            </a:r>
+            <a:endParaRPr b="0" lang="en-US" sz="2400" spc="-1" strike="noStrike">
+              <a:solidFill>
+                <a:srgbClr val="009bdd"/>
+              </a:solidFill>
+              <a:latin typeface="Arial"/>
+            </a:endParaRPr>
+          </a:p>
+          <a:p>
+            <a:pPr marL="432000" indent="-324000">
+              <a:spcBef>
+                <a:spcPts val="1060"/>
+              </a:spcBef>
+              <a:buClr>
+                <a:srgbClr val="77caee"/>
+              </a:buClr>
+              <a:buSzPct val="45000"/>
+              <a:buFont typeface="Wingdings" charset="2"/>
+              <a:buChar char=""/>
+            </a:pPr>
+            <a:r>
+              <a:rPr b="0" lang="en-US" sz="2400" spc="-1" strike="noStrike">
+                <a:solidFill>
+                  <a:srgbClr val="009bdd"/>
+                </a:solidFill>
+                <a:latin typeface="Arial"/>
+              </a:rPr>
+              <a:t>Variables aren’t typed</a:t>
+            </a:r>
+            <a:endParaRPr b="0" lang="en-US" sz="2400" spc="-1" strike="noStrike">
+              <a:solidFill>
+                <a:srgbClr val="009bdd"/>
+              </a:solidFill>
+              <a:latin typeface="Arial"/>
+            </a:endParaRPr>
+          </a:p>
+          <a:p>
+            <a:pPr marL="432000" indent="-324000">
+              <a:spcBef>
+                <a:spcPts val="1060"/>
+              </a:spcBef>
+              <a:buClr>
+                <a:srgbClr val="77caee"/>
+              </a:buClr>
+              <a:buSzPct val="45000"/>
+              <a:buFont typeface="Wingdings" charset="2"/>
+              <a:buChar char=""/>
+            </a:pPr>
+            <a:r>
+              <a:rPr b="0" lang="en-US" sz="2400" spc="-1" strike="noStrike">
+                <a:solidFill>
+                  <a:srgbClr val="009bdd"/>
+                </a:solidFill>
+                <a:latin typeface="Arial"/>
+              </a:rPr>
+              <a:t>Variable precedence</a:t>
+            </a:r>
+            <a:endParaRPr b="0" lang="en-US" sz="2400" spc="-1" strike="noStrike">
+              <a:solidFill>
+                <a:srgbClr val="009bdd"/>
+              </a:solidFill>
+              <a:latin typeface="Arial"/>
+            </a:endParaRPr>
+          </a:p>
+          <a:p>
+            <a:pPr marL="432000" indent="-324000">
+              <a:spcBef>
+                <a:spcPts val="1060"/>
+              </a:spcBef>
+              <a:buClr>
+                <a:srgbClr val="77caee"/>
+              </a:buClr>
+              <a:buSzPct val="45000"/>
+              <a:buFont typeface="Wingdings" charset="2"/>
+              <a:buChar char=""/>
+            </a:pPr>
+            <a:r>
+              <a:rPr b="0" lang="en-US" sz="2400" spc="-1" strike="noStrike">
+                <a:solidFill>
+                  <a:srgbClr val="009bdd"/>
+                </a:solidFill>
+                <a:latin typeface="Arial"/>
+              </a:rPr>
+              <a:t>Everything is permitted</a:t>
+            </a:r>
             <a:endParaRPr b="0" lang="en-US" sz="2400" spc="-1" strike="noStrike">
               <a:solidFill>
                 <a:srgbClr val="009bdd"/>
@@ -5223,7 +5715,7 @@
                 </a:solidFill>
                 <a:latin typeface="Arial"/>
               </a:rPr>
-              <a:t>Ansible environment</a:t>
+              <a:t>Molecule</a:t>
             </a:r>
             <a:endParaRPr b="0" lang="en-US" sz="3300" spc="-1" strike="noStrike">
               <a:solidFill>
@@ -5276,65 +5768,9 @@
                 </a:solidFill>
                 <a:latin typeface="Arial"/>
               </a:rPr>
-              <a:t>Use virtualenv, requirements.txt, and pip</a:t>
-            </a:r>
-            <a:endParaRPr b="0" lang="en-US" sz="2400" spc="-1" strike="noStrike">
-              <a:solidFill>
-                <a:srgbClr val="009bdd"/>
-              </a:solidFill>
-              <a:latin typeface="Arial"/>
-            </a:endParaRPr>
-          </a:p>
-          <a:p>
-            <a:pPr lvl="1" marL="864000" indent="-324000">
-              <a:spcBef>
-                <a:spcPts val="850"/>
-              </a:spcBef>
-              <a:buClr>
-                <a:srgbClr val="77caee"/>
-              </a:buClr>
-              <a:buSzPct val="45000"/>
-              <a:buFont typeface="Wingdings" charset="2"/>
-              <a:buChar char=""/>
-            </a:pPr>
-            <a:r>
-              <a:rPr b="0" lang="en-US" sz="2100" spc="-1" strike="noStrike">
-                <a:solidFill>
-                  <a:srgbClr val="009bdd"/>
-                </a:solidFill>
-                <a:latin typeface="Arial"/>
-              </a:rPr>
-              <a:t>Keeps tree clean</a:t>
-            </a:r>
-            <a:endParaRPr b="0" lang="en-US" sz="2100" spc="-1" strike="noStrike">
-              <a:solidFill>
-                <a:srgbClr val="009bdd"/>
-              </a:solidFill>
-              <a:latin typeface="Arial"/>
-            </a:endParaRPr>
-          </a:p>
-          <a:p>
-            <a:pPr lvl="1" marL="864000" indent="-324000">
-              <a:spcBef>
-                <a:spcPts val="850"/>
-              </a:spcBef>
-              <a:buClr>
-                <a:srgbClr val="77caee"/>
-              </a:buClr>
-              <a:buSzPct val="45000"/>
-              <a:buFont typeface="Wingdings" charset="2"/>
-              <a:buChar char=""/>
-            </a:pPr>
-            <a:r>
-              <a:rPr b="0" lang="en-US" sz="2100" spc="-1" strike="noStrike">
-                <a:solidFill>
-                  <a:srgbClr val="009bdd"/>
-                </a:solidFill>
-                <a:latin typeface="Arial"/>
-              </a:rPr>
-              <a:t>Doesn’t pollute rest of system</a:t>
-            </a:r>
-            <a:endParaRPr b="0" lang="en-US" sz="2100" spc="-1" strike="noStrike">
+              <a:t>Created by Cisco</a:t>
+            </a:r>
+            <a:endParaRPr b="0" lang="en-US" sz="2400" spc="-1" strike="noStrike">
               <a:solidFill>
                 <a:srgbClr val="009bdd"/>
               </a:solidFill>
@@ -5360,7 +5796,63 @@
                 </a:solidFill>
                 <a:latin typeface="Arial"/>
               </a:rPr>
-              <a:t>Alternatively, docker container</a:t>
+              <a:t>Donated to Red Hat Ansible project in 2019</a:t>
+            </a:r>
+            <a:endParaRPr b="0" lang="en-US" sz="2400" spc="-1" strike="noStrike">
+              <a:solidFill>
+                <a:srgbClr val="009bdd"/>
+              </a:solidFill>
+              <a:latin typeface="Arial"/>
+            </a:endParaRPr>
+          </a:p>
+          <a:p>
+            <a:pPr marL="432000" indent="-324000">
+              <a:spcBef>
+                <a:spcPts val="1060"/>
+              </a:spcBef>
+              <a:buClr>
+                <a:srgbClr val="77caee"/>
+              </a:buClr>
+              <a:buSzPct val="45000"/>
+              <a:buFont typeface="Wingdings" charset="2"/>
+              <a:buChar char=""/>
+            </a:pPr>
+            <a:r>
+              <a:rPr b="0" lang="en-US" sz="2400" spc="-1" strike="noStrike">
+                <a:solidFill>
+                  <a:srgbClr val="009bdd"/>
+                </a:solidFill>
+                <a:latin typeface="Arial"/>
+              </a:rPr>
+              <a:t>Used to test your roles</a:t>
+            </a:r>
+            <a:endParaRPr b="0" lang="en-US" sz="2400" spc="-1" strike="noStrike">
+              <a:solidFill>
+                <a:srgbClr val="009bdd"/>
+              </a:solidFill>
+              <a:latin typeface="Arial"/>
+            </a:endParaRPr>
+          </a:p>
+          <a:p>
+            <a:pPr marL="432000" indent="-324000">
+              <a:spcBef>
+                <a:spcPts val="1060"/>
+              </a:spcBef>
+              <a:buClr>
+                <a:srgbClr val="77caee"/>
+              </a:buClr>
+              <a:buSzPct val="45000"/>
+              <a:buFont typeface="Wingdings" charset="2"/>
+              <a:buChar char=""/>
+            </a:pPr>
+            <a:r>
+              <a:rPr b="0" lang="en-US" sz="2400" spc="-1" strike="noStrike">
+                <a:solidFill>
+                  <a:srgbClr val="009bdd"/>
+                </a:solidFill>
+                <a:latin typeface="Arial"/>
+              </a:rPr>
+              <a:t> </a:t>
             </a:r>
             <a:endParaRPr b="0" lang="en-US" sz="2400" spc="-1" strike="noStrike">
               <a:solidFill>
@@ -5433,7 +5925,7 @@
                 </a:solidFill>
                 <a:latin typeface="Arial"/>
               </a:rPr>
-              <a:t>Future</a:t>
+              <a:t>ansible-galaxy</a:t>
             </a:r>
             <a:endParaRPr b="0" lang="en-US" sz="3300" spc="-1" strike="noStrike">
               <a:solidFill>
@@ -5486,7 +5978,7 @@
                 </a:solidFill>
                 <a:latin typeface="Arial"/>
               </a:rPr>
-              <a:t>AWX / Ansible Tower</a:t>
+              <a:t>ansible-galaxy role|collection search &lt;name&gt;</a:t>
             </a:r>
             <a:endParaRPr b="0" lang="en-US" sz="2400" spc="-1" strike="noStrike">
               <a:solidFill>
@@ -5514,7 +6006,152 @@
                 </a:solidFill>
                 <a:latin typeface="Arial"/>
               </a:rPr>
-              <a:t>CI/CD</a:t>
+              <a:t>Roles in galaxy hub for many purposes</a:t>
+            </a:r>
+            <a:endParaRPr b="0" lang="en-US" sz="2400" spc="-1" strike="noStrike">
+              <a:solidFill>
+                <a:srgbClr val="009bdd"/>
+              </a:solidFill>
+              <a:latin typeface="Arial"/>
+            </a:endParaRPr>
+          </a:p>
+          <a:p>
+            <a:pPr marL="432000" indent="-324000">
+              <a:spcBef>
+                <a:spcPts val="1060"/>
+              </a:spcBef>
+              <a:buClr>
+                <a:srgbClr val="77caee"/>
+              </a:buClr>
+              <a:buSzPct val="45000"/>
+              <a:buFont typeface="Wingdings" charset="2"/>
+              <a:buChar char=""/>
+            </a:pPr>
+            <a:endParaRPr b="0" lang="en-US" sz="2400" spc="-1" strike="noStrike">
+              <a:solidFill>
+                <a:srgbClr val="009bdd"/>
+              </a:solidFill>
+              <a:latin typeface="Arial"/>
+            </a:endParaRPr>
+          </a:p>
+        </p:txBody>
+      </p:sp>
+    </p:spTree>
+  </p:cSld>
+  <mc:AlternateContent>
+    <mc:Choice Requires="p14">
+      <p:transition spd="slow" p14:dur="2000"/>
+    </mc:Choice>
+    <mc:Fallback>
+      <p:transition spd="slow"/>
+    </mc:Fallback>
+  </mc:AlternateContent>
+</p:sld>
+</file>
+
+<file path=ppt/slides/slide9.xml><?xml version="1.0" encoding="utf-8"?>
+<p:sld xmlns:a="http://schemas.openxmlformats.org/drawingml/2006/main" xmlns:p="http://schemas.openxmlformats.org/presentationml/2006/main" xmlns:r="http://schemas.openxmlformats.org/officeDocument/2006/relationships" xmlns:p14="http://schemas.microsoft.com/office/powerpoint/2010/main" xmlns:p15="http://schemas.microsoft.com/office/powerpoint/2012/main" xmlns:mc="http://schemas.openxmlformats.org/markup-compatibility/2006">
+  <p:cSld>
+    <p:spTree>
+      <p:nvGrpSpPr>
+        <p:cNvPr id="1" name=""/>
+        <p:cNvGrpSpPr/>
+        <p:nvPr/>
+      </p:nvGrpSpPr>
+      <p:grpSpPr>
+        <a:xfrm>
+          <a:off x="0" y="0"/>
+          <a:ext cx="0" cy="0"/>
+          <a:chOff x="0" y="0"/>
+          <a:chExt cx="0" cy="0"/>
+        </a:xfrm>
+      </p:grpSpPr>
+      <p:sp>
+        <p:nvSpPr>
+          <p:cNvPr id="100" name=""/>
+          <p:cNvSpPr txBox="1"/>
+          <p:nvPr/>
+        </p:nvSpPr>
+        <p:spPr>
+          <a:xfrm>
+            <a:off x="360000" y="180000"/>
+            <a:ext cx="9360000" cy="478080"/>
+          </a:xfrm>
+          <a:prstGeom prst="rect">
+            <a:avLst/>
+          </a:prstGeom>
+          <a:noFill/>
+          <a:ln w="0">
+            <a:noFill/>
+          </a:ln>
+        </p:spPr>
+        <p:txBody>
+          <a:bodyPr lIns="0" rIns="0" tIns="0" bIns="0" anchor="ctr">
+            <a:noAutofit/>
+          </a:bodyPr>
+          <a:p>
+            <a:pPr algn="ctr"/>
+            <a:r>
+              <a:rPr b="0" lang="en-US" sz="3300" spc="-1" strike="noStrike">
+                <a:solidFill>
+                  <a:srgbClr val="ffffff"/>
+                </a:solidFill>
+                <a:latin typeface="Arial"/>
+              </a:rPr>
+              <a:t>Ansible environment</a:t>
+            </a:r>
+            <a:endParaRPr b="0" lang="en-US" sz="3300" spc="-1" strike="noStrike">
+              <a:solidFill>
+                <a:srgbClr val="ffffff"/>
+              </a:solidFill>
+              <a:latin typeface="Arial"/>
+            </a:endParaRPr>
+          </a:p>
+        </p:txBody>
+      </p:sp>
+      <p:sp>
+        <p:nvSpPr>
+          <p:cNvPr id="101" name=""/>
+          <p:cNvSpPr txBox="1"/>
+          <p:nvPr/>
+        </p:nvSpPr>
+        <p:spPr>
+          <a:xfrm>
+            <a:off x="360000" y="1080000"/>
+            <a:ext cx="9360000" cy="3600000"/>
+          </a:xfrm>
+          <a:prstGeom prst="rect">
+            <a:avLst/>
+          </a:prstGeom>
+          <a:noFill/>
+          <a:ln w="0">
+            <a:noFill/>
+          </a:ln>
+        </p:spPr>
+        <p:txBody>
+          <a:bodyPr lIns="0" rIns="0" tIns="0" bIns="0">
+            <a:noAutofit/>
+          </a:bodyPr>
+          <a:p>
+            <a:pPr marL="432000" indent="-324000">
+              <a:spcBef>
+                <a:spcPts val="1060"/>
+              </a:spcBef>
+              <a:buClr>
+                <a:srgbClr val="77caee"/>
+              </a:buClr>
+              <a:buSzPct val="45000"/>
+              <a:buFont typeface="Wingdings" charset="2"/>
+              <a:buChar char=""/>
+            </a:pPr>
+            <a:r>
+              <a:rPr b="0" lang="en-US" sz="2400" spc="-1" strike="noStrike">
+                <a:solidFill>
+                  <a:srgbClr val="009bdd"/>
+                </a:solidFill>
+                <a:latin typeface="Arial"/>
+              </a:rPr>
+              <a:t>Use virtualenv, requirements.txt, and pip</a:t>
             </a:r>
             <a:endParaRPr b="0" lang="en-US" sz="2400" spc="-1" strike="noStrike">
               <a:solidFill>
@@ -5542,7 +6179,7 @@
                 </a:solidFill>
                 <a:latin typeface="Arial"/>
               </a:rPr>
-              <a:t>Jenkins</a:t>
+              <a:t>Keeps tree clean</a:t>
             </a:r>
             <a:endParaRPr b="0" lang="en-US" sz="2100" spc="-1" strike="noStrike">
               <a:solidFill>
@@ -5570,7 +6207,7 @@
                 </a:solidFill>
                 <a:latin typeface="Arial"/>
               </a:rPr>
-              <a:t>github/gitlab</a:t>
+              <a:t>Doesn’t pollute rest of system</a:t>
             </a:r>
             <a:endParaRPr b="0" lang="en-US" sz="2100" spc="-1" strike="noStrike">
               <a:solidFill>
@@ -5591,7 +6228,16 @@
               <a:buFont typeface="Wingdings" charset="2"/>
               <a:buChar char=""/>
             </a:pPr>
-            <a:endParaRPr b="0" lang="en-US" sz="2100" spc="-1" strike="noStrike">
+            <a:r>
+              <a:rPr b="0" lang="en-US" sz="2400" spc="-1" strike="noStrike">
+                <a:solidFill>
+                  <a:srgbClr val="009bdd"/>
+                </a:solidFill>
+                <a:latin typeface="Arial"/>
+              </a:rPr>
+              <a:t>Alternatively, docker container</a:t>
+            </a:r>
+            <a:endParaRPr b="0" lang="en-US" sz="2400" spc="-1" strike="noStrike">
               <a:solidFill>
                 <a:srgbClr val="009bdd"/>
               </a:solidFill>

--- a/docs/ansible-slides.pptx
+++ b/docs/ansible-slides.pptx
@@ -3382,7 +3382,7 @@
           </a:bodyPr>
           <a:p>
             <a:pPr algn="r"/>
-            <a:fld id="{CD2C2807-2559-4369-BDC1-80D0DA673075}" type="slidenum">
+            <a:fld id="{9B60F9E0-D808-48A0-B074-48A79006E46B}" type="slidenum">
               <a:rPr b="0" lang="en-US" sz="1400" spc="-1" strike="noStrike">
                 <a:solidFill>
                   <a:srgbClr val="ffffff"/>
@@ -3893,7 +3893,7 @@
           </a:bodyPr>
           <a:p>
             <a:pPr algn="r"/>
-            <a:fld id="{23D40FD9-7E95-4949-B25E-3C02C69C642B}" type="slidenum">
+            <a:fld id="{DF1D8DB5-DBCC-43E8-B213-C98F0F240C88}" type="slidenum">
               <a:rPr b="0" lang="en-US" sz="1400" spc="-1" strike="noStrike">
                 <a:solidFill>
                   <a:srgbClr val="ffffff"/>

--- a/docs/ansible-slides.pptx
+++ b/docs/ansible-slides.pptx
@@ -16,6 +16,15 @@
     <p:sldId id="263" r:id="rId11"/>
     <p:sldId id="264" r:id="rId12"/>
     <p:sldId id="265" r:id="rId13"/>
+    <p:sldId id="266" r:id="rId14"/>
+    <p:sldId id="267" r:id="rId15"/>
+    <p:sldId id="268" r:id="rId16"/>
+    <p:sldId id="269" r:id="rId17"/>
+    <p:sldId id="270" r:id="rId18"/>
+    <p:sldId id="271" r:id="rId19"/>
+    <p:sldId id="272" r:id="rId20"/>
+    <p:sldId id="273" r:id="rId21"/>
+    <p:sldId id="274" r:id="rId22"/>
   </p:sldIdLst>
   <p:sldSz cx="10080625" cy="5670550"/>
   <p:notesSz cx="7559675" cy="10691812"/>
@@ -3382,7 +3391,7 @@
           </a:bodyPr>
           <a:p>
             <a:pPr algn="r"/>
-            <a:fld id="{9B60F9E0-D808-48A0-B074-48A79006E46B}" type="slidenum">
+            <a:fld id="{48FAAA11-1FCA-43C7-AED7-3CCE6B9C4E49}" type="slidenum">
               <a:rPr b="0" lang="en-US" sz="1400" spc="-1" strike="noStrike">
                 <a:solidFill>
                   <a:srgbClr val="ffffff"/>
@@ -3893,7 +3902,7 @@
           </a:bodyPr>
           <a:p>
             <a:pPr algn="r"/>
-            <a:fld id="{DF1D8DB5-DBCC-43E8-B213-C98F0F240C88}" type="slidenum">
+            <a:fld id="{8996471D-2120-4D71-8DF8-86E2399C42B5}" type="slidenum">
               <a:rPr b="0" lang="en-US" sz="1400" spc="-1" strike="noStrike">
                 <a:solidFill>
                   <a:srgbClr val="ffffff"/>
@@ -4053,6 +4062,2195 @@
                 </a:solidFill>
                 <a:latin typeface="Arial"/>
               </a:rPr>
+              <a:t>Role Structure</a:t>
+            </a:r>
+            <a:endParaRPr b="0" lang="en-US" sz="3300" spc="-1" strike="noStrike">
+              <a:solidFill>
+                <a:srgbClr val="ffffff"/>
+              </a:solidFill>
+              <a:latin typeface="Arial"/>
+            </a:endParaRPr>
+          </a:p>
+        </p:txBody>
+      </p:sp>
+      <p:sp>
+        <p:nvSpPr>
+          <p:cNvPr id="103" name=""/>
+          <p:cNvSpPr txBox="1"/>
+          <p:nvPr/>
+        </p:nvSpPr>
+        <p:spPr>
+          <a:xfrm>
+            <a:off x="360000" y="1080000"/>
+            <a:ext cx="9360000" cy="3600000"/>
+          </a:xfrm>
+          <a:prstGeom prst="rect">
+            <a:avLst/>
+          </a:prstGeom>
+          <a:noFill/>
+          <a:ln w="0">
+            <a:noFill/>
+          </a:ln>
+        </p:spPr>
+        <p:txBody>
+          <a:bodyPr lIns="0" rIns="0" tIns="0" bIns="0">
+            <a:noAutofit/>
+          </a:bodyPr>
+          <a:p>
+            <a:pPr marL="432000" indent="-324000">
+              <a:spcBef>
+                <a:spcPts val="1060"/>
+              </a:spcBef>
+              <a:buClr>
+                <a:srgbClr val="77caee"/>
+              </a:buClr>
+              <a:buSzPct val="45000"/>
+              <a:buFont typeface="Wingdings" charset="2"/>
+              <a:buChar char=""/>
+            </a:pPr>
+            <a:r>
+              <a:rPr b="0" lang="en-US" sz="2400" spc="-1" strike="noStrike">
+                <a:solidFill>
+                  <a:srgbClr val="009bdd"/>
+                </a:solidFill>
+                <a:latin typeface="Arial"/>
+              </a:rPr>
+              <a:t>Files</a:t>
+            </a:r>
+            <a:endParaRPr b="0" lang="en-US" sz="2400" spc="-1" strike="noStrike">
+              <a:solidFill>
+                <a:srgbClr val="009bdd"/>
+              </a:solidFill>
+              <a:latin typeface="Arial"/>
+            </a:endParaRPr>
+          </a:p>
+          <a:p>
+            <a:pPr lvl="1" marL="864000" indent="-324000">
+              <a:spcBef>
+                <a:spcPts val="850"/>
+              </a:spcBef>
+              <a:buClr>
+                <a:srgbClr val="77caee"/>
+              </a:buClr>
+              <a:buSzPct val="45000"/>
+              <a:buFont typeface="Wingdings" charset="2"/>
+              <a:buChar char=""/>
+            </a:pPr>
+            <a:r>
+              <a:rPr b="0" lang="en-US" sz="2100" spc="-1" strike="noStrike">
+                <a:solidFill>
+                  <a:srgbClr val="009bdd"/>
+                </a:solidFill>
+                <a:latin typeface="Arial"/>
+              </a:rPr>
+              <a:t>Store files for this specific role</a:t>
+            </a:r>
+            <a:endParaRPr b="0" lang="en-US" sz="2100" spc="-1" strike="noStrike">
+              <a:solidFill>
+                <a:srgbClr val="009bdd"/>
+              </a:solidFill>
+              <a:latin typeface="Arial"/>
+            </a:endParaRPr>
+          </a:p>
+          <a:p>
+            <a:pPr lvl="1" marL="864000" indent="-324000">
+              <a:spcBef>
+                <a:spcPts val="850"/>
+              </a:spcBef>
+              <a:buClr>
+                <a:srgbClr val="77caee"/>
+              </a:buClr>
+              <a:buSzPct val="45000"/>
+              <a:buFont typeface="Wingdings" charset="2"/>
+              <a:buChar char=""/>
+            </a:pPr>
+            <a:r>
+              <a:rPr b="0" lang="en-US" sz="2100" spc="-1" strike="noStrike">
+                <a:solidFill>
+                  <a:srgbClr val="009bdd"/>
+                </a:solidFill>
+                <a:latin typeface="Arial"/>
+              </a:rPr>
+              <a:t>Files will be copied to remote hosts (with proper code)</a:t>
+            </a:r>
+            <a:endParaRPr b="0" lang="en-US" sz="2100" spc="-1" strike="noStrike">
+              <a:solidFill>
+                <a:srgbClr val="009bdd"/>
+              </a:solidFill>
+              <a:latin typeface="Arial"/>
+            </a:endParaRPr>
+          </a:p>
+        </p:txBody>
+      </p:sp>
+    </p:spTree>
+  </p:cSld>
+  <mc:AlternateContent>
+    <mc:Choice Requires="p14">
+      <p:transition spd="slow" p14:dur="2000"/>
+    </mc:Choice>
+    <mc:Fallback>
+      <p:transition spd="slow"/>
+    </mc:Fallback>
+  </mc:AlternateContent>
+</p:sld>
+</file>
+
+<file path=ppt/slides/slide11.xml><?xml version="1.0" encoding="utf-8"?>
+<p:sld xmlns:a="http://schemas.openxmlformats.org/drawingml/2006/main" xmlns:p="http://schemas.openxmlformats.org/presentationml/2006/main" xmlns:r="http://schemas.openxmlformats.org/officeDocument/2006/relationships" xmlns:p14="http://schemas.microsoft.com/office/powerpoint/2010/main" xmlns:p15="http://schemas.microsoft.com/office/powerpoint/2012/main" xmlns:mc="http://schemas.openxmlformats.org/markup-compatibility/2006">
+  <p:cSld>
+    <p:spTree>
+      <p:nvGrpSpPr>
+        <p:cNvPr id="1" name=""/>
+        <p:cNvGrpSpPr/>
+        <p:nvPr/>
+      </p:nvGrpSpPr>
+      <p:grpSpPr>
+        <a:xfrm>
+          <a:off x="0" y="0"/>
+          <a:ext cx="0" cy="0"/>
+          <a:chOff x="0" y="0"/>
+          <a:chExt cx="0" cy="0"/>
+        </a:xfrm>
+      </p:grpSpPr>
+      <p:sp>
+        <p:nvSpPr>
+          <p:cNvPr id="104" name=""/>
+          <p:cNvSpPr txBox="1"/>
+          <p:nvPr/>
+        </p:nvSpPr>
+        <p:spPr>
+          <a:xfrm>
+            <a:off x="360000" y="180000"/>
+            <a:ext cx="9360000" cy="478080"/>
+          </a:xfrm>
+          <a:prstGeom prst="rect">
+            <a:avLst/>
+          </a:prstGeom>
+          <a:noFill/>
+          <a:ln w="0">
+            <a:noFill/>
+          </a:ln>
+        </p:spPr>
+        <p:txBody>
+          <a:bodyPr lIns="0" rIns="0" tIns="0" bIns="0" anchor="ctr">
+            <a:noAutofit/>
+          </a:bodyPr>
+          <a:p>
+            <a:pPr algn="ctr"/>
+            <a:r>
+              <a:rPr b="0" lang="en-US" sz="3300" spc="-1" strike="noStrike">
+                <a:solidFill>
+                  <a:srgbClr val="ffffff"/>
+                </a:solidFill>
+                <a:latin typeface="Arial"/>
+              </a:rPr>
+              <a:t>Role Structure</a:t>
+            </a:r>
+            <a:endParaRPr b="0" lang="en-US" sz="3300" spc="-1" strike="noStrike">
+              <a:solidFill>
+                <a:srgbClr val="ffffff"/>
+              </a:solidFill>
+              <a:latin typeface="Arial"/>
+            </a:endParaRPr>
+          </a:p>
+        </p:txBody>
+      </p:sp>
+      <p:sp>
+        <p:nvSpPr>
+          <p:cNvPr id="105" name=""/>
+          <p:cNvSpPr txBox="1"/>
+          <p:nvPr/>
+        </p:nvSpPr>
+        <p:spPr>
+          <a:xfrm>
+            <a:off x="360000" y="1080000"/>
+            <a:ext cx="9360000" cy="3600000"/>
+          </a:xfrm>
+          <a:prstGeom prst="rect">
+            <a:avLst/>
+          </a:prstGeom>
+          <a:noFill/>
+          <a:ln w="0">
+            <a:noFill/>
+          </a:ln>
+        </p:spPr>
+        <p:txBody>
+          <a:bodyPr lIns="0" rIns="0" tIns="0" bIns="0">
+            <a:noAutofit/>
+          </a:bodyPr>
+          <a:p>
+            <a:pPr marL="432000" indent="-324000">
+              <a:spcBef>
+                <a:spcPts val="1060"/>
+              </a:spcBef>
+              <a:buClr>
+                <a:srgbClr val="77caee"/>
+              </a:buClr>
+              <a:buSzPct val="45000"/>
+              <a:buFont typeface="Wingdings" charset="2"/>
+              <a:buChar char=""/>
+            </a:pPr>
+            <a:r>
+              <a:rPr b="0" lang="en-US" sz="2400" spc="-1" strike="noStrike">
+                <a:solidFill>
+                  <a:srgbClr val="009bdd"/>
+                </a:solidFill>
+                <a:latin typeface="Arial"/>
+              </a:rPr>
+              <a:t>Tasks</a:t>
+            </a:r>
+            <a:endParaRPr b="0" lang="en-US" sz="2400" spc="-1" strike="noStrike">
+              <a:solidFill>
+                <a:srgbClr val="009bdd"/>
+              </a:solidFill>
+              <a:latin typeface="Arial"/>
+            </a:endParaRPr>
+          </a:p>
+          <a:p>
+            <a:pPr lvl="1" marL="864000" indent="-324000">
+              <a:spcBef>
+                <a:spcPts val="850"/>
+              </a:spcBef>
+              <a:buClr>
+                <a:srgbClr val="77caee"/>
+              </a:buClr>
+              <a:buSzPct val="45000"/>
+              <a:buFont typeface="Wingdings" charset="2"/>
+              <a:buChar char=""/>
+            </a:pPr>
+            <a:r>
+              <a:rPr b="0" lang="en-US" sz="2100" spc="-1" strike="noStrike">
+                <a:solidFill>
+                  <a:srgbClr val="009bdd"/>
+                </a:solidFill>
+                <a:latin typeface="Arial"/>
+              </a:rPr>
+              <a:t>Lists of tasks to perform on a host</a:t>
+            </a:r>
+            <a:endParaRPr b="0" lang="en-US" sz="2100" spc="-1" strike="noStrike">
+              <a:solidFill>
+                <a:srgbClr val="009bdd"/>
+              </a:solidFill>
+              <a:latin typeface="Arial"/>
+            </a:endParaRPr>
+          </a:p>
+          <a:p>
+            <a:pPr lvl="1" marL="864000" indent="-324000">
+              <a:spcBef>
+                <a:spcPts val="850"/>
+              </a:spcBef>
+              <a:buClr>
+                <a:srgbClr val="77caee"/>
+              </a:buClr>
+              <a:buSzPct val="45000"/>
+              <a:buFont typeface="Wingdings" charset="2"/>
+              <a:buChar char=""/>
+            </a:pPr>
+            <a:r>
+              <a:rPr b="0" lang="en-US" sz="2100" spc="-1" strike="noStrike">
+                <a:solidFill>
+                  <a:srgbClr val="009bdd"/>
+                </a:solidFill>
+                <a:latin typeface="Arial"/>
+              </a:rPr>
+              <a:t>Uses data from defaults and vars, and other variable sources</a:t>
+            </a:r>
+            <a:endParaRPr b="0" lang="en-US" sz="2100" spc="-1" strike="noStrike">
+              <a:solidFill>
+                <a:srgbClr val="009bdd"/>
+              </a:solidFill>
+              <a:latin typeface="Arial"/>
+            </a:endParaRPr>
+          </a:p>
+          <a:p>
+            <a:pPr lvl="1" marL="864000" indent="-324000">
+              <a:spcBef>
+                <a:spcPts val="850"/>
+              </a:spcBef>
+              <a:buClr>
+                <a:srgbClr val="77caee"/>
+              </a:buClr>
+              <a:buSzPct val="45000"/>
+              <a:buFont typeface="Wingdings" charset="2"/>
+              <a:buChar char=""/>
+            </a:pPr>
+            <a:r>
+              <a:rPr b="0" lang="en-US" sz="2100" spc="-1" strike="noStrike">
+                <a:solidFill>
+                  <a:srgbClr val="009bdd"/>
+                </a:solidFill>
+                <a:latin typeface="Arial"/>
+              </a:rPr>
+              <a:t>Set of steps processed in order</a:t>
+            </a:r>
+            <a:endParaRPr b="0" lang="en-US" sz="2100" spc="-1" strike="noStrike">
+              <a:solidFill>
+                <a:srgbClr val="009bdd"/>
+              </a:solidFill>
+              <a:latin typeface="Arial"/>
+            </a:endParaRPr>
+          </a:p>
+          <a:p>
+            <a:pPr lvl="1" marL="864000" indent="-324000">
+              <a:spcBef>
+                <a:spcPts val="850"/>
+              </a:spcBef>
+              <a:buClr>
+                <a:srgbClr val="77caee"/>
+              </a:buClr>
+              <a:buSzPct val="45000"/>
+              <a:buFont typeface="Wingdings" charset="2"/>
+              <a:buChar char=""/>
+            </a:pPr>
+            <a:r>
+              <a:rPr b="0" lang="en-US" sz="2100" spc="-1" strike="noStrike">
+                <a:solidFill>
+                  <a:srgbClr val="009bdd"/>
+                </a:solidFill>
+                <a:latin typeface="Arial"/>
+              </a:rPr>
+              <a:t>Can use conditionals to perform steps under specific circumstances</a:t>
+            </a:r>
+            <a:endParaRPr b="0" lang="en-US" sz="2100" spc="-1" strike="noStrike">
+              <a:solidFill>
+                <a:srgbClr val="009bdd"/>
+              </a:solidFill>
+              <a:latin typeface="Arial"/>
+            </a:endParaRPr>
+          </a:p>
+          <a:p>
+            <a:pPr lvl="2" marL="1296000" indent="-288000">
+              <a:spcBef>
+                <a:spcPts val="635"/>
+              </a:spcBef>
+              <a:buClr>
+                <a:srgbClr val="77caee"/>
+              </a:buClr>
+              <a:buSzPct val="45000"/>
+              <a:buFont typeface="Wingdings" charset="2"/>
+              <a:buChar char=""/>
+            </a:pPr>
+            <a:r>
+              <a:rPr b="0" lang="en-US" sz="1800" spc="-1" strike="noStrike">
+                <a:solidFill>
+                  <a:srgbClr val="009bdd"/>
+                </a:solidFill>
+                <a:latin typeface="Arial"/>
+              </a:rPr>
+              <a:t>enable/disable features</a:t>
+            </a:r>
+            <a:endParaRPr b="0" lang="en-US" sz="1800" spc="-1" strike="noStrike">
+              <a:solidFill>
+                <a:srgbClr val="009bdd"/>
+              </a:solidFill>
+              <a:latin typeface="Arial"/>
+            </a:endParaRPr>
+          </a:p>
+          <a:p>
+            <a:pPr lvl="2" marL="1296000" indent="-288000">
+              <a:spcBef>
+                <a:spcPts val="635"/>
+              </a:spcBef>
+              <a:buClr>
+                <a:srgbClr val="77caee"/>
+              </a:buClr>
+              <a:buSzPct val="45000"/>
+              <a:buFont typeface="Wingdings" charset="2"/>
+              <a:buChar char=""/>
+            </a:pPr>
+            <a:r>
+              <a:rPr b="0" lang="en-US" sz="1800" spc="-1" strike="noStrike">
+                <a:solidFill>
+                  <a:srgbClr val="009bdd"/>
+                </a:solidFill>
+                <a:latin typeface="Arial"/>
+              </a:rPr>
+              <a:t>Use different packages for different distributions</a:t>
+            </a:r>
+            <a:endParaRPr b="0" lang="en-US" sz="1800" spc="-1" strike="noStrike">
+              <a:solidFill>
+                <a:srgbClr val="009bdd"/>
+              </a:solidFill>
+              <a:latin typeface="Arial"/>
+            </a:endParaRPr>
+          </a:p>
+        </p:txBody>
+      </p:sp>
+    </p:spTree>
+  </p:cSld>
+  <mc:AlternateContent>
+    <mc:Choice Requires="p14">
+      <p:transition spd="slow" p14:dur="2000"/>
+    </mc:Choice>
+    <mc:Fallback>
+      <p:transition spd="slow"/>
+    </mc:Fallback>
+  </mc:AlternateContent>
+</p:sld>
+</file>
+
+<file path=ppt/slides/slide12.xml><?xml version="1.0" encoding="utf-8"?>
+<p:sld xmlns:a="http://schemas.openxmlformats.org/drawingml/2006/main" xmlns:p="http://schemas.openxmlformats.org/presentationml/2006/main" xmlns:r="http://schemas.openxmlformats.org/officeDocument/2006/relationships" xmlns:p14="http://schemas.microsoft.com/office/powerpoint/2010/main" xmlns:p15="http://schemas.microsoft.com/office/powerpoint/2012/main" xmlns:mc="http://schemas.openxmlformats.org/markup-compatibility/2006">
+  <p:cSld>
+    <p:spTree>
+      <p:nvGrpSpPr>
+        <p:cNvPr id="1" name=""/>
+        <p:cNvGrpSpPr/>
+        <p:nvPr/>
+      </p:nvGrpSpPr>
+      <p:grpSpPr>
+        <a:xfrm>
+          <a:off x="0" y="0"/>
+          <a:ext cx="0" cy="0"/>
+          <a:chOff x="0" y="0"/>
+          <a:chExt cx="0" cy="0"/>
+        </a:xfrm>
+      </p:grpSpPr>
+      <p:sp>
+        <p:nvSpPr>
+          <p:cNvPr id="106" name=""/>
+          <p:cNvSpPr txBox="1"/>
+          <p:nvPr/>
+        </p:nvSpPr>
+        <p:spPr>
+          <a:xfrm>
+            <a:off x="360000" y="180000"/>
+            <a:ext cx="9360000" cy="478080"/>
+          </a:xfrm>
+          <a:prstGeom prst="rect">
+            <a:avLst/>
+          </a:prstGeom>
+          <a:noFill/>
+          <a:ln w="0">
+            <a:noFill/>
+          </a:ln>
+        </p:spPr>
+        <p:txBody>
+          <a:bodyPr lIns="0" rIns="0" tIns="0" bIns="0" anchor="ctr">
+            <a:noAutofit/>
+          </a:bodyPr>
+          <a:p>
+            <a:pPr algn="ctr"/>
+            <a:r>
+              <a:rPr b="0" lang="en-US" sz="3300" spc="-1" strike="noStrike">
+                <a:solidFill>
+                  <a:srgbClr val="ffffff"/>
+                </a:solidFill>
+                <a:latin typeface="Arial"/>
+              </a:rPr>
+              <a:t>Role Structure</a:t>
+            </a:r>
+            <a:endParaRPr b="0" lang="en-US" sz="3300" spc="-1" strike="noStrike">
+              <a:solidFill>
+                <a:srgbClr val="ffffff"/>
+              </a:solidFill>
+              <a:latin typeface="Arial"/>
+            </a:endParaRPr>
+          </a:p>
+        </p:txBody>
+      </p:sp>
+      <p:sp>
+        <p:nvSpPr>
+          <p:cNvPr id="107" name=""/>
+          <p:cNvSpPr txBox="1"/>
+          <p:nvPr/>
+        </p:nvSpPr>
+        <p:spPr>
+          <a:xfrm>
+            <a:off x="360000" y="1080000"/>
+            <a:ext cx="9360000" cy="3600000"/>
+          </a:xfrm>
+          <a:prstGeom prst="rect">
+            <a:avLst/>
+          </a:prstGeom>
+          <a:noFill/>
+          <a:ln w="0">
+            <a:noFill/>
+          </a:ln>
+        </p:spPr>
+        <p:txBody>
+          <a:bodyPr lIns="0" rIns="0" tIns="0" bIns="0">
+            <a:noAutofit/>
+          </a:bodyPr>
+          <a:p>
+            <a:pPr marL="432000" indent="-324000">
+              <a:spcBef>
+                <a:spcPts val="1060"/>
+              </a:spcBef>
+              <a:buClr>
+                <a:srgbClr val="77caee"/>
+              </a:buClr>
+              <a:buSzPct val="45000"/>
+              <a:buFont typeface="Wingdings" charset="2"/>
+              <a:buChar char=""/>
+            </a:pPr>
+            <a:r>
+              <a:rPr b="0" lang="en-US" sz="2400" spc="-1" strike="noStrike">
+                <a:solidFill>
+                  <a:srgbClr val="009bdd"/>
+                </a:solidFill>
+                <a:latin typeface="Arial"/>
+              </a:rPr>
+              <a:t>Templates</a:t>
+            </a:r>
+            <a:endParaRPr b="0" lang="en-US" sz="2400" spc="-1" strike="noStrike">
+              <a:solidFill>
+                <a:srgbClr val="009bdd"/>
+              </a:solidFill>
+              <a:latin typeface="Arial"/>
+            </a:endParaRPr>
+          </a:p>
+          <a:p>
+            <a:pPr lvl="1" marL="864000" indent="-324000">
+              <a:spcBef>
+                <a:spcPts val="850"/>
+              </a:spcBef>
+              <a:buClr>
+                <a:srgbClr val="77caee"/>
+              </a:buClr>
+              <a:buSzPct val="45000"/>
+              <a:buFont typeface="Wingdings" charset="2"/>
+              <a:buChar char=""/>
+            </a:pPr>
+            <a:r>
+              <a:rPr b="0" lang="en-US" sz="2100" spc="-1" strike="noStrike">
+                <a:solidFill>
+                  <a:srgbClr val="009bdd"/>
+                </a:solidFill>
+                <a:latin typeface="Arial"/>
+              </a:rPr>
+              <a:t>Updating files with variable substitution</a:t>
+            </a:r>
+            <a:endParaRPr b="0" lang="en-US" sz="2100" spc="-1" strike="noStrike">
+              <a:solidFill>
+                <a:srgbClr val="009bdd"/>
+              </a:solidFill>
+              <a:latin typeface="Arial"/>
+            </a:endParaRPr>
+          </a:p>
+          <a:p>
+            <a:pPr lvl="1" marL="864000" indent="-324000">
+              <a:spcBef>
+                <a:spcPts val="850"/>
+              </a:spcBef>
+              <a:buClr>
+                <a:srgbClr val="77caee"/>
+              </a:buClr>
+              <a:buSzPct val="45000"/>
+              <a:buFont typeface="Wingdings" charset="2"/>
+              <a:buChar char=""/>
+            </a:pPr>
+            <a:r>
+              <a:rPr b="0" lang="en-US" sz="2100" spc="-1" strike="noStrike">
+                <a:solidFill>
+                  <a:srgbClr val="009bdd"/>
+                </a:solidFill>
+                <a:latin typeface="Arial"/>
+              </a:rPr>
+              <a:t>Uses jinja2 templating</a:t>
+            </a:r>
+            <a:endParaRPr b="0" lang="en-US" sz="2100" spc="-1" strike="noStrike">
+              <a:solidFill>
+                <a:srgbClr val="009bdd"/>
+              </a:solidFill>
+              <a:latin typeface="Arial"/>
+            </a:endParaRPr>
+          </a:p>
+        </p:txBody>
+      </p:sp>
+    </p:spTree>
+  </p:cSld>
+  <mc:AlternateContent>
+    <mc:Choice Requires="p14">
+      <p:transition spd="slow" p14:dur="2000"/>
+    </mc:Choice>
+    <mc:Fallback>
+      <p:transition spd="slow"/>
+    </mc:Fallback>
+  </mc:AlternateContent>
+</p:sld>
+</file>
+
+<file path=ppt/slides/slide13.xml><?xml version="1.0" encoding="utf-8"?>
+<p:sld xmlns:a="http://schemas.openxmlformats.org/drawingml/2006/main" xmlns:p="http://schemas.openxmlformats.org/presentationml/2006/main" xmlns:r="http://schemas.openxmlformats.org/officeDocument/2006/relationships" xmlns:p14="http://schemas.microsoft.com/office/powerpoint/2010/main" xmlns:p15="http://schemas.microsoft.com/office/powerpoint/2012/main" xmlns:mc="http://schemas.openxmlformats.org/markup-compatibility/2006">
+  <p:cSld>
+    <p:spTree>
+      <p:nvGrpSpPr>
+        <p:cNvPr id="1" name=""/>
+        <p:cNvGrpSpPr/>
+        <p:nvPr/>
+      </p:nvGrpSpPr>
+      <p:grpSpPr>
+        <a:xfrm>
+          <a:off x="0" y="0"/>
+          <a:ext cx="0" cy="0"/>
+          <a:chOff x="0" y="0"/>
+          <a:chExt cx="0" cy="0"/>
+        </a:xfrm>
+      </p:grpSpPr>
+      <p:sp>
+        <p:nvSpPr>
+          <p:cNvPr id="108" name=""/>
+          <p:cNvSpPr txBox="1"/>
+          <p:nvPr/>
+        </p:nvSpPr>
+        <p:spPr>
+          <a:xfrm>
+            <a:off x="360000" y="180000"/>
+            <a:ext cx="9360000" cy="478080"/>
+          </a:xfrm>
+          <a:prstGeom prst="rect">
+            <a:avLst/>
+          </a:prstGeom>
+          <a:noFill/>
+          <a:ln w="0">
+            <a:noFill/>
+          </a:ln>
+        </p:spPr>
+        <p:txBody>
+          <a:bodyPr lIns="0" rIns="0" tIns="0" bIns="0" anchor="ctr">
+            <a:noAutofit/>
+          </a:bodyPr>
+          <a:p>
+            <a:pPr algn="ctr"/>
+            <a:r>
+              <a:rPr b="0" lang="en-US" sz="3300" spc="-1" strike="noStrike">
+                <a:solidFill>
+                  <a:srgbClr val="ffffff"/>
+                </a:solidFill>
+                <a:latin typeface="Arial"/>
+              </a:rPr>
+              <a:t>Role Structure</a:t>
+            </a:r>
+            <a:endParaRPr b="0" lang="en-US" sz="3300" spc="-1" strike="noStrike">
+              <a:solidFill>
+                <a:srgbClr val="ffffff"/>
+              </a:solidFill>
+              <a:latin typeface="Arial"/>
+            </a:endParaRPr>
+          </a:p>
+        </p:txBody>
+      </p:sp>
+      <p:sp>
+        <p:nvSpPr>
+          <p:cNvPr id="109" name=""/>
+          <p:cNvSpPr txBox="1"/>
+          <p:nvPr/>
+        </p:nvSpPr>
+        <p:spPr>
+          <a:xfrm>
+            <a:off x="360000" y="1080000"/>
+            <a:ext cx="9360000" cy="3600000"/>
+          </a:xfrm>
+          <a:prstGeom prst="rect">
+            <a:avLst/>
+          </a:prstGeom>
+          <a:noFill/>
+          <a:ln w="0">
+            <a:noFill/>
+          </a:ln>
+        </p:spPr>
+        <p:txBody>
+          <a:bodyPr lIns="0" rIns="0" tIns="0" bIns="0">
+            <a:noAutofit/>
+          </a:bodyPr>
+          <a:p>
+            <a:pPr marL="432000" indent="-324000">
+              <a:spcBef>
+                <a:spcPts val="1060"/>
+              </a:spcBef>
+              <a:buClr>
+                <a:srgbClr val="77caee"/>
+              </a:buClr>
+              <a:buSzPct val="45000"/>
+              <a:buFont typeface="Wingdings" charset="2"/>
+              <a:buChar char=""/>
+            </a:pPr>
+            <a:r>
+              <a:rPr b="0" lang="en-US" sz="2400" spc="-1" strike="noStrike">
+                <a:solidFill>
+                  <a:srgbClr val="009bdd"/>
+                </a:solidFill>
+                <a:latin typeface="Arial"/>
+              </a:rPr>
+              <a:t>Template Example</a:t>
+            </a:r>
+            <a:endParaRPr b="0" lang="en-US" sz="2400" spc="-1" strike="noStrike">
+              <a:solidFill>
+                <a:srgbClr val="009bdd"/>
+              </a:solidFill>
+              <a:latin typeface="Arial"/>
+            </a:endParaRPr>
+          </a:p>
+          <a:p>
+            <a:pPr marL="432000" indent="-324000">
+              <a:spcBef>
+                <a:spcPts val="1060"/>
+              </a:spcBef>
+              <a:buClr>
+                <a:srgbClr val="77caee"/>
+              </a:buClr>
+              <a:buSzPct val="45000"/>
+              <a:buFont typeface="Wingdings" charset="2"/>
+              <a:buChar char=""/>
+            </a:pPr>
+            <a:r>
+              <a:rPr b="0" lang="en-US" sz="2400" spc="-1" strike="noStrike">
+                <a:solidFill>
+                  <a:srgbClr val="009bdd"/>
+                </a:solidFill>
+                <a:latin typeface="Arial"/>
+              </a:rPr>
+              <a:t># Mysql my.cnf file</a:t>
+            </a:r>
+            <a:endParaRPr b="0" lang="en-US" sz="2400" spc="-1" strike="noStrike">
+              <a:solidFill>
+                <a:srgbClr val="009bdd"/>
+              </a:solidFill>
+              <a:latin typeface="Arial"/>
+            </a:endParaRPr>
+          </a:p>
+          <a:p>
+            <a:pPr marL="432000" indent="-324000">
+              <a:spcBef>
+                <a:spcPts val="1060"/>
+              </a:spcBef>
+              <a:buClr>
+                <a:srgbClr val="77caee"/>
+              </a:buClr>
+              <a:buSzPct val="45000"/>
+              <a:buFont typeface="Wingdings" charset="2"/>
+              <a:buChar char=""/>
+            </a:pPr>
+            <a:r>
+              <a:rPr b="0" lang="en-US" sz="2400" spc="-1" strike="noStrike">
+                <a:solidFill>
+                  <a:srgbClr val="009bdd"/>
+                </a:solidFill>
+                <a:latin typeface="Arial"/>
+              </a:rPr>
+              <a:t>[mysql]</a:t>
+            </a:r>
+            <a:endParaRPr b="0" lang="en-US" sz="2400" spc="-1" strike="noStrike">
+              <a:solidFill>
+                <a:srgbClr val="009bdd"/>
+              </a:solidFill>
+              <a:latin typeface="Arial"/>
+            </a:endParaRPr>
+          </a:p>
+          <a:p>
+            <a:pPr marL="432000" indent="-324000">
+              <a:spcBef>
+                <a:spcPts val="1060"/>
+              </a:spcBef>
+              <a:buClr>
+                <a:srgbClr val="77caee"/>
+              </a:buClr>
+              <a:buSzPct val="45000"/>
+              <a:buFont typeface="Wingdings" charset="2"/>
+              <a:buChar char=""/>
+            </a:pPr>
+            <a:r>
+              <a:rPr b="0" lang="en-US" sz="2400" spc="-1" strike="noStrike">
+                <a:solidFill>
+                  <a:srgbClr val="009bdd"/>
+                </a:solidFill>
+                <a:latin typeface="Arial"/>
+              </a:rPr>
+              <a:t>user = root</a:t>
+            </a:r>
+            <a:endParaRPr b="0" lang="en-US" sz="2400" spc="-1" strike="noStrike">
+              <a:solidFill>
+                <a:srgbClr val="009bdd"/>
+              </a:solidFill>
+              <a:latin typeface="Arial"/>
+            </a:endParaRPr>
+          </a:p>
+          <a:p>
+            <a:pPr marL="432000" indent="-324000">
+              <a:spcBef>
+                <a:spcPts val="1060"/>
+              </a:spcBef>
+              <a:buClr>
+                <a:srgbClr val="77caee"/>
+              </a:buClr>
+              <a:buSzPct val="45000"/>
+              <a:buFont typeface="Wingdings" charset="2"/>
+              <a:buChar char=""/>
+            </a:pPr>
+            <a:r>
+              <a:rPr b="0" lang="en-US" sz="2400" spc="-1" strike="noStrike">
+                <a:solidFill>
+                  <a:srgbClr val="009bdd"/>
+                </a:solidFill>
+                <a:latin typeface="Arial"/>
+              </a:rPr>
+              <a:t>password = {{ mysql_pass }}</a:t>
+            </a:r>
+            <a:endParaRPr b="0" lang="en-US" sz="2400" spc="-1" strike="noStrike">
+              <a:solidFill>
+                <a:srgbClr val="009bdd"/>
+              </a:solidFill>
+              <a:latin typeface="Arial"/>
+            </a:endParaRPr>
+          </a:p>
+          <a:p>
+            <a:pPr marL="432000" indent="-324000">
+              <a:spcBef>
+                <a:spcPts val="1060"/>
+              </a:spcBef>
+              <a:buClr>
+                <a:srgbClr val="77caee"/>
+              </a:buClr>
+              <a:buSzPct val="45000"/>
+              <a:buFont typeface="Wingdings" charset="2"/>
+              <a:buChar char=""/>
+            </a:pPr>
+            <a:r>
+              <a:rPr b="0" lang="en-US" sz="2400" spc="-1" strike="noStrike">
+                <a:solidFill>
+                  <a:srgbClr val="009bdd"/>
+                </a:solidFill>
+                <a:latin typeface="Arial"/>
+              </a:rPr>
+              <a:t>{{ mysql_pass }} will be replaced with value of mysql_pass</a:t>
+            </a:r>
+            <a:endParaRPr b="0" lang="en-US" sz="2400" spc="-1" strike="noStrike">
+              <a:solidFill>
+                <a:srgbClr val="009bdd"/>
+              </a:solidFill>
+              <a:latin typeface="Arial"/>
+            </a:endParaRPr>
+          </a:p>
+        </p:txBody>
+      </p:sp>
+    </p:spTree>
+  </p:cSld>
+  <mc:AlternateContent>
+    <mc:Choice Requires="p14">
+      <p:transition spd="slow" p14:dur="2000"/>
+    </mc:Choice>
+    <mc:Fallback>
+      <p:transition spd="slow"/>
+    </mc:Fallback>
+  </mc:AlternateContent>
+</p:sld>
+</file>
+
+<file path=ppt/slides/slide14.xml><?xml version="1.0" encoding="utf-8"?>
+<p:sld xmlns:a="http://schemas.openxmlformats.org/drawingml/2006/main" xmlns:p="http://schemas.openxmlformats.org/presentationml/2006/main" xmlns:r="http://schemas.openxmlformats.org/officeDocument/2006/relationships" xmlns:p14="http://schemas.microsoft.com/office/powerpoint/2010/main" xmlns:p15="http://schemas.microsoft.com/office/powerpoint/2012/main" xmlns:mc="http://schemas.openxmlformats.org/markup-compatibility/2006">
+  <p:cSld>
+    <p:spTree>
+      <p:nvGrpSpPr>
+        <p:cNvPr id="1" name=""/>
+        <p:cNvGrpSpPr/>
+        <p:nvPr/>
+      </p:nvGrpSpPr>
+      <p:grpSpPr>
+        <a:xfrm>
+          <a:off x="0" y="0"/>
+          <a:ext cx="0" cy="0"/>
+          <a:chOff x="0" y="0"/>
+          <a:chExt cx="0" cy="0"/>
+        </a:xfrm>
+      </p:grpSpPr>
+      <p:sp>
+        <p:nvSpPr>
+          <p:cNvPr id="110" name=""/>
+          <p:cNvSpPr txBox="1"/>
+          <p:nvPr/>
+        </p:nvSpPr>
+        <p:spPr>
+          <a:xfrm>
+            <a:off x="360000" y="180000"/>
+            <a:ext cx="9360000" cy="478080"/>
+          </a:xfrm>
+          <a:prstGeom prst="rect">
+            <a:avLst/>
+          </a:prstGeom>
+          <a:noFill/>
+          <a:ln w="0">
+            <a:noFill/>
+          </a:ln>
+        </p:spPr>
+        <p:txBody>
+          <a:bodyPr lIns="0" rIns="0" tIns="0" bIns="0" anchor="ctr">
+            <a:noAutofit/>
+          </a:bodyPr>
+          <a:p>
+            <a:pPr algn="ctr"/>
+            <a:r>
+              <a:rPr b="0" lang="en-US" sz="3300" spc="-1" strike="noStrike">
+                <a:solidFill>
+                  <a:srgbClr val="ffffff"/>
+                </a:solidFill>
+                <a:latin typeface="Arial"/>
+              </a:rPr>
+              <a:t>Pitfalls</a:t>
+            </a:r>
+            <a:endParaRPr b="0" lang="en-US" sz="3300" spc="-1" strike="noStrike">
+              <a:solidFill>
+                <a:srgbClr val="ffffff"/>
+              </a:solidFill>
+              <a:latin typeface="Arial"/>
+            </a:endParaRPr>
+          </a:p>
+        </p:txBody>
+      </p:sp>
+      <p:sp>
+        <p:nvSpPr>
+          <p:cNvPr id="111" name=""/>
+          <p:cNvSpPr txBox="1"/>
+          <p:nvPr/>
+        </p:nvSpPr>
+        <p:spPr>
+          <a:xfrm>
+            <a:off x="360000" y="1080000"/>
+            <a:ext cx="9360000" cy="3600000"/>
+          </a:xfrm>
+          <a:prstGeom prst="rect">
+            <a:avLst/>
+          </a:prstGeom>
+          <a:noFill/>
+          <a:ln w="0">
+            <a:noFill/>
+          </a:ln>
+        </p:spPr>
+        <p:txBody>
+          <a:bodyPr lIns="0" rIns="0" tIns="0" bIns="0">
+            <a:noAutofit/>
+          </a:bodyPr>
+          <a:p>
+            <a:pPr marL="432000" indent="-324000">
+              <a:spcBef>
+                <a:spcPts val="1060"/>
+              </a:spcBef>
+              <a:buClr>
+                <a:srgbClr val="77caee"/>
+              </a:buClr>
+              <a:buSzPct val="45000"/>
+              <a:buFont typeface="Wingdings" charset="2"/>
+              <a:buChar char=""/>
+            </a:pPr>
+            <a:r>
+              <a:rPr b="0" lang="en-US" sz="2400" spc="-1" strike="noStrike">
+                <a:solidFill>
+                  <a:srgbClr val="009bdd"/>
+                </a:solidFill>
+                <a:latin typeface="Arial"/>
+              </a:rPr>
+              <a:t>Global variables</a:t>
+            </a:r>
+            <a:endParaRPr b="0" lang="en-US" sz="2400" spc="-1" strike="noStrike">
+              <a:solidFill>
+                <a:srgbClr val="009bdd"/>
+              </a:solidFill>
+              <a:latin typeface="Arial"/>
+            </a:endParaRPr>
+          </a:p>
+          <a:p>
+            <a:pPr marL="432000" indent="-324000">
+              <a:spcBef>
+                <a:spcPts val="1060"/>
+              </a:spcBef>
+              <a:buClr>
+                <a:srgbClr val="77caee"/>
+              </a:buClr>
+              <a:buSzPct val="45000"/>
+              <a:buFont typeface="Wingdings" charset="2"/>
+              <a:buChar char=""/>
+            </a:pPr>
+            <a:r>
+              <a:rPr b="0" lang="en-US" sz="2400" spc="-1" strike="noStrike">
+                <a:solidFill>
+                  <a:srgbClr val="009bdd"/>
+                </a:solidFill>
+                <a:latin typeface="Arial"/>
+              </a:rPr>
+              <a:t>Hard to change values</a:t>
+            </a:r>
+            <a:endParaRPr b="0" lang="en-US" sz="2400" spc="-1" strike="noStrike">
+              <a:solidFill>
+                <a:srgbClr val="009bdd"/>
+              </a:solidFill>
+              <a:latin typeface="Arial"/>
+            </a:endParaRPr>
+          </a:p>
+          <a:p>
+            <a:pPr lvl="1" marL="864000" indent="-324000">
+              <a:spcBef>
+                <a:spcPts val="850"/>
+              </a:spcBef>
+              <a:buClr>
+                <a:srgbClr val="77caee"/>
+              </a:buClr>
+              <a:buSzPct val="45000"/>
+              <a:buFont typeface="Wingdings" charset="2"/>
+              <a:buChar char=""/>
+            </a:pPr>
+            <a:r>
+              <a:rPr b="0" lang="en-US" sz="2100" spc="-1" strike="noStrike">
+                <a:solidFill>
+                  <a:srgbClr val="009bdd"/>
+                </a:solidFill>
+                <a:latin typeface="Arial"/>
+              </a:rPr>
+              <a:t>Create new variables</a:t>
+            </a:r>
+            <a:endParaRPr b="0" lang="en-US" sz="2100" spc="-1" strike="noStrike">
+              <a:solidFill>
+                <a:srgbClr val="009bdd"/>
+              </a:solidFill>
+              <a:latin typeface="Arial"/>
+            </a:endParaRPr>
+          </a:p>
+          <a:p>
+            <a:pPr marL="432000" indent="-324000">
+              <a:spcBef>
+                <a:spcPts val="1060"/>
+              </a:spcBef>
+              <a:buClr>
+                <a:srgbClr val="77caee"/>
+              </a:buClr>
+              <a:buSzPct val="45000"/>
+              <a:buFont typeface="Wingdings" charset="2"/>
+              <a:buChar char=""/>
+            </a:pPr>
+            <a:r>
+              <a:rPr b="0" lang="en-US" sz="2400" spc="-1" strike="noStrike">
+                <a:solidFill>
+                  <a:srgbClr val="009bdd"/>
+                </a:solidFill>
+                <a:latin typeface="Arial"/>
+              </a:rPr>
+              <a:t>Name conflicts</a:t>
+            </a:r>
+            <a:endParaRPr b="0" lang="en-US" sz="2400" spc="-1" strike="noStrike">
+              <a:solidFill>
+                <a:srgbClr val="009bdd"/>
+              </a:solidFill>
+              <a:latin typeface="Arial"/>
+            </a:endParaRPr>
+          </a:p>
+          <a:p>
+            <a:pPr marL="432000" indent="-324000">
+              <a:spcBef>
+                <a:spcPts val="1060"/>
+              </a:spcBef>
+              <a:buClr>
+                <a:srgbClr val="77caee"/>
+              </a:buClr>
+              <a:buSzPct val="45000"/>
+              <a:buFont typeface="Wingdings" charset="2"/>
+              <a:buChar char=""/>
+            </a:pPr>
+            <a:r>
+              <a:rPr b="0" lang="en-US" sz="2400" spc="-1" strike="noStrike">
+                <a:solidFill>
+                  <a:srgbClr val="009bdd"/>
+                </a:solidFill>
+                <a:latin typeface="Arial"/>
+              </a:rPr>
+              <a:t>Variables aren’t typed</a:t>
+            </a:r>
+            <a:endParaRPr b="0" lang="en-US" sz="2400" spc="-1" strike="noStrike">
+              <a:solidFill>
+                <a:srgbClr val="009bdd"/>
+              </a:solidFill>
+              <a:latin typeface="Arial"/>
+            </a:endParaRPr>
+          </a:p>
+          <a:p>
+            <a:pPr marL="432000" indent="-324000">
+              <a:spcBef>
+                <a:spcPts val="1060"/>
+              </a:spcBef>
+              <a:buClr>
+                <a:srgbClr val="77caee"/>
+              </a:buClr>
+              <a:buSzPct val="45000"/>
+              <a:buFont typeface="Wingdings" charset="2"/>
+              <a:buChar char=""/>
+            </a:pPr>
+            <a:r>
+              <a:rPr b="0" lang="en-US" sz="2400" spc="-1" strike="noStrike">
+                <a:solidFill>
+                  <a:srgbClr val="009bdd"/>
+                </a:solidFill>
+                <a:latin typeface="Arial"/>
+              </a:rPr>
+              <a:t>Variable precedence</a:t>
+            </a:r>
+            <a:endParaRPr b="0" lang="en-US" sz="2400" spc="-1" strike="noStrike">
+              <a:solidFill>
+                <a:srgbClr val="009bdd"/>
+              </a:solidFill>
+              <a:latin typeface="Arial"/>
+            </a:endParaRPr>
+          </a:p>
+          <a:p>
+            <a:pPr marL="432000" indent="-324000">
+              <a:spcBef>
+                <a:spcPts val="1060"/>
+              </a:spcBef>
+              <a:buClr>
+                <a:srgbClr val="77caee"/>
+              </a:buClr>
+              <a:buSzPct val="45000"/>
+              <a:buFont typeface="Wingdings" charset="2"/>
+              <a:buChar char=""/>
+            </a:pPr>
+            <a:r>
+              <a:rPr b="0" lang="en-US" sz="2400" spc="-1" strike="noStrike">
+                <a:solidFill>
+                  <a:srgbClr val="009bdd"/>
+                </a:solidFill>
+                <a:latin typeface="Arial"/>
+              </a:rPr>
+              <a:t>Everything is permitted</a:t>
+            </a:r>
+            <a:endParaRPr b="0" lang="en-US" sz="2400" spc="-1" strike="noStrike">
+              <a:solidFill>
+                <a:srgbClr val="009bdd"/>
+              </a:solidFill>
+              <a:latin typeface="Arial"/>
+            </a:endParaRPr>
+          </a:p>
+        </p:txBody>
+      </p:sp>
+    </p:spTree>
+  </p:cSld>
+  <mc:AlternateContent>
+    <mc:Choice Requires="p14">
+      <p:transition spd="slow" p14:dur="2000"/>
+    </mc:Choice>
+    <mc:Fallback>
+      <p:transition spd="slow"/>
+    </mc:Fallback>
+  </mc:AlternateContent>
+</p:sld>
+</file>
+
+<file path=ppt/slides/slide15.xml><?xml version="1.0" encoding="utf-8"?>
+<p:sld xmlns:a="http://schemas.openxmlformats.org/drawingml/2006/main" xmlns:p="http://schemas.openxmlformats.org/presentationml/2006/main" xmlns:r="http://schemas.openxmlformats.org/officeDocument/2006/relationships" xmlns:p14="http://schemas.microsoft.com/office/powerpoint/2010/main" xmlns:p15="http://schemas.microsoft.com/office/powerpoint/2012/main" xmlns:mc="http://schemas.openxmlformats.org/markup-compatibility/2006">
+  <p:cSld>
+    <p:spTree>
+      <p:nvGrpSpPr>
+        <p:cNvPr id="1" name=""/>
+        <p:cNvGrpSpPr/>
+        <p:nvPr/>
+      </p:nvGrpSpPr>
+      <p:grpSpPr>
+        <a:xfrm>
+          <a:off x="0" y="0"/>
+          <a:ext cx="0" cy="0"/>
+          <a:chOff x="0" y="0"/>
+          <a:chExt cx="0" cy="0"/>
+        </a:xfrm>
+      </p:grpSpPr>
+      <p:sp>
+        <p:nvSpPr>
+          <p:cNvPr id="112" name=""/>
+          <p:cNvSpPr txBox="1"/>
+          <p:nvPr/>
+        </p:nvSpPr>
+        <p:spPr>
+          <a:xfrm>
+            <a:off x="360000" y="180000"/>
+            <a:ext cx="9360000" cy="478080"/>
+          </a:xfrm>
+          <a:prstGeom prst="rect">
+            <a:avLst/>
+          </a:prstGeom>
+          <a:noFill/>
+          <a:ln w="0">
+            <a:noFill/>
+          </a:ln>
+        </p:spPr>
+        <p:txBody>
+          <a:bodyPr lIns="0" rIns="0" tIns="0" bIns="0" anchor="ctr">
+            <a:noAutofit/>
+          </a:bodyPr>
+          <a:p>
+            <a:pPr algn="ctr"/>
+            <a:r>
+              <a:rPr b="0" lang="en-US" sz="3300" spc="-1" strike="noStrike">
+                <a:solidFill>
+                  <a:srgbClr val="ffffff"/>
+                </a:solidFill>
+                <a:latin typeface="Arial"/>
+              </a:rPr>
+              <a:t>Molecule</a:t>
+            </a:r>
+            <a:endParaRPr b="0" lang="en-US" sz="3300" spc="-1" strike="noStrike">
+              <a:solidFill>
+                <a:srgbClr val="ffffff"/>
+              </a:solidFill>
+              <a:latin typeface="Arial"/>
+            </a:endParaRPr>
+          </a:p>
+        </p:txBody>
+      </p:sp>
+      <p:sp>
+        <p:nvSpPr>
+          <p:cNvPr id="113" name=""/>
+          <p:cNvSpPr txBox="1"/>
+          <p:nvPr/>
+        </p:nvSpPr>
+        <p:spPr>
+          <a:xfrm>
+            <a:off x="360000" y="1080000"/>
+            <a:ext cx="9360000" cy="3600000"/>
+          </a:xfrm>
+          <a:prstGeom prst="rect">
+            <a:avLst/>
+          </a:prstGeom>
+          <a:noFill/>
+          <a:ln w="0">
+            <a:noFill/>
+          </a:ln>
+        </p:spPr>
+        <p:txBody>
+          <a:bodyPr lIns="0" rIns="0" tIns="0" bIns="0">
+            <a:noAutofit/>
+          </a:bodyPr>
+          <a:p>
+            <a:pPr marL="432000" indent="-324000">
+              <a:spcBef>
+                <a:spcPts val="1060"/>
+              </a:spcBef>
+              <a:buClr>
+                <a:srgbClr val="77caee"/>
+              </a:buClr>
+              <a:buSzPct val="45000"/>
+              <a:buFont typeface="Wingdings" charset="2"/>
+              <a:buChar char=""/>
+            </a:pPr>
+            <a:r>
+              <a:rPr b="0" lang="en-US" sz="2400" spc="-1" strike="noStrike">
+                <a:solidFill>
+                  <a:srgbClr val="009bdd"/>
+                </a:solidFill>
+                <a:latin typeface="Arial"/>
+              </a:rPr>
+              <a:t>Created by Cisco</a:t>
+            </a:r>
+            <a:endParaRPr b="0" lang="en-US" sz="2400" spc="-1" strike="noStrike">
+              <a:solidFill>
+                <a:srgbClr val="009bdd"/>
+              </a:solidFill>
+              <a:latin typeface="Arial"/>
+            </a:endParaRPr>
+          </a:p>
+          <a:p>
+            <a:pPr marL="432000" indent="-324000">
+              <a:spcBef>
+                <a:spcPts val="1060"/>
+              </a:spcBef>
+              <a:buClr>
+                <a:srgbClr val="77caee"/>
+              </a:buClr>
+              <a:buSzPct val="45000"/>
+              <a:buFont typeface="Wingdings" charset="2"/>
+              <a:buChar char=""/>
+            </a:pPr>
+            <a:r>
+              <a:rPr b="0" lang="en-US" sz="2400" spc="-1" strike="noStrike">
+                <a:solidFill>
+                  <a:srgbClr val="009bdd"/>
+                </a:solidFill>
+                <a:latin typeface="Arial"/>
+              </a:rPr>
+              <a:t>Donated to Red Hat Ansible project in 2019</a:t>
+            </a:r>
+            <a:endParaRPr b="0" lang="en-US" sz="2400" spc="-1" strike="noStrike">
+              <a:solidFill>
+                <a:srgbClr val="009bdd"/>
+              </a:solidFill>
+              <a:latin typeface="Arial"/>
+            </a:endParaRPr>
+          </a:p>
+          <a:p>
+            <a:pPr marL="432000" indent="-324000">
+              <a:spcBef>
+                <a:spcPts val="1060"/>
+              </a:spcBef>
+              <a:buClr>
+                <a:srgbClr val="77caee"/>
+              </a:buClr>
+              <a:buSzPct val="45000"/>
+              <a:buFont typeface="Wingdings" charset="2"/>
+              <a:buChar char=""/>
+            </a:pPr>
+            <a:r>
+              <a:rPr b="0" lang="en-US" sz="2400" spc="-1" strike="noStrike">
+                <a:solidFill>
+                  <a:srgbClr val="009bdd"/>
+                </a:solidFill>
+                <a:latin typeface="Arial"/>
+              </a:rPr>
+              <a:t>Used to test your roles</a:t>
+            </a:r>
+            <a:endParaRPr b="0" lang="en-US" sz="2400" spc="-1" strike="noStrike">
+              <a:solidFill>
+                <a:srgbClr val="009bdd"/>
+              </a:solidFill>
+              <a:latin typeface="Arial"/>
+            </a:endParaRPr>
+          </a:p>
+          <a:p>
+            <a:pPr marL="432000" indent="-324000">
+              <a:spcBef>
+                <a:spcPts val="1060"/>
+              </a:spcBef>
+              <a:buClr>
+                <a:srgbClr val="77caee"/>
+              </a:buClr>
+              <a:buSzPct val="45000"/>
+              <a:buFont typeface="Wingdings" charset="2"/>
+              <a:buChar char=""/>
+            </a:pPr>
+            <a:r>
+              <a:rPr b="0" lang="en-US" sz="2400" spc="-1" strike="noStrike">
+                <a:solidFill>
+                  <a:srgbClr val="009bdd"/>
+                </a:solidFill>
+                <a:latin typeface="Arial"/>
+              </a:rPr>
+              <a:t>Uses galaxy to create roles</a:t>
+            </a:r>
+            <a:endParaRPr b="0" lang="en-US" sz="2400" spc="-1" strike="noStrike">
+              <a:solidFill>
+                <a:srgbClr val="009bdd"/>
+              </a:solidFill>
+              <a:latin typeface="Arial"/>
+            </a:endParaRPr>
+          </a:p>
+          <a:p>
+            <a:pPr lvl="1" marL="864000" indent="-324000">
+              <a:spcBef>
+                <a:spcPts val="850"/>
+              </a:spcBef>
+              <a:buClr>
+                <a:srgbClr val="77caee"/>
+              </a:buClr>
+              <a:buSzPct val="45000"/>
+              <a:buFont typeface="Wingdings" charset="2"/>
+              <a:buChar char=""/>
+            </a:pPr>
+            <a:r>
+              <a:rPr b="0" lang="en-US" sz="2100" spc="-1" strike="noStrike">
+                <a:solidFill>
+                  <a:srgbClr val="009bdd"/>
+                </a:solidFill>
+                <a:latin typeface="Arial"/>
+              </a:rPr>
+              <a:t> </a:t>
+            </a:r>
+            <a:endParaRPr b="0" lang="en-US" sz="2100" spc="-1" strike="noStrike">
+              <a:solidFill>
+                <a:srgbClr val="009bdd"/>
+              </a:solidFill>
+              <a:latin typeface="Arial"/>
+            </a:endParaRPr>
+          </a:p>
+          <a:p>
+            <a:pPr lvl="1" marL="864000" indent="-324000">
+              <a:spcBef>
+                <a:spcPts val="850"/>
+              </a:spcBef>
+              <a:buClr>
+                <a:srgbClr val="77caee"/>
+              </a:buClr>
+              <a:buSzPct val="45000"/>
+              <a:buFont typeface="Wingdings" charset="2"/>
+              <a:buChar char=""/>
+            </a:pPr>
+            <a:r>
+              <a:rPr b="0" lang="en-US" sz="2100" spc="-1" strike="noStrike">
+                <a:solidFill>
+                  <a:srgbClr val="009bdd"/>
+                </a:solidFill>
+                <a:latin typeface="Arial"/>
+              </a:rPr>
+              <a:t> </a:t>
+            </a:r>
+            <a:endParaRPr b="0" lang="en-US" sz="2100" spc="-1" strike="noStrike">
+              <a:solidFill>
+                <a:srgbClr val="009bdd"/>
+              </a:solidFill>
+              <a:latin typeface="Arial"/>
+            </a:endParaRPr>
+          </a:p>
+        </p:txBody>
+      </p:sp>
+    </p:spTree>
+  </p:cSld>
+  <mc:AlternateContent>
+    <mc:Choice Requires="p14">
+      <p:transition spd="slow" p14:dur="2000"/>
+    </mc:Choice>
+    <mc:Fallback>
+      <p:transition spd="slow"/>
+    </mc:Fallback>
+  </mc:AlternateContent>
+</p:sld>
+</file>
+
+<file path=ppt/slides/slide16.xml><?xml version="1.0" encoding="utf-8"?>
+<p:sld xmlns:a="http://schemas.openxmlformats.org/drawingml/2006/main" xmlns:p="http://schemas.openxmlformats.org/presentationml/2006/main" xmlns:r="http://schemas.openxmlformats.org/officeDocument/2006/relationships" xmlns:p14="http://schemas.microsoft.com/office/powerpoint/2010/main" xmlns:p15="http://schemas.microsoft.com/office/powerpoint/2012/main" xmlns:mc="http://schemas.openxmlformats.org/markup-compatibility/2006">
+  <p:cSld>
+    <p:spTree>
+      <p:nvGrpSpPr>
+        <p:cNvPr id="1" name=""/>
+        <p:cNvGrpSpPr/>
+        <p:nvPr/>
+      </p:nvGrpSpPr>
+      <p:grpSpPr>
+        <a:xfrm>
+          <a:off x="0" y="0"/>
+          <a:ext cx="0" cy="0"/>
+          <a:chOff x="0" y="0"/>
+          <a:chExt cx="0" cy="0"/>
+        </a:xfrm>
+      </p:grpSpPr>
+      <p:sp>
+        <p:nvSpPr>
+          <p:cNvPr id="114" name=""/>
+          <p:cNvSpPr txBox="1"/>
+          <p:nvPr/>
+        </p:nvSpPr>
+        <p:spPr>
+          <a:xfrm>
+            <a:off x="360000" y="180000"/>
+            <a:ext cx="9360000" cy="478080"/>
+          </a:xfrm>
+          <a:prstGeom prst="rect">
+            <a:avLst/>
+          </a:prstGeom>
+          <a:noFill/>
+          <a:ln w="0">
+            <a:noFill/>
+          </a:ln>
+        </p:spPr>
+        <p:txBody>
+          <a:bodyPr lIns="0" rIns="0" tIns="0" bIns="0" anchor="ctr">
+            <a:noAutofit/>
+          </a:bodyPr>
+          <a:p>
+            <a:pPr algn="ctr"/>
+            <a:r>
+              <a:rPr b="0" lang="en-US" sz="3300" spc="-1" strike="noStrike">
+                <a:solidFill>
+                  <a:srgbClr val="ffffff"/>
+                </a:solidFill>
+                <a:latin typeface="Arial"/>
+              </a:rPr>
+              <a:t>Molecule</a:t>
+            </a:r>
+            <a:endParaRPr b="0" lang="en-US" sz="3300" spc="-1" strike="noStrike">
+              <a:solidFill>
+                <a:srgbClr val="ffffff"/>
+              </a:solidFill>
+              <a:latin typeface="Arial"/>
+            </a:endParaRPr>
+          </a:p>
+        </p:txBody>
+      </p:sp>
+      <p:sp>
+        <p:nvSpPr>
+          <p:cNvPr id="115" name=""/>
+          <p:cNvSpPr txBox="1"/>
+          <p:nvPr/>
+        </p:nvSpPr>
+        <p:spPr>
+          <a:xfrm>
+            <a:off x="360000" y="1080000"/>
+            <a:ext cx="9360000" cy="3600000"/>
+          </a:xfrm>
+          <a:prstGeom prst="rect">
+            <a:avLst/>
+          </a:prstGeom>
+          <a:noFill/>
+          <a:ln w="0">
+            <a:noFill/>
+          </a:ln>
+        </p:spPr>
+        <p:txBody>
+          <a:bodyPr lIns="0" rIns="0" tIns="0" bIns="0">
+            <a:noAutofit/>
+          </a:bodyPr>
+          <a:p>
+            <a:pPr marL="432000" indent="-324000">
+              <a:spcBef>
+                <a:spcPts val="1060"/>
+              </a:spcBef>
+              <a:buClr>
+                <a:srgbClr val="77caee"/>
+              </a:buClr>
+              <a:buSzPct val="45000"/>
+              <a:buFont typeface="Wingdings" charset="2"/>
+              <a:buChar char=""/>
+            </a:pPr>
+            <a:r>
+              <a:rPr b="0" lang="en-US" sz="2400" spc="-1" strike="noStrike">
+                <a:solidFill>
+                  <a:srgbClr val="009bdd"/>
+                </a:solidFill>
+                <a:latin typeface="Arial"/>
+              </a:rPr>
+              <a:t>molecule init role user.example -d docker</a:t>
+            </a:r>
+            <a:endParaRPr b="0" lang="en-US" sz="2400" spc="-1" strike="noStrike">
+              <a:solidFill>
+                <a:srgbClr val="009bdd"/>
+              </a:solidFill>
+              <a:latin typeface="Arial"/>
+            </a:endParaRPr>
+          </a:p>
+          <a:p>
+            <a:pPr lvl="1" marL="864000" indent="-324000">
+              <a:spcBef>
+                <a:spcPts val="850"/>
+              </a:spcBef>
+              <a:buClr>
+                <a:srgbClr val="77caee"/>
+              </a:buClr>
+              <a:buSzPct val="45000"/>
+              <a:buFont typeface="Wingdings" charset="2"/>
+              <a:buChar char=""/>
+            </a:pPr>
+            <a:r>
+              <a:rPr b="0" lang="en-US" sz="2100" spc="-1" strike="noStrike">
+                <a:solidFill>
+                  <a:srgbClr val="009bdd"/>
+                </a:solidFill>
+                <a:latin typeface="Arial"/>
+              </a:rPr>
+              <a:t>molecule init scenario -r &lt;current role&gt; -d docker</a:t>
+            </a:r>
+            <a:endParaRPr b="0" lang="en-US" sz="2100" spc="-1" strike="noStrike">
+              <a:solidFill>
+                <a:srgbClr val="009bdd"/>
+              </a:solidFill>
+              <a:latin typeface="Arial"/>
+            </a:endParaRPr>
+          </a:p>
+          <a:p>
+            <a:pPr marL="432000" indent="-324000">
+              <a:spcBef>
+                <a:spcPts val="1060"/>
+              </a:spcBef>
+              <a:buClr>
+                <a:srgbClr val="77caee"/>
+              </a:buClr>
+              <a:buSzPct val="45000"/>
+              <a:buFont typeface="Wingdings" charset="2"/>
+              <a:buChar char=""/>
+            </a:pPr>
+            <a:r>
+              <a:rPr b="0" lang="en-US" sz="2400" spc="-1" strike="noStrike">
+                <a:solidFill>
+                  <a:srgbClr val="009bdd"/>
+                </a:solidFill>
+                <a:latin typeface="Arial"/>
+              </a:rPr>
+              <a:t>molecule converge</a:t>
+            </a:r>
+            <a:endParaRPr b="0" lang="en-US" sz="2400" spc="-1" strike="noStrike">
+              <a:solidFill>
+                <a:srgbClr val="009bdd"/>
+              </a:solidFill>
+              <a:latin typeface="Arial"/>
+            </a:endParaRPr>
+          </a:p>
+          <a:p>
+            <a:pPr lvl="1" marL="864000" indent="-324000">
+              <a:spcBef>
+                <a:spcPts val="850"/>
+              </a:spcBef>
+              <a:buClr>
+                <a:srgbClr val="77caee"/>
+              </a:buClr>
+              <a:buSzPct val="45000"/>
+              <a:buFont typeface="Wingdings" charset="2"/>
+              <a:buChar char=""/>
+            </a:pPr>
+            <a:r>
+              <a:rPr b="0" lang="en-US" sz="2100" spc="-1" strike="noStrike">
+                <a:solidFill>
+                  <a:srgbClr val="009bdd"/>
+                </a:solidFill>
+                <a:latin typeface="Arial"/>
+              </a:rPr>
+              <a:t>Work on the role</a:t>
+            </a:r>
+            <a:endParaRPr b="0" lang="en-US" sz="2100" spc="-1" strike="noStrike">
+              <a:solidFill>
+                <a:srgbClr val="009bdd"/>
+              </a:solidFill>
+              <a:latin typeface="Arial"/>
+            </a:endParaRPr>
+          </a:p>
+          <a:p>
+            <a:pPr marL="432000" indent="-324000">
+              <a:spcBef>
+                <a:spcPts val="1060"/>
+              </a:spcBef>
+              <a:buClr>
+                <a:srgbClr val="77caee"/>
+              </a:buClr>
+              <a:buSzPct val="45000"/>
+              <a:buFont typeface="Wingdings" charset="2"/>
+              <a:buChar char=""/>
+            </a:pPr>
+            <a:r>
+              <a:rPr b="0" lang="en-US" sz="2400" spc="-1" strike="noStrike">
+                <a:solidFill>
+                  <a:srgbClr val="009bdd"/>
+                </a:solidFill>
+                <a:latin typeface="Arial"/>
+              </a:rPr>
+              <a:t>molecule converge</a:t>
+            </a:r>
+            <a:endParaRPr b="0" lang="en-US" sz="2400" spc="-1" strike="noStrike">
+              <a:solidFill>
+                <a:srgbClr val="009bdd"/>
+              </a:solidFill>
+              <a:latin typeface="Arial"/>
+            </a:endParaRPr>
+          </a:p>
+          <a:p>
+            <a:pPr lvl="1" marL="864000" indent="-324000">
+              <a:spcBef>
+                <a:spcPts val="850"/>
+              </a:spcBef>
+              <a:buClr>
+                <a:srgbClr val="77caee"/>
+              </a:buClr>
+              <a:buSzPct val="45000"/>
+              <a:buFont typeface="Wingdings" charset="2"/>
+              <a:buChar char=""/>
+            </a:pPr>
+            <a:r>
+              <a:rPr b="0" lang="en-US" sz="2100" spc="-1" strike="noStrike">
+                <a:solidFill>
+                  <a:srgbClr val="009bdd"/>
+                </a:solidFill>
+                <a:latin typeface="Arial"/>
+              </a:rPr>
+              <a:t>molecule converge again, make sure ansible doesn’t report changes</a:t>
+            </a:r>
+            <a:endParaRPr b="0" lang="en-US" sz="2100" spc="-1" strike="noStrike">
+              <a:solidFill>
+                <a:srgbClr val="009bdd"/>
+              </a:solidFill>
+              <a:latin typeface="Arial"/>
+            </a:endParaRPr>
+          </a:p>
+          <a:p>
+            <a:pPr marL="432000" indent="-324000">
+              <a:spcBef>
+                <a:spcPts val="1060"/>
+              </a:spcBef>
+              <a:buClr>
+                <a:srgbClr val="77caee"/>
+              </a:buClr>
+              <a:buSzPct val="45000"/>
+              <a:buFont typeface="Wingdings" charset="2"/>
+              <a:buChar char=""/>
+            </a:pPr>
+            <a:r>
+              <a:rPr b="0" lang="en-US" sz="2400" spc="-1" strike="noStrike">
+                <a:solidFill>
+                  <a:srgbClr val="009bdd"/>
+                </a:solidFill>
+                <a:latin typeface="Arial"/>
+              </a:rPr>
+              <a:t>molecule destroy</a:t>
+            </a:r>
+            <a:endParaRPr b="0" lang="en-US" sz="2400" spc="-1" strike="noStrike">
+              <a:solidFill>
+                <a:srgbClr val="009bdd"/>
+              </a:solidFill>
+              <a:latin typeface="Arial"/>
+            </a:endParaRPr>
+          </a:p>
+          <a:p>
+            <a:pPr marL="432000" indent="-324000">
+              <a:spcBef>
+                <a:spcPts val="1060"/>
+              </a:spcBef>
+              <a:buClr>
+                <a:srgbClr val="77caee"/>
+              </a:buClr>
+              <a:buSzPct val="45000"/>
+              <a:buFont typeface="Wingdings" charset="2"/>
+              <a:buChar char=""/>
+            </a:pPr>
+            <a:r>
+              <a:rPr b="0" lang="en-US" sz="2400" spc="-1" strike="noStrike">
+                <a:solidFill>
+                  <a:srgbClr val="009bdd"/>
+                </a:solidFill>
+                <a:latin typeface="Arial"/>
+              </a:rPr>
+              <a:t>Integrate with CI/CD</a:t>
+            </a:r>
+            <a:endParaRPr b="0" lang="en-US" sz="2400" spc="-1" strike="noStrike">
+              <a:solidFill>
+                <a:srgbClr val="009bdd"/>
+              </a:solidFill>
+              <a:latin typeface="Arial"/>
+            </a:endParaRPr>
+          </a:p>
+        </p:txBody>
+      </p:sp>
+    </p:spTree>
+  </p:cSld>
+  <mc:AlternateContent>
+    <mc:Choice Requires="p14">
+      <p:transition spd="slow" p14:dur="2000"/>
+    </mc:Choice>
+    <mc:Fallback>
+      <p:transition spd="slow"/>
+    </mc:Fallback>
+  </mc:AlternateContent>
+</p:sld>
+</file>
+
+<file path=ppt/slides/slide17.xml><?xml version="1.0" encoding="utf-8"?>
+<p:sld xmlns:a="http://schemas.openxmlformats.org/drawingml/2006/main" xmlns:p="http://schemas.openxmlformats.org/presentationml/2006/main" xmlns:r="http://schemas.openxmlformats.org/officeDocument/2006/relationships" xmlns:p14="http://schemas.microsoft.com/office/powerpoint/2010/main" xmlns:p15="http://schemas.microsoft.com/office/powerpoint/2012/main" xmlns:mc="http://schemas.openxmlformats.org/markup-compatibility/2006">
+  <p:cSld>
+    <p:spTree>
+      <p:nvGrpSpPr>
+        <p:cNvPr id="1" name=""/>
+        <p:cNvGrpSpPr/>
+        <p:nvPr/>
+      </p:nvGrpSpPr>
+      <p:grpSpPr>
+        <a:xfrm>
+          <a:off x="0" y="0"/>
+          <a:ext cx="0" cy="0"/>
+          <a:chOff x="0" y="0"/>
+          <a:chExt cx="0" cy="0"/>
+        </a:xfrm>
+      </p:grpSpPr>
+      <p:sp>
+        <p:nvSpPr>
+          <p:cNvPr id="116" name=""/>
+          <p:cNvSpPr txBox="1"/>
+          <p:nvPr/>
+        </p:nvSpPr>
+        <p:spPr>
+          <a:xfrm>
+            <a:off x="360000" y="180000"/>
+            <a:ext cx="9360000" cy="478080"/>
+          </a:xfrm>
+          <a:prstGeom prst="rect">
+            <a:avLst/>
+          </a:prstGeom>
+          <a:noFill/>
+          <a:ln w="0">
+            <a:noFill/>
+          </a:ln>
+        </p:spPr>
+        <p:txBody>
+          <a:bodyPr lIns="0" rIns="0" tIns="0" bIns="0" anchor="ctr">
+            <a:noAutofit/>
+          </a:bodyPr>
+          <a:p>
+            <a:pPr algn="ctr"/>
+            <a:r>
+              <a:rPr b="0" lang="en-US" sz="3300" spc="-1" strike="noStrike">
+                <a:solidFill>
+                  <a:srgbClr val="ffffff"/>
+                </a:solidFill>
+                <a:latin typeface="Arial"/>
+              </a:rPr>
+              <a:t>ansible-galaxy</a:t>
+            </a:r>
+            <a:endParaRPr b="0" lang="en-US" sz="3300" spc="-1" strike="noStrike">
+              <a:solidFill>
+                <a:srgbClr val="ffffff"/>
+              </a:solidFill>
+              <a:latin typeface="Arial"/>
+            </a:endParaRPr>
+          </a:p>
+        </p:txBody>
+      </p:sp>
+      <p:sp>
+        <p:nvSpPr>
+          <p:cNvPr id="117" name=""/>
+          <p:cNvSpPr txBox="1"/>
+          <p:nvPr/>
+        </p:nvSpPr>
+        <p:spPr>
+          <a:xfrm>
+            <a:off x="360000" y="1080000"/>
+            <a:ext cx="9360000" cy="3600000"/>
+          </a:xfrm>
+          <a:prstGeom prst="rect">
+            <a:avLst/>
+          </a:prstGeom>
+          <a:noFill/>
+          <a:ln w="0">
+            <a:noFill/>
+          </a:ln>
+        </p:spPr>
+        <p:txBody>
+          <a:bodyPr lIns="0" rIns="0" tIns="0" bIns="0">
+            <a:noAutofit/>
+          </a:bodyPr>
+          <a:p>
+            <a:pPr marL="432000" indent="-324000">
+              <a:spcBef>
+                <a:spcPts val="1060"/>
+              </a:spcBef>
+              <a:buClr>
+                <a:srgbClr val="77caee"/>
+              </a:buClr>
+              <a:buSzPct val="45000"/>
+              <a:buFont typeface="Wingdings" charset="2"/>
+              <a:buChar char=""/>
+            </a:pPr>
+            <a:r>
+              <a:rPr b="0" lang="en-US" sz="2400" spc="-1" strike="noStrike">
+                <a:solidFill>
+                  <a:srgbClr val="009bdd"/>
+                </a:solidFill>
+                <a:latin typeface="Arial"/>
+              </a:rPr>
+              <a:t>ansible-galaxy role|collection search &lt;name&gt;</a:t>
+            </a:r>
+            <a:endParaRPr b="0" lang="en-US" sz="2400" spc="-1" strike="noStrike">
+              <a:solidFill>
+                <a:srgbClr val="009bdd"/>
+              </a:solidFill>
+              <a:latin typeface="Arial"/>
+            </a:endParaRPr>
+          </a:p>
+          <a:p>
+            <a:pPr marL="432000" indent="-324000">
+              <a:spcBef>
+                <a:spcPts val="1060"/>
+              </a:spcBef>
+              <a:buClr>
+                <a:srgbClr val="77caee"/>
+              </a:buClr>
+              <a:buSzPct val="45000"/>
+              <a:buFont typeface="Wingdings" charset="2"/>
+              <a:buChar char=""/>
+            </a:pPr>
+            <a:r>
+              <a:rPr b="0" lang="en-US" sz="2400" spc="-1" strike="noStrike">
+                <a:solidFill>
+                  <a:srgbClr val="009bdd"/>
+                </a:solidFill>
+                <a:latin typeface="Arial"/>
+              </a:rPr>
+              <a:t>Roles in galaxy hub for many purposes</a:t>
+            </a:r>
+            <a:endParaRPr b="0" lang="en-US" sz="2400" spc="-1" strike="noStrike">
+              <a:solidFill>
+                <a:srgbClr val="009bdd"/>
+              </a:solidFill>
+              <a:latin typeface="Arial"/>
+            </a:endParaRPr>
+          </a:p>
+          <a:p>
+            <a:pPr marL="432000" indent="-324000">
+              <a:spcBef>
+                <a:spcPts val="1060"/>
+              </a:spcBef>
+              <a:buClr>
+                <a:srgbClr val="77caee"/>
+              </a:buClr>
+              <a:buSzPct val="45000"/>
+              <a:buFont typeface="Wingdings" charset="2"/>
+              <a:buChar char=""/>
+            </a:pPr>
+            <a:endParaRPr b="0" lang="en-US" sz="2400" spc="-1" strike="noStrike">
+              <a:solidFill>
+                <a:srgbClr val="009bdd"/>
+              </a:solidFill>
+              <a:latin typeface="Arial"/>
+            </a:endParaRPr>
+          </a:p>
+        </p:txBody>
+      </p:sp>
+    </p:spTree>
+  </p:cSld>
+  <mc:AlternateContent>
+    <mc:Choice Requires="p14">
+      <p:transition spd="slow" p14:dur="2000"/>
+    </mc:Choice>
+    <mc:Fallback>
+      <p:transition spd="slow"/>
+    </mc:Fallback>
+  </mc:AlternateContent>
+</p:sld>
+</file>
+
+<file path=ppt/slides/slide18.xml><?xml version="1.0" encoding="utf-8"?>
+<p:sld xmlns:a="http://schemas.openxmlformats.org/drawingml/2006/main" xmlns:p="http://schemas.openxmlformats.org/presentationml/2006/main" xmlns:r="http://schemas.openxmlformats.org/officeDocument/2006/relationships" xmlns:p14="http://schemas.microsoft.com/office/powerpoint/2010/main" xmlns:p15="http://schemas.microsoft.com/office/powerpoint/2012/main" xmlns:mc="http://schemas.openxmlformats.org/markup-compatibility/2006">
+  <p:cSld>
+    <p:spTree>
+      <p:nvGrpSpPr>
+        <p:cNvPr id="1" name=""/>
+        <p:cNvGrpSpPr/>
+        <p:nvPr/>
+      </p:nvGrpSpPr>
+      <p:grpSpPr>
+        <a:xfrm>
+          <a:off x="0" y="0"/>
+          <a:ext cx="0" cy="0"/>
+          <a:chOff x="0" y="0"/>
+          <a:chExt cx="0" cy="0"/>
+        </a:xfrm>
+      </p:grpSpPr>
+      <p:sp>
+        <p:nvSpPr>
+          <p:cNvPr id="118" name=""/>
+          <p:cNvSpPr txBox="1"/>
+          <p:nvPr/>
+        </p:nvSpPr>
+        <p:spPr>
+          <a:xfrm>
+            <a:off x="360000" y="180000"/>
+            <a:ext cx="9360000" cy="478080"/>
+          </a:xfrm>
+          <a:prstGeom prst="rect">
+            <a:avLst/>
+          </a:prstGeom>
+          <a:noFill/>
+          <a:ln w="0">
+            <a:noFill/>
+          </a:ln>
+        </p:spPr>
+        <p:txBody>
+          <a:bodyPr lIns="0" rIns="0" tIns="0" bIns="0" anchor="ctr">
+            <a:noAutofit/>
+          </a:bodyPr>
+          <a:p>
+            <a:pPr algn="ctr"/>
+            <a:r>
+              <a:rPr b="0" lang="en-US" sz="3300" spc="-1" strike="noStrike">
+                <a:solidFill>
+                  <a:srgbClr val="ffffff"/>
+                </a:solidFill>
+                <a:latin typeface="Arial"/>
+              </a:rPr>
+              <a:t>Ansible environment</a:t>
+            </a:r>
+            <a:endParaRPr b="0" lang="en-US" sz="3300" spc="-1" strike="noStrike">
+              <a:solidFill>
+                <a:srgbClr val="ffffff"/>
+              </a:solidFill>
+              <a:latin typeface="Arial"/>
+            </a:endParaRPr>
+          </a:p>
+        </p:txBody>
+      </p:sp>
+      <p:sp>
+        <p:nvSpPr>
+          <p:cNvPr id="119" name=""/>
+          <p:cNvSpPr txBox="1"/>
+          <p:nvPr/>
+        </p:nvSpPr>
+        <p:spPr>
+          <a:xfrm>
+            <a:off x="360000" y="1080000"/>
+            <a:ext cx="9360000" cy="3600000"/>
+          </a:xfrm>
+          <a:prstGeom prst="rect">
+            <a:avLst/>
+          </a:prstGeom>
+          <a:noFill/>
+          <a:ln w="0">
+            <a:noFill/>
+          </a:ln>
+        </p:spPr>
+        <p:txBody>
+          <a:bodyPr lIns="0" rIns="0" tIns="0" bIns="0">
+            <a:noAutofit/>
+          </a:bodyPr>
+          <a:p>
+            <a:pPr marL="432000" indent="-324000">
+              <a:spcBef>
+                <a:spcPts val="1060"/>
+              </a:spcBef>
+              <a:buClr>
+                <a:srgbClr val="77caee"/>
+              </a:buClr>
+              <a:buSzPct val="45000"/>
+              <a:buFont typeface="Wingdings" charset="2"/>
+              <a:buChar char=""/>
+            </a:pPr>
+            <a:r>
+              <a:rPr b="0" lang="en-US" sz="2400" spc="-1" strike="noStrike">
+                <a:solidFill>
+                  <a:srgbClr val="009bdd"/>
+                </a:solidFill>
+                <a:latin typeface="Arial"/>
+              </a:rPr>
+              <a:t>Use virtualenv, requirements.txt, and pip</a:t>
+            </a:r>
+            <a:endParaRPr b="0" lang="en-US" sz="2400" spc="-1" strike="noStrike">
+              <a:solidFill>
+                <a:srgbClr val="009bdd"/>
+              </a:solidFill>
+              <a:latin typeface="Arial"/>
+            </a:endParaRPr>
+          </a:p>
+          <a:p>
+            <a:pPr lvl="1" marL="864000" indent="-324000">
+              <a:spcBef>
+                <a:spcPts val="850"/>
+              </a:spcBef>
+              <a:buClr>
+                <a:srgbClr val="77caee"/>
+              </a:buClr>
+              <a:buSzPct val="45000"/>
+              <a:buFont typeface="Wingdings" charset="2"/>
+              <a:buChar char=""/>
+            </a:pPr>
+            <a:r>
+              <a:rPr b="0" lang="en-US" sz="2100" spc="-1" strike="noStrike">
+                <a:solidFill>
+                  <a:srgbClr val="009bdd"/>
+                </a:solidFill>
+                <a:latin typeface="Arial"/>
+              </a:rPr>
+              <a:t>Keeps tree clean</a:t>
+            </a:r>
+            <a:endParaRPr b="0" lang="en-US" sz="2100" spc="-1" strike="noStrike">
+              <a:solidFill>
+                <a:srgbClr val="009bdd"/>
+              </a:solidFill>
+              <a:latin typeface="Arial"/>
+            </a:endParaRPr>
+          </a:p>
+          <a:p>
+            <a:pPr lvl="1" marL="864000" indent="-324000">
+              <a:spcBef>
+                <a:spcPts val="850"/>
+              </a:spcBef>
+              <a:buClr>
+                <a:srgbClr val="77caee"/>
+              </a:buClr>
+              <a:buSzPct val="45000"/>
+              <a:buFont typeface="Wingdings" charset="2"/>
+              <a:buChar char=""/>
+            </a:pPr>
+            <a:r>
+              <a:rPr b="0" lang="en-US" sz="2100" spc="-1" strike="noStrike">
+                <a:solidFill>
+                  <a:srgbClr val="009bdd"/>
+                </a:solidFill>
+                <a:latin typeface="Arial"/>
+              </a:rPr>
+              <a:t>Doesn’t pollute rest of system</a:t>
+            </a:r>
+            <a:endParaRPr b="0" lang="en-US" sz="2100" spc="-1" strike="noStrike">
+              <a:solidFill>
+                <a:srgbClr val="009bdd"/>
+              </a:solidFill>
+              <a:latin typeface="Arial"/>
+            </a:endParaRPr>
+          </a:p>
+          <a:p>
+            <a:pPr marL="432000" indent="-324000">
+              <a:spcBef>
+                <a:spcPts val="1060"/>
+              </a:spcBef>
+              <a:buClr>
+                <a:srgbClr val="77caee"/>
+              </a:buClr>
+              <a:buSzPct val="45000"/>
+              <a:buFont typeface="Wingdings" charset="2"/>
+              <a:buChar char=""/>
+            </a:pPr>
+            <a:r>
+              <a:rPr b="0" lang="en-US" sz="2400" spc="-1" strike="noStrike">
+                <a:solidFill>
+                  <a:srgbClr val="009bdd"/>
+                </a:solidFill>
+                <a:latin typeface="Arial"/>
+              </a:rPr>
+              <a:t>Alternatively, docker container</a:t>
+            </a:r>
+            <a:endParaRPr b="0" lang="en-US" sz="2400" spc="-1" strike="noStrike">
+              <a:solidFill>
+                <a:srgbClr val="009bdd"/>
+              </a:solidFill>
+              <a:latin typeface="Arial"/>
+            </a:endParaRPr>
+          </a:p>
+        </p:txBody>
+      </p:sp>
+    </p:spTree>
+  </p:cSld>
+  <mc:AlternateContent>
+    <mc:Choice Requires="p14">
+      <p:transition spd="slow" p14:dur="2000"/>
+    </mc:Choice>
+    <mc:Fallback>
+      <p:transition spd="slow"/>
+    </mc:Fallback>
+  </mc:AlternateContent>
+</p:sld>
+</file>
+
+<file path=ppt/slides/slide19.xml><?xml version="1.0" encoding="utf-8"?>
+<p:sld xmlns:a="http://schemas.openxmlformats.org/drawingml/2006/main" xmlns:p="http://schemas.openxmlformats.org/presentationml/2006/main" xmlns:r="http://schemas.openxmlformats.org/officeDocument/2006/relationships" xmlns:p14="http://schemas.microsoft.com/office/powerpoint/2010/main" xmlns:p15="http://schemas.microsoft.com/office/powerpoint/2012/main" xmlns:mc="http://schemas.openxmlformats.org/markup-compatibility/2006">
+  <p:cSld>
+    <p:spTree>
+      <p:nvGrpSpPr>
+        <p:cNvPr id="1" name=""/>
+        <p:cNvGrpSpPr/>
+        <p:nvPr/>
+      </p:nvGrpSpPr>
+      <p:grpSpPr>
+        <a:xfrm>
+          <a:off x="0" y="0"/>
+          <a:ext cx="0" cy="0"/>
+          <a:chOff x="0" y="0"/>
+          <a:chExt cx="0" cy="0"/>
+        </a:xfrm>
+      </p:grpSpPr>
+      <p:sp>
+        <p:nvSpPr>
+          <p:cNvPr id="120" name=""/>
+          <p:cNvSpPr txBox="1"/>
+          <p:nvPr/>
+        </p:nvSpPr>
+        <p:spPr>
+          <a:xfrm>
+            <a:off x="360000" y="180000"/>
+            <a:ext cx="9360000" cy="478080"/>
+          </a:xfrm>
+          <a:prstGeom prst="rect">
+            <a:avLst/>
+          </a:prstGeom>
+          <a:noFill/>
+          <a:ln w="0">
+            <a:noFill/>
+          </a:ln>
+        </p:spPr>
+        <p:txBody>
+          <a:bodyPr lIns="0" rIns="0" tIns="0" bIns="0" anchor="ctr">
+            <a:noAutofit/>
+          </a:bodyPr>
+          <a:p>
+            <a:pPr algn="ctr"/>
+            <a:r>
+              <a:rPr b="0" lang="en-US" sz="3300" spc="-1" strike="noStrike">
+                <a:solidFill>
+                  <a:srgbClr val="ffffff"/>
+                </a:solidFill>
+                <a:latin typeface="Arial"/>
+              </a:rPr>
               <a:t>Future</a:t>
             </a:r>
             <a:endParaRPr b="0" lang="en-US" sz="3300" spc="-1" strike="noStrike">
@@ -4066,7 +6264,7 @@
       </p:sp>
       <p:sp>
         <p:nvSpPr>
-          <p:cNvPr id="103" name=""/>
+          <p:cNvPr id="121" name=""/>
           <p:cNvSpPr txBox="1"/>
           <p:nvPr/>
         </p:nvSpPr>
@@ -5341,15 +7539,6 @@
               <a:buFont typeface="Wingdings" charset="2"/>
               <a:buChar char=""/>
             </a:pPr>
-            <a:r>
-              <a:rPr b="0" lang="en-US" sz="1800" spc="-1" strike="noStrike">
-                <a:solidFill>
-                  <a:srgbClr val="009bdd"/>
-                </a:solidFill>
-                <a:latin typeface="Arial"/>
-              </a:rPr>
-              <a:t> </a:t>
-            </a:r>
             <a:endParaRPr b="0" lang="en-US" sz="1800" spc="-1" strike="noStrike">
               <a:solidFill>
                 <a:srgbClr val="009bdd"/>
@@ -5421,7 +7610,7 @@
                 </a:solidFill>
                 <a:latin typeface="Arial"/>
               </a:rPr>
-              <a:t>Pitfalls</a:t>
+              <a:t>Writing Ansible</a:t>
             </a:r>
             <a:endParaRPr b="0" lang="en-US" sz="3300" spc="-1" strike="noStrike">
               <a:solidFill>
@@ -5474,35 +7663,7 @@
                 </a:solidFill>
                 <a:latin typeface="Arial"/>
               </a:rPr>
-              <a:t>Global variables</a:t>
-            </a:r>
-            <a:endParaRPr b="0" lang="en-US" sz="2400" spc="-1" strike="noStrike">
-              <a:solidFill>
-                <a:srgbClr val="009bdd"/>
-              </a:solidFill>
-              <a:latin typeface="Arial"/>
-            </a:endParaRPr>
-          </a:p>
-          <a:p>
-            <a:pPr marL="432000" indent="-324000">
-              <a:spcBef>
-                <a:spcPts val="1060"/>
-              </a:spcBef>
-              <a:buClr>
-                <a:srgbClr val="77caee"/>
-              </a:buClr>
-              <a:buSzPct val="45000"/>
-              <a:buFont typeface="Wingdings" charset="2"/>
-              <a:buChar char=""/>
-            </a:pPr>
-            <a:r>
-              <a:rPr b="0" lang="en-US" sz="2400" spc="-1" strike="noStrike">
-                <a:solidFill>
-                  <a:srgbClr val="009bdd"/>
-                </a:solidFill>
-                <a:latin typeface="Arial"/>
-              </a:rPr>
-              <a:t>Hard to change values</a:t>
+              <a:t>Variable Precedence (mostly)</a:t>
             </a:r>
             <a:endParaRPr b="0" lang="en-US" sz="2400" spc="-1" strike="noStrike">
               <a:solidFill>
@@ -5530,7 +7691,7 @@
                 </a:solidFill>
                 <a:latin typeface="Arial"/>
               </a:rPr>
-              <a:t>Create new variables</a:t>
+              <a:t>Role defaults</a:t>
             </a:r>
             <a:endParaRPr b="0" lang="en-US" sz="2100" spc="-1" strike="noStrike">
               <a:solidFill>
@@ -5540,111 +7701,195 @@
             </a:endParaRPr>
           </a:p>
           <a:p>
-            <a:pPr marL="432000" indent="-324000">
-              <a:spcBef>
-                <a:spcPts val="1060"/>
-              </a:spcBef>
-              <a:buClr>
-                <a:srgbClr val="77caee"/>
-              </a:buClr>
-              <a:buSzPct val="45000"/>
-              <a:buFont typeface="Wingdings" charset="2"/>
-              <a:buChar char=""/>
-            </a:pPr>
-            <a:r>
-              <a:rPr b="0" lang="en-US" sz="2400" spc="-1" strike="noStrike">
-                <a:solidFill>
-                  <a:srgbClr val="009bdd"/>
-                </a:solidFill>
-                <a:latin typeface="Arial"/>
-              </a:rPr>
-              <a:t>Name conflicts</a:t>
-            </a:r>
-            <a:endParaRPr b="0" lang="en-US" sz="2400" spc="-1" strike="noStrike">
-              <a:solidFill>
-                <a:srgbClr val="009bdd"/>
-              </a:solidFill>
-              <a:latin typeface="Arial"/>
-            </a:endParaRPr>
-          </a:p>
-          <a:p>
-            <a:pPr marL="432000" indent="-324000">
-              <a:spcBef>
-                <a:spcPts val="1060"/>
-              </a:spcBef>
-              <a:buClr>
-                <a:srgbClr val="77caee"/>
-              </a:buClr>
-              <a:buSzPct val="45000"/>
-              <a:buFont typeface="Wingdings" charset="2"/>
-              <a:buChar char=""/>
-            </a:pPr>
-            <a:r>
-              <a:rPr b="0" lang="en-US" sz="2400" spc="-1" strike="noStrike">
-                <a:solidFill>
-                  <a:srgbClr val="009bdd"/>
-                </a:solidFill>
-                <a:latin typeface="Arial"/>
-              </a:rPr>
-              <a:t>Variables aren’t typed</a:t>
-            </a:r>
-            <a:endParaRPr b="0" lang="en-US" sz="2400" spc="-1" strike="noStrike">
-              <a:solidFill>
-                <a:srgbClr val="009bdd"/>
-              </a:solidFill>
-              <a:latin typeface="Arial"/>
-            </a:endParaRPr>
-          </a:p>
-          <a:p>
-            <a:pPr marL="432000" indent="-324000">
-              <a:spcBef>
-                <a:spcPts val="1060"/>
-              </a:spcBef>
-              <a:buClr>
-                <a:srgbClr val="77caee"/>
-              </a:buClr>
-              <a:buSzPct val="45000"/>
-              <a:buFont typeface="Wingdings" charset="2"/>
-              <a:buChar char=""/>
-            </a:pPr>
-            <a:r>
-              <a:rPr b="0" lang="en-US" sz="2400" spc="-1" strike="noStrike">
-                <a:solidFill>
-                  <a:srgbClr val="009bdd"/>
-                </a:solidFill>
-                <a:latin typeface="Arial"/>
-              </a:rPr>
-              <a:t>Variable precedence</a:t>
-            </a:r>
-            <a:endParaRPr b="0" lang="en-US" sz="2400" spc="-1" strike="noStrike">
-              <a:solidFill>
-                <a:srgbClr val="009bdd"/>
-              </a:solidFill>
-              <a:latin typeface="Arial"/>
-            </a:endParaRPr>
-          </a:p>
-          <a:p>
-            <a:pPr marL="432000" indent="-324000">
-              <a:spcBef>
-                <a:spcPts val="1060"/>
-              </a:spcBef>
-              <a:buClr>
-                <a:srgbClr val="77caee"/>
-              </a:buClr>
-              <a:buSzPct val="45000"/>
-              <a:buFont typeface="Wingdings" charset="2"/>
-              <a:buChar char=""/>
-            </a:pPr>
-            <a:r>
-              <a:rPr b="0" lang="en-US" sz="2400" spc="-1" strike="noStrike">
-                <a:solidFill>
-                  <a:srgbClr val="009bdd"/>
-                </a:solidFill>
-                <a:latin typeface="Arial"/>
-              </a:rPr>
-              <a:t>Everything is permitted</a:t>
-            </a:r>
-            <a:endParaRPr b="0" lang="en-US" sz="2400" spc="-1" strike="noStrike">
+            <a:pPr lvl="1" marL="864000" indent="-324000">
+              <a:spcBef>
+                <a:spcPts val="850"/>
+              </a:spcBef>
+              <a:buClr>
+                <a:srgbClr val="77caee"/>
+              </a:buClr>
+              <a:buSzPct val="45000"/>
+              <a:buFont typeface="Wingdings" charset="2"/>
+              <a:buChar char=""/>
+            </a:pPr>
+            <a:r>
+              <a:rPr b="0" lang="en-US" sz="2100" spc="-1" strike="noStrike">
+                <a:solidFill>
+                  <a:srgbClr val="009bdd"/>
+                </a:solidFill>
+                <a:latin typeface="Arial"/>
+              </a:rPr>
+              <a:t>inventory/group_varrs</a:t>
+            </a:r>
+            <a:endParaRPr b="0" lang="en-US" sz="2100" spc="-1" strike="noStrike">
+              <a:solidFill>
+                <a:srgbClr val="009bdd"/>
+              </a:solidFill>
+              <a:latin typeface="Arial"/>
+            </a:endParaRPr>
+          </a:p>
+          <a:p>
+            <a:pPr lvl="1" marL="864000" indent="-324000">
+              <a:spcBef>
+                <a:spcPts val="850"/>
+              </a:spcBef>
+              <a:buClr>
+                <a:srgbClr val="77caee"/>
+              </a:buClr>
+              <a:buSzPct val="45000"/>
+              <a:buFont typeface="Wingdings" charset="2"/>
+              <a:buChar char=""/>
+            </a:pPr>
+            <a:r>
+              <a:rPr b="0" lang="en-US" sz="2100" spc="-1" strike="noStrike">
+                <a:solidFill>
+                  <a:srgbClr val="009bdd"/>
+                </a:solidFill>
+                <a:latin typeface="Arial"/>
+              </a:rPr>
+              <a:t>inventory/host_vars</a:t>
+            </a:r>
+            <a:endParaRPr b="0" lang="en-US" sz="2100" spc="-1" strike="noStrike">
+              <a:solidFill>
+                <a:srgbClr val="009bdd"/>
+              </a:solidFill>
+              <a:latin typeface="Arial"/>
+            </a:endParaRPr>
+          </a:p>
+          <a:p>
+            <a:pPr lvl="1" marL="864000" indent="-324000">
+              <a:spcBef>
+                <a:spcPts val="850"/>
+              </a:spcBef>
+              <a:buClr>
+                <a:srgbClr val="77caee"/>
+              </a:buClr>
+              <a:buSzPct val="45000"/>
+              <a:buFont typeface="Wingdings" charset="2"/>
+              <a:buChar char=""/>
+            </a:pPr>
+            <a:r>
+              <a:rPr b="0" lang="en-US" sz="2100" spc="-1" strike="noStrike">
+                <a:solidFill>
+                  <a:srgbClr val="009bdd"/>
+                </a:solidFill>
+                <a:latin typeface="Arial"/>
+              </a:rPr>
+              <a:t>Host facts</a:t>
+            </a:r>
+            <a:endParaRPr b="0" lang="en-US" sz="2100" spc="-1" strike="noStrike">
+              <a:solidFill>
+                <a:srgbClr val="009bdd"/>
+              </a:solidFill>
+              <a:latin typeface="Arial"/>
+            </a:endParaRPr>
+          </a:p>
+          <a:p>
+            <a:pPr lvl="1" marL="864000" indent="-324000">
+              <a:spcBef>
+                <a:spcPts val="850"/>
+              </a:spcBef>
+              <a:buClr>
+                <a:srgbClr val="77caee"/>
+              </a:buClr>
+              <a:buSzPct val="45000"/>
+              <a:buFont typeface="Wingdings" charset="2"/>
+              <a:buChar char=""/>
+            </a:pPr>
+            <a:r>
+              <a:rPr b="0" lang="en-US" sz="2100" spc="-1" strike="noStrike">
+                <a:solidFill>
+                  <a:srgbClr val="009bdd"/>
+                </a:solidFill>
+                <a:latin typeface="Arial"/>
+              </a:rPr>
+              <a:t>Play vars</a:t>
+            </a:r>
+            <a:endParaRPr b="0" lang="en-US" sz="2100" spc="-1" strike="noStrike">
+              <a:solidFill>
+                <a:srgbClr val="009bdd"/>
+              </a:solidFill>
+              <a:latin typeface="Arial"/>
+            </a:endParaRPr>
+          </a:p>
+          <a:p>
+            <a:pPr lvl="1" marL="864000" indent="-324000">
+              <a:spcBef>
+                <a:spcPts val="850"/>
+              </a:spcBef>
+              <a:buClr>
+                <a:srgbClr val="77caee"/>
+              </a:buClr>
+              <a:buSzPct val="45000"/>
+              <a:buFont typeface="Wingdings" charset="2"/>
+              <a:buChar char=""/>
+            </a:pPr>
+            <a:r>
+              <a:rPr b="0" lang="en-US" sz="2100" spc="-1" strike="noStrike">
+                <a:solidFill>
+                  <a:srgbClr val="009bdd"/>
+                </a:solidFill>
+                <a:latin typeface="Arial"/>
+              </a:rPr>
+              <a:t>Role vars</a:t>
+            </a:r>
+            <a:endParaRPr b="0" lang="en-US" sz="2100" spc="-1" strike="noStrike">
+              <a:solidFill>
+                <a:srgbClr val="009bdd"/>
+              </a:solidFill>
+              <a:latin typeface="Arial"/>
+            </a:endParaRPr>
+          </a:p>
+          <a:p>
+            <a:pPr lvl="1" marL="864000" indent="-324000">
+              <a:spcBef>
+                <a:spcPts val="850"/>
+              </a:spcBef>
+              <a:buClr>
+                <a:srgbClr val="77caee"/>
+              </a:buClr>
+              <a:buSzPct val="45000"/>
+              <a:buFont typeface="Wingdings" charset="2"/>
+              <a:buChar char=""/>
+            </a:pPr>
+            <a:r>
+              <a:rPr b="0" lang="en-US" sz="2100" spc="-1" strike="noStrike">
+                <a:solidFill>
+                  <a:srgbClr val="009bdd"/>
+                </a:solidFill>
+                <a:latin typeface="Arial"/>
+              </a:rPr>
+              <a:t>set_facts</a:t>
+            </a:r>
+            <a:endParaRPr b="0" lang="en-US" sz="2100" spc="-1" strike="noStrike">
+              <a:solidFill>
+                <a:srgbClr val="009bdd"/>
+              </a:solidFill>
+              <a:latin typeface="Arial"/>
+            </a:endParaRPr>
+          </a:p>
+          <a:p>
+            <a:pPr lvl="1" marL="864000" indent="-324000">
+              <a:spcBef>
+                <a:spcPts val="850"/>
+              </a:spcBef>
+              <a:buClr>
+                <a:srgbClr val="77caee"/>
+              </a:buClr>
+              <a:buSzPct val="45000"/>
+              <a:buFont typeface="Wingdings" charset="2"/>
+              <a:buChar char=""/>
+            </a:pPr>
+            <a:r>
+              <a:rPr b="0" lang="en-US" sz="2100" spc="-1" strike="noStrike">
+                <a:solidFill>
+                  <a:srgbClr val="009bdd"/>
+                </a:solidFill>
+                <a:latin typeface="Arial"/>
+              </a:rPr>
+              <a:t>Extra vars</a:t>
+            </a:r>
+            <a:endParaRPr b="0" lang="en-US" sz="2100" spc="-1" strike="noStrike">
               <a:solidFill>
                 <a:srgbClr val="009bdd"/>
               </a:solidFill>
@@ -5715,7 +7960,7 @@
                 </a:solidFill>
                 <a:latin typeface="Arial"/>
               </a:rPr>
-              <a:t>Molecule</a:t>
+              <a:t>Writing Ansible</a:t>
             </a:r>
             <a:endParaRPr b="0" lang="en-US" sz="3300" spc="-1" strike="noStrike">
               <a:solidFill>
@@ -5768,9 +8013,37 @@
                 </a:solidFill>
                 <a:latin typeface="Arial"/>
               </a:rPr>
-              <a:t>Created by Cisco</a:t>
-            </a:r>
-            <a:endParaRPr b="0" lang="en-US" sz="2400" spc="-1" strike="noStrike">
+              <a:t>There are actually 22 levels of variable precendence</a:t>
+            </a:r>
+            <a:endParaRPr b="0" lang="en-US" sz="2400" spc="-1" strike="noStrike">
+              <a:solidFill>
+                <a:srgbClr val="009bdd"/>
+              </a:solidFill>
+              <a:latin typeface="Arial"/>
+            </a:endParaRPr>
+          </a:p>
+          <a:p>
+            <a:pPr lvl="1" marL="864000" indent="-324000">
+              <a:spcBef>
+                <a:spcPts val="850"/>
+              </a:spcBef>
+              <a:buClr>
+                <a:srgbClr val="77caee"/>
+              </a:buClr>
+              <a:buSzPct val="45000"/>
+              <a:buFont typeface="Wingdings" charset="2"/>
+              <a:buChar char=""/>
+            </a:pPr>
+            <a:r>
+              <a:rPr b="0" lang="en-US" sz="2100" spc="-1" strike="noStrike">
+                <a:solidFill>
+                  <a:srgbClr val="009bdd"/>
+                </a:solidFill>
+                <a:latin typeface="Arial"/>
+              </a:rPr>
+              <a:t>Obviously complicated</a:t>
+            </a:r>
+            <a:endParaRPr b="0" lang="en-US" sz="2100" spc="-1" strike="noStrike">
               <a:solidFill>
                 <a:srgbClr val="009bdd"/>
               </a:solidFill>
@@ -5796,9 +8069,37 @@
                 </a:solidFill>
                 <a:latin typeface="Arial"/>
               </a:rPr>
-              <a:t>Donated to Red Hat Ansible project in 2019</a:t>
-            </a:r>
-            <a:endParaRPr b="0" lang="en-US" sz="2400" spc="-1" strike="noStrike">
+              <a:t>Role order matters</a:t>
+            </a:r>
+            <a:endParaRPr b="0" lang="en-US" sz="2400" spc="-1" strike="noStrike">
+              <a:solidFill>
+                <a:srgbClr val="009bdd"/>
+              </a:solidFill>
+              <a:latin typeface="Arial"/>
+            </a:endParaRPr>
+          </a:p>
+          <a:p>
+            <a:pPr lvl="1" marL="864000" indent="-324000">
+              <a:spcBef>
+                <a:spcPts val="850"/>
+              </a:spcBef>
+              <a:buClr>
+                <a:srgbClr val="77caee"/>
+              </a:buClr>
+              <a:buSzPct val="45000"/>
+              <a:buFont typeface="Wingdings" charset="2"/>
+              <a:buChar char=""/>
+            </a:pPr>
+            <a:r>
+              <a:rPr b="0" lang="en-US" sz="2100" spc="-1" strike="noStrike">
+                <a:solidFill>
+                  <a:srgbClr val="009bdd"/>
+                </a:solidFill>
+                <a:latin typeface="Arial"/>
+              </a:rPr>
+              <a:t>Later variables overwrite earlier ones</a:t>
+            </a:r>
+            <a:endParaRPr b="0" lang="en-US" sz="2100" spc="-1" strike="noStrike">
               <a:solidFill>
                 <a:srgbClr val="009bdd"/>
               </a:solidFill>
@@ -5818,43 +8119,15 @@
               <a:buChar char=""/>
             </a:pPr>
             <a:r>
-              <a:rPr b="0" lang="en-US" sz="2400" spc="-1" strike="noStrike">
-                <a:solidFill>
-                  <a:srgbClr val="009bdd"/>
-                </a:solidFill>
-                <a:latin typeface="Arial"/>
-              </a:rPr>
-              <a:t>Used to test your roles</a:t>
-            </a:r>
-            <a:endParaRPr b="0" lang="en-US" sz="2400" spc="-1" strike="noStrike">
-              <a:solidFill>
-                <a:srgbClr val="009bdd"/>
-              </a:solidFill>
-              <a:latin typeface="Arial"/>
-            </a:endParaRPr>
-          </a:p>
-          <a:p>
-            <a:pPr marL="432000" indent="-324000">
-              <a:spcBef>
-                <a:spcPts val="1060"/>
-              </a:spcBef>
-              <a:buClr>
-                <a:srgbClr val="77caee"/>
-              </a:buClr>
-              <a:buSzPct val="45000"/>
-              <a:buFont typeface="Wingdings" charset="2"/>
-              <a:buChar char=""/>
-            </a:pPr>
-            <a:r>
-              <a:rPr b="0" lang="en-US" sz="2400" spc="-1" strike="noStrike">
-                <a:solidFill>
-                  <a:srgbClr val="009bdd"/>
-                </a:solidFill>
-                <a:latin typeface="Arial"/>
-              </a:rPr>
-              <a:t> </a:t>
-            </a:r>
-            <a:endParaRPr b="0" lang="en-US" sz="2400" spc="-1" strike="noStrike">
+              <a:rPr b="0" lang="en-US" sz="1300" spc="-1" strike="noStrike">
+                <a:solidFill>
+                  <a:srgbClr val="009bdd"/>
+                </a:solidFill>
+                <a:latin typeface="Arial"/>
+              </a:rPr>
+              <a:t>https://docs.ansible.com/ansible/latest/user_guide/playbooks_variables.html#understanding-variable-precedence</a:t>
+            </a:r>
+            <a:endParaRPr b="0" lang="en-US" sz="1300" spc="-1" strike="noStrike">
               <a:solidFill>
                 <a:srgbClr val="009bdd"/>
               </a:solidFill>
@@ -5925,7 +8198,7 @@
                 </a:solidFill>
                 <a:latin typeface="Arial"/>
               </a:rPr>
-              <a:t>ansible-galaxy</a:t>
+              <a:t>Writing Ansible</a:t>
             </a:r>
             <a:endParaRPr b="0" lang="en-US" sz="3300" spc="-1" strike="noStrike">
               <a:solidFill>
@@ -5978,56 +8251,205 @@
                 </a:solidFill>
                 <a:latin typeface="Arial"/>
               </a:rPr>
-              <a:t>ansible-galaxy role|collection search &lt;name&gt;</a:t>
-            </a:r>
-            <a:endParaRPr b="0" lang="en-US" sz="2400" spc="-1" strike="noStrike">
-              <a:solidFill>
-                <a:srgbClr val="009bdd"/>
-              </a:solidFill>
-              <a:latin typeface="Arial"/>
-            </a:endParaRPr>
-          </a:p>
-          <a:p>
-            <a:pPr marL="432000" indent="-324000">
-              <a:spcBef>
-                <a:spcPts val="1060"/>
-              </a:spcBef>
-              <a:buClr>
-                <a:srgbClr val="77caee"/>
-              </a:buClr>
-              <a:buSzPct val="45000"/>
-              <a:buFont typeface="Wingdings" charset="2"/>
-              <a:buChar char=""/>
-            </a:pPr>
-            <a:r>
-              <a:rPr b="0" lang="en-US" sz="2400" spc="-1" strike="noStrike">
-                <a:solidFill>
-                  <a:srgbClr val="009bdd"/>
-                </a:solidFill>
-                <a:latin typeface="Arial"/>
-              </a:rPr>
-              <a:t>Roles in galaxy hub for many purposes</a:t>
-            </a:r>
-            <a:endParaRPr b="0" lang="en-US" sz="2400" spc="-1" strike="noStrike">
-              <a:solidFill>
-                <a:srgbClr val="009bdd"/>
-              </a:solidFill>
-              <a:latin typeface="Arial"/>
-            </a:endParaRPr>
-          </a:p>
-          <a:p>
-            <a:pPr marL="432000" indent="-324000">
-              <a:spcBef>
-                <a:spcPts val="1060"/>
-              </a:spcBef>
-              <a:buClr>
-                <a:srgbClr val="77caee"/>
-              </a:buClr>
-              <a:buSzPct val="45000"/>
-              <a:buFont typeface="Wingdings" charset="2"/>
-              <a:buChar char=""/>
-            </a:pPr>
-            <a:endParaRPr b="0" lang="en-US" sz="2400" spc="-1" strike="noStrike">
+              <a:t>Role structure</a:t>
+            </a:r>
+            <a:endParaRPr b="0" lang="en-US" sz="2400" spc="-1" strike="noStrike">
+              <a:solidFill>
+                <a:srgbClr val="009bdd"/>
+              </a:solidFill>
+              <a:latin typeface="Arial"/>
+            </a:endParaRPr>
+          </a:p>
+          <a:p>
+            <a:pPr lvl="1" marL="864000" indent="-324000">
+              <a:spcBef>
+                <a:spcPts val="850"/>
+              </a:spcBef>
+              <a:buClr>
+                <a:srgbClr val="77caee"/>
+              </a:buClr>
+              <a:buSzPct val="45000"/>
+              <a:buFont typeface="Wingdings" charset="2"/>
+              <a:buChar char=""/>
+            </a:pPr>
+            <a:r>
+              <a:rPr b="0" lang="en-US" sz="2100" spc="-1" strike="noStrike">
+                <a:solidFill>
+                  <a:srgbClr val="009bdd"/>
+                </a:solidFill>
+                <a:latin typeface="Arial"/>
+              </a:rPr>
+              <a:t>Role</a:t>
+            </a:r>
+            <a:endParaRPr b="0" lang="en-US" sz="2100" spc="-1" strike="noStrike">
+              <a:solidFill>
+                <a:srgbClr val="009bdd"/>
+              </a:solidFill>
+              <a:latin typeface="Arial"/>
+            </a:endParaRPr>
+          </a:p>
+          <a:p>
+            <a:pPr lvl="2" marL="1296000" indent="-288000">
+              <a:spcBef>
+                <a:spcPts val="635"/>
+              </a:spcBef>
+              <a:buClr>
+                <a:srgbClr val="77caee"/>
+              </a:buClr>
+              <a:buSzPct val="45000"/>
+              <a:buFont typeface="Wingdings" charset="2"/>
+              <a:buChar char=""/>
+            </a:pPr>
+            <a:r>
+              <a:rPr b="0" lang="en-US" sz="1800" spc="-1" strike="noStrike">
+                <a:solidFill>
+                  <a:srgbClr val="009bdd"/>
+                </a:solidFill>
+                <a:latin typeface="Arial"/>
+              </a:rPr>
+              <a:t>defaults</a:t>
+            </a:r>
+            <a:endParaRPr b="0" lang="en-US" sz="1800" spc="-1" strike="noStrike">
+              <a:solidFill>
+                <a:srgbClr val="009bdd"/>
+              </a:solidFill>
+              <a:latin typeface="Arial"/>
+            </a:endParaRPr>
+          </a:p>
+          <a:p>
+            <a:pPr lvl="2" marL="1296000" indent="-288000">
+              <a:spcBef>
+                <a:spcPts val="635"/>
+              </a:spcBef>
+              <a:buClr>
+                <a:srgbClr val="77caee"/>
+              </a:buClr>
+              <a:buSzPct val="45000"/>
+              <a:buFont typeface="Wingdings" charset="2"/>
+              <a:buChar char=""/>
+            </a:pPr>
+            <a:r>
+              <a:rPr b="0" lang="en-US" sz="1800" spc="-1" strike="noStrike">
+                <a:solidFill>
+                  <a:srgbClr val="009bdd"/>
+                </a:solidFill>
+                <a:latin typeface="Arial"/>
+              </a:rPr>
+              <a:t>files</a:t>
+            </a:r>
+            <a:endParaRPr b="0" lang="en-US" sz="1800" spc="-1" strike="noStrike">
+              <a:solidFill>
+                <a:srgbClr val="009bdd"/>
+              </a:solidFill>
+              <a:latin typeface="Arial"/>
+            </a:endParaRPr>
+          </a:p>
+          <a:p>
+            <a:pPr lvl="2" marL="1296000" indent="-288000">
+              <a:spcBef>
+                <a:spcPts val="635"/>
+              </a:spcBef>
+              <a:buClr>
+                <a:srgbClr val="77caee"/>
+              </a:buClr>
+              <a:buSzPct val="45000"/>
+              <a:buFont typeface="Wingdings" charset="2"/>
+              <a:buChar char=""/>
+            </a:pPr>
+            <a:r>
+              <a:rPr b="0" lang="en-US" sz="1800" spc="-1" strike="noStrike">
+                <a:solidFill>
+                  <a:srgbClr val="009bdd"/>
+                </a:solidFill>
+                <a:latin typeface="Arial"/>
+              </a:rPr>
+              <a:t>tasks</a:t>
+            </a:r>
+            <a:endParaRPr b="0" lang="en-US" sz="1800" spc="-1" strike="noStrike">
+              <a:solidFill>
+                <a:srgbClr val="009bdd"/>
+              </a:solidFill>
+              <a:latin typeface="Arial"/>
+            </a:endParaRPr>
+          </a:p>
+          <a:p>
+            <a:pPr lvl="2" marL="1296000" indent="-288000">
+              <a:spcBef>
+                <a:spcPts val="635"/>
+              </a:spcBef>
+              <a:buClr>
+                <a:srgbClr val="77caee"/>
+              </a:buClr>
+              <a:buSzPct val="45000"/>
+              <a:buFont typeface="Wingdings" charset="2"/>
+              <a:buChar char=""/>
+            </a:pPr>
+            <a:r>
+              <a:rPr b="0" lang="en-US" sz="1800" spc="-1" strike="noStrike">
+                <a:solidFill>
+                  <a:srgbClr val="009bdd"/>
+                </a:solidFill>
+                <a:latin typeface="Arial"/>
+              </a:rPr>
+              <a:t>templates</a:t>
+            </a:r>
+            <a:endParaRPr b="0" lang="en-US" sz="1800" spc="-1" strike="noStrike">
+              <a:solidFill>
+                <a:srgbClr val="009bdd"/>
+              </a:solidFill>
+              <a:latin typeface="Arial"/>
+            </a:endParaRPr>
+          </a:p>
+          <a:p>
+            <a:pPr lvl="2" marL="1296000" indent="-288000">
+              <a:spcBef>
+                <a:spcPts val="635"/>
+              </a:spcBef>
+              <a:buClr>
+                <a:srgbClr val="77caee"/>
+              </a:buClr>
+              <a:buSzPct val="45000"/>
+              <a:buFont typeface="Wingdings" charset="2"/>
+              <a:buChar char=""/>
+            </a:pPr>
+            <a:r>
+              <a:rPr b="0" lang="en-US" sz="1800" spc="-1" strike="noStrike">
+                <a:solidFill>
+                  <a:srgbClr val="009bdd"/>
+                </a:solidFill>
+                <a:latin typeface="Arial"/>
+              </a:rPr>
+              <a:t>vars</a:t>
+            </a:r>
+            <a:endParaRPr b="0" lang="en-US" sz="1800" spc="-1" strike="noStrike">
+              <a:solidFill>
+                <a:srgbClr val="009bdd"/>
+              </a:solidFill>
+              <a:latin typeface="Arial"/>
+            </a:endParaRPr>
+          </a:p>
+          <a:p>
+            <a:pPr lvl="1" marL="864000" indent="-324000">
+              <a:spcBef>
+                <a:spcPts val="850"/>
+              </a:spcBef>
+              <a:buClr>
+                <a:srgbClr val="77caee"/>
+              </a:buClr>
+              <a:buSzPct val="45000"/>
+              <a:buFont typeface="Wingdings" charset="2"/>
+              <a:buChar char=""/>
+            </a:pPr>
+            <a:r>
+              <a:rPr b="0" lang="en-US" sz="2100" spc="-1" strike="noStrike">
+                <a:solidFill>
+                  <a:srgbClr val="009bdd"/>
+                </a:solidFill>
+                <a:latin typeface="Arial"/>
+              </a:rPr>
+              <a:t>Those are just the major ones</a:t>
+            </a:r>
+            <a:endParaRPr b="0" lang="en-US" sz="2100" spc="-1" strike="noStrike">
               <a:solidFill>
                 <a:srgbClr val="009bdd"/>
               </a:solidFill>
@@ -6098,7 +8520,7 @@
                 </a:solidFill>
                 <a:latin typeface="Arial"/>
               </a:rPr>
-              <a:t>Ansible environment</a:t>
+              <a:t>Role Structure</a:t>
             </a:r>
             <a:endParaRPr b="0" lang="en-US" sz="3300" spc="-1" strike="noStrike">
               <a:solidFill>
@@ -6151,7 +8573,7 @@
                 </a:solidFill>
                 <a:latin typeface="Arial"/>
               </a:rPr>
-              <a:t>Use virtualenv, requirements.txt, and pip</a:t>
+              <a:t>Defaults</a:t>
             </a:r>
             <a:endParaRPr b="0" lang="en-US" sz="2400" spc="-1" strike="noStrike">
               <a:solidFill>
@@ -6179,7 +8601,7 @@
                 </a:solidFill>
                 <a:latin typeface="Arial"/>
               </a:rPr>
-              <a:t>Keeps tree clean</a:t>
+              <a:t>Contains default values for variables</a:t>
             </a:r>
             <a:endParaRPr b="0" lang="en-US" sz="2100" spc="-1" strike="noStrike">
               <a:solidFill>
@@ -6207,7 +8629,7 @@
                 </a:solidFill>
                 <a:latin typeface="Arial"/>
               </a:rPr>
-              <a:t>Doesn’t pollute rest of system</a:t>
+              <a:t>Low precedence, so can be overridden</a:t>
             </a:r>
             <a:endParaRPr b="0" lang="en-US" sz="2100" spc="-1" strike="noStrike">
               <a:solidFill>
@@ -6217,27 +8639,27 @@
             </a:endParaRPr>
           </a:p>
           <a:p>
-            <a:pPr marL="432000" indent="-324000">
-              <a:spcBef>
-                <a:spcPts val="1060"/>
-              </a:spcBef>
-              <a:buClr>
-                <a:srgbClr val="77caee"/>
-              </a:buClr>
-              <a:buSzPct val="45000"/>
-              <a:buFont typeface="Wingdings" charset="2"/>
-              <a:buChar char=""/>
-            </a:pPr>
-            <a:r>
-              <a:rPr b="0" lang="en-US" sz="2400" spc="-1" strike="noStrike">
-                <a:solidFill>
-                  <a:srgbClr val="009bdd"/>
-                </a:solidFill>
-                <a:latin typeface="Arial"/>
-              </a:rPr>
-              <a:t>Alternatively, docker container</a:t>
-            </a:r>
-            <a:endParaRPr b="0" lang="en-US" sz="2400" spc="-1" strike="noStrike">
+            <a:pPr lvl="1" marL="864000" indent="-324000">
+              <a:spcBef>
+                <a:spcPts val="850"/>
+              </a:spcBef>
+              <a:buClr>
+                <a:srgbClr val="77caee"/>
+              </a:buClr>
+              <a:buSzPct val="45000"/>
+              <a:buFont typeface="Wingdings" charset="2"/>
+              <a:buChar char=""/>
+            </a:pPr>
+            <a:r>
+              <a:rPr b="0" lang="en-US" sz="2100" spc="-1" strike="noStrike">
+                <a:solidFill>
+                  <a:srgbClr val="009bdd"/>
+                </a:solidFill>
+                <a:latin typeface="Arial"/>
+              </a:rPr>
+              <a:t>Use as document showing all inputs, with examples</a:t>
+            </a:r>
+            <a:endParaRPr b="0" lang="en-US" sz="2100" spc="-1" strike="noStrike">
               <a:solidFill>
                 <a:srgbClr val="009bdd"/>
               </a:solidFill>

--- a/docs/ansible-slides.pptx
+++ b/docs/ansible-slides.pptx
@@ -25,6 +25,7 @@
     <p:sldId id="272" r:id="rId20"/>
     <p:sldId id="273" r:id="rId21"/>
     <p:sldId id="274" r:id="rId22"/>
+    <p:sldId id="275" r:id="rId23"/>
   </p:sldIdLst>
   <p:sldSz cx="10080625" cy="5670550"/>
   <p:notesSz cx="7559675" cy="10691812"/>
@@ -3391,7 +3392,7 @@
           </a:bodyPr>
           <a:p>
             <a:pPr algn="r"/>
-            <a:fld id="{48FAAA11-1FCA-43C7-AED7-3CCE6B9C4E49}" type="slidenum">
+            <a:fld id="{95DB50DA-EC3A-4735-9B2D-04E26050B72A}" type="slidenum">
               <a:rPr b="0" lang="en-US" sz="1400" spc="-1" strike="noStrike">
                 <a:solidFill>
                   <a:srgbClr val="ffffff"/>
@@ -3902,7 +3903,7 @@
           </a:bodyPr>
           <a:p>
             <a:pPr algn="r"/>
-            <a:fld id="{8996471D-2120-4D71-8DF8-86E2399C42B5}" type="slidenum">
+            <a:fld id="{1516F4B2-33FA-471B-95BF-48CD238F8F1A}" type="slidenum">
               <a:rPr b="0" lang="en-US" sz="1400" spc="-1" strike="noStrike">
                 <a:solidFill>
                   <a:srgbClr val="ffffff"/>
@@ -4115,7 +4116,7 @@
                 </a:solidFill>
                 <a:latin typeface="Arial"/>
               </a:rPr>
-              <a:t>Files</a:t>
+              <a:t>Defaults</a:t>
             </a:r>
             <a:endParaRPr b="0" lang="en-US" sz="2400" spc="-1" strike="noStrike">
               <a:solidFill>
@@ -4143,7 +4144,7 @@
                 </a:solidFill>
                 <a:latin typeface="Arial"/>
               </a:rPr>
-              <a:t>Store files for this specific role</a:t>
+              <a:t>Contains default values for variables</a:t>
             </a:r>
             <a:endParaRPr b="0" lang="en-US" sz="2100" spc="-1" strike="noStrike">
               <a:solidFill>
@@ -4171,7 +4172,35 @@
                 </a:solidFill>
                 <a:latin typeface="Arial"/>
               </a:rPr>
-              <a:t>Files will be copied to remote hosts (with proper code)</a:t>
+              <a:t>Low precedence, so can be overridden</a:t>
+            </a:r>
+            <a:endParaRPr b="0" lang="en-US" sz="2100" spc="-1" strike="noStrike">
+              <a:solidFill>
+                <a:srgbClr val="009bdd"/>
+              </a:solidFill>
+              <a:latin typeface="Arial"/>
+            </a:endParaRPr>
+          </a:p>
+          <a:p>
+            <a:pPr lvl="1" marL="864000" indent="-324000">
+              <a:spcBef>
+                <a:spcPts val="850"/>
+              </a:spcBef>
+              <a:buClr>
+                <a:srgbClr val="77caee"/>
+              </a:buClr>
+              <a:buSzPct val="45000"/>
+              <a:buFont typeface="Wingdings" charset="2"/>
+              <a:buChar char=""/>
+            </a:pPr>
+            <a:r>
+              <a:rPr b="0" lang="en-US" sz="2100" spc="-1" strike="noStrike">
+                <a:solidFill>
+                  <a:srgbClr val="009bdd"/>
+                </a:solidFill>
+                <a:latin typeface="Arial"/>
+              </a:rPr>
+              <a:t>Use as document showing all inputs, with examples</a:t>
             </a:r>
             <a:endParaRPr b="0" lang="en-US" sz="2100" spc="-1" strike="noStrike">
               <a:solidFill>
@@ -4297,7 +4326,7 @@
                 </a:solidFill>
                 <a:latin typeface="Arial"/>
               </a:rPr>
-              <a:t>Tasks</a:t>
+              <a:t>Files</a:t>
             </a:r>
             <a:endParaRPr b="0" lang="en-US" sz="2400" spc="-1" strike="noStrike">
               <a:solidFill>
@@ -4325,7 +4354,7 @@
                 </a:solidFill>
                 <a:latin typeface="Arial"/>
               </a:rPr>
-              <a:t>Lists of tasks to perform on a host</a:t>
+              <a:t>Store files for this specific role</a:t>
             </a:r>
             <a:endParaRPr b="0" lang="en-US" sz="2100" spc="-1" strike="noStrike">
               <a:solidFill>
@@ -4353,121 +4382,9 @@
                 </a:solidFill>
                 <a:latin typeface="Arial"/>
               </a:rPr>
-              <a:t>Uses data from defaults and vars, and other variable sources</a:t>
+              <a:t>Files will be copied to remote hosts (with proper code)</a:t>
             </a:r>
             <a:endParaRPr b="0" lang="en-US" sz="2100" spc="-1" strike="noStrike">
-              <a:solidFill>
-                <a:srgbClr val="009bdd"/>
-              </a:solidFill>
-              <a:latin typeface="Arial"/>
-            </a:endParaRPr>
-          </a:p>
-          <a:p>
-            <a:pPr lvl="1" marL="864000" indent="-324000">
-              <a:spcBef>
-                <a:spcPts val="850"/>
-              </a:spcBef>
-              <a:buClr>
-                <a:srgbClr val="77caee"/>
-              </a:buClr>
-              <a:buSzPct val="45000"/>
-              <a:buFont typeface="Wingdings" charset="2"/>
-              <a:buChar char=""/>
-            </a:pPr>
-            <a:r>
-              <a:rPr b="0" lang="en-US" sz="2100" spc="-1" strike="noStrike">
-                <a:solidFill>
-                  <a:srgbClr val="009bdd"/>
-                </a:solidFill>
-                <a:latin typeface="Arial"/>
-              </a:rPr>
-              <a:t>Set of steps processed in order</a:t>
-            </a:r>
-            <a:endParaRPr b="0" lang="en-US" sz="2100" spc="-1" strike="noStrike">
-              <a:solidFill>
-                <a:srgbClr val="009bdd"/>
-              </a:solidFill>
-              <a:latin typeface="Arial"/>
-            </a:endParaRPr>
-          </a:p>
-          <a:p>
-            <a:pPr lvl="1" marL="864000" indent="-324000">
-              <a:spcBef>
-                <a:spcPts val="850"/>
-              </a:spcBef>
-              <a:buClr>
-                <a:srgbClr val="77caee"/>
-              </a:buClr>
-              <a:buSzPct val="45000"/>
-              <a:buFont typeface="Wingdings" charset="2"/>
-              <a:buChar char=""/>
-            </a:pPr>
-            <a:r>
-              <a:rPr b="0" lang="en-US" sz="2100" spc="-1" strike="noStrike">
-                <a:solidFill>
-                  <a:srgbClr val="009bdd"/>
-                </a:solidFill>
-                <a:latin typeface="Arial"/>
-              </a:rPr>
-              <a:t>Can use conditionals to perform steps under specific circumstances</a:t>
-            </a:r>
-            <a:endParaRPr b="0" lang="en-US" sz="2100" spc="-1" strike="noStrike">
-              <a:solidFill>
-                <a:srgbClr val="009bdd"/>
-              </a:solidFill>
-              <a:latin typeface="Arial"/>
-            </a:endParaRPr>
-          </a:p>
-          <a:p>
-            <a:pPr lvl="2" marL="1296000" indent="-288000">
-              <a:spcBef>
-                <a:spcPts val="635"/>
-              </a:spcBef>
-              <a:buClr>
-                <a:srgbClr val="77caee"/>
-              </a:buClr>
-              <a:buSzPct val="45000"/>
-              <a:buFont typeface="Wingdings" charset="2"/>
-              <a:buChar char=""/>
-            </a:pPr>
-            <a:r>
-              <a:rPr b="0" lang="en-US" sz="1800" spc="-1" strike="noStrike">
-                <a:solidFill>
-                  <a:srgbClr val="009bdd"/>
-                </a:solidFill>
-                <a:latin typeface="Arial"/>
-              </a:rPr>
-              <a:t>enable/disable features</a:t>
-            </a:r>
-            <a:endParaRPr b="0" lang="en-US" sz="1800" spc="-1" strike="noStrike">
-              <a:solidFill>
-                <a:srgbClr val="009bdd"/>
-              </a:solidFill>
-              <a:latin typeface="Arial"/>
-            </a:endParaRPr>
-          </a:p>
-          <a:p>
-            <a:pPr lvl="2" marL="1296000" indent="-288000">
-              <a:spcBef>
-                <a:spcPts val="635"/>
-              </a:spcBef>
-              <a:buClr>
-                <a:srgbClr val="77caee"/>
-              </a:buClr>
-              <a:buSzPct val="45000"/>
-              <a:buFont typeface="Wingdings" charset="2"/>
-              <a:buChar char=""/>
-            </a:pPr>
-            <a:r>
-              <a:rPr b="0" lang="en-US" sz="1800" spc="-1" strike="noStrike">
-                <a:solidFill>
-                  <a:srgbClr val="009bdd"/>
-                </a:solidFill>
-                <a:latin typeface="Arial"/>
-              </a:rPr>
-              <a:t>Use different packages for different distributions</a:t>
-            </a:r>
-            <a:endParaRPr b="0" lang="en-US" sz="1800" spc="-1" strike="noStrike">
               <a:solidFill>
                 <a:srgbClr val="009bdd"/>
               </a:solidFill>
@@ -4591,7 +4508,7 @@
                 </a:solidFill>
                 <a:latin typeface="Arial"/>
               </a:rPr>
-              <a:t>Templates</a:t>
+              <a:t>Tasks</a:t>
             </a:r>
             <a:endParaRPr b="0" lang="en-US" sz="2400" spc="-1" strike="noStrike">
               <a:solidFill>
@@ -4619,7 +4536,7 @@
                 </a:solidFill>
                 <a:latin typeface="Arial"/>
               </a:rPr>
-              <a:t>Updating files with variable substitution</a:t>
+              <a:t>Lists of tasks to perform on a host</a:t>
             </a:r>
             <a:endParaRPr b="0" lang="en-US" sz="2100" spc="-1" strike="noStrike">
               <a:solidFill>
@@ -4647,9 +4564,121 @@
                 </a:solidFill>
                 <a:latin typeface="Arial"/>
               </a:rPr>
-              <a:t>Uses jinja2 templating</a:t>
+              <a:t>Uses data from defaults and vars, and other variable sources</a:t>
             </a:r>
             <a:endParaRPr b="0" lang="en-US" sz="2100" spc="-1" strike="noStrike">
+              <a:solidFill>
+                <a:srgbClr val="009bdd"/>
+              </a:solidFill>
+              <a:latin typeface="Arial"/>
+            </a:endParaRPr>
+          </a:p>
+          <a:p>
+            <a:pPr lvl="1" marL="864000" indent="-324000">
+              <a:spcBef>
+                <a:spcPts val="850"/>
+              </a:spcBef>
+              <a:buClr>
+                <a:srgbClr val="77caee"/>
+              </a:buClr>
+              <a:buSzPct val="45000"/>
+              <a:buFont typeface="Wingdings" charset="2"/>
+              <a:buChar char=""/>
+            </a:pPr>
+            <a:r>
+              <a:rPr b="0" lang="en-US" sz="2100" spc="-1" strike="noStrike">
+                <a:solidFill>
+                  <a:srgbClr val="009bdd"/>
+                </a:solidFill>
+                <a:latin typeface="Arial"/>
+              </a:rPr>
+              <a:t>Set of steps processed in order</a:t>
+            </a:r>
+            <a:endParaRPr b="0" lang="en-US" sz="2100" spc="-1" strike="noStrike">
+              <a:solidFill>
+                <a:srgbClr val="009bdd"/>
+              </a:solidFill>
+              <a:latin typeface="Arial"/>
+            </a:endParaRPr>
+          </a:p>
+          <a:p>
+            <a:pPr lvl="1" marL="864000" indent="-324000">
+              <a:spcBef>
+                <a:spcPts val="850"/>
+              </a:spcBef>
+              <a:buClr>
+                <a:srgbClr val="77caee"/>
+              </a:buClr>
+              <a:buSzPct val="45000"/>
+              <a:buFont typeface="Wingdings" charset="2"/>
+              <a:buChar char=""/>
+            </a:pPr>
+            <a:r>
+              <a:rPr b="0" lang="en-US" sz="2100" spc="-1" strike="noStrike">
+                <a:solidFill>
+                  <a:srgbClr val="009bdd"/>
+                </a:solidFill>
+                <a:latin typeface="Arial"/>
+              </a:rPr>
+              <a:t>Can use conditionals to perform steps under specific circumstances</a:t>
+            </a:r>
+            <a:endParaRPr b="0" lang="en-US" sz="2100" spc="-1" strike="noStrike">
+              <a:solidFill>
+                <a:srgbClr val="009bdd"/>
+              </a:solidFill>
+              <a:latin typeface="Arial"/>
+            </a:endParaRPr>
+          </a:p>
+          <a:p>
+            <a:pPr lvl="2" marL="1296000" indent="-288000">
+              <a:spcBef>
+                <a:spcPts val="635"/>
+              </a:spcBef>
+              <a:buClr>
+                <a:srgbClr val="77caee"/>
+              </a:buClr>
+              <a:buSzPct val="45000"/>
+              <a:buFont typeface="Wingdings" charset="2"/>
+              <a:buChar char=""/>
+            </a:pPr>
+            <a:r>
+              <a:rPr b="0" lang="en-US" sz="1800" spc="-1" strike="noStrike">
+                <a:solidFill>
+                  <a:srgbClr val="009bdd"/>
+                </a:solidFill>
+                <a:latin typeface="Arial"/>
+              </a:rPr>
+              <a:t>enable/disable features</a:t>
+            </a:r>
+            <a:endParaRPr b="0" lang="en-US" sz="1800" spc="-1" strike="noStrike">
+              <a:solidFill>
+                <a:srgbClr val="009bdd"/>
+              </a:solidFill>
+              <a:latin typeface="Arial"/>
+            </a:endParaRPr>
+          </a:p>
+          <a:p>
+            <a:pPr lvl="2" marL="1296000" indent="-288000">
+              <a:spcBef>
+                <a:spcPts val="635"/>
+              </a:spcBef>
+              <a:buClr>
+                <a:srgbClr val="77caee"/>
+              </a:buClr>
+              <a:buSzPct val="45000"/>
+              <a:buFont typeface="Wingdings" charset="2"/>
+              <a:buChar char=""/>
+            </a:pPr>
+            <a:r>
+              <a:rPr b="0" lang="en-US" sz="1800" spc="-1" strike="noStrike">
+                <a:solidFill>
+                  <a:srgbClr val="009bdd"/>
+                </a:solidFill>
+                <a:latin typeface="Arial"/>
+              </a:rPr>
+              <a:t>Use different packages for different distributions</a:t>
+            </a:r>
+            <a:endParaRPr b="0" lang="en-US" sz="1800" spc="-1" strike="noStrike">
               <a:solidFill>
                 <a:srgbClr val="009bdd"/>
               </a:solidFill>
@@ -4773,7 +4802,7 @@
                 </a:solidFill>
                 <a:latin typeface="Arial"/>
               </a:rPr>
-              <a:t>Template Example</a:t>
+              <a:t>Templates</a:t>
             </a:r>
             <a:endParaRPr b="0" lang="en-US" sz="2400" spc="-1" strike="noStrike">
               <a:solidFill>
@@ -4783,139 +4812,55 @@
             </a:endParaRPr>
           </a:p>
           <a:p>
-            <a:pPr marL="432000" indent="-324000">
-              <a:spcBef>
-                <a:spcPts val="1060"/>
-              </a:spcBef>
-              <a:buClr>
-                <a:srgbClr val="77caee"/>
-              </a:buClr>
-              <a:buSzPct val="45000"/>
-              <a:buFont typeface="Wingdings" charset="2"/>
-              <a:buChar char=""/>
-            </a:pPr>
-            <a:r>
-              <a:rPr b="0" lang="en-US" sz="2400" spc="-1" strike="noStrike">
-                <a:solidFill>
-                  <a:srgbClr val="009bdd"/>
-                </a:solidFill>
-                <a:latin typeface="Arial"/>
-              </a:rPr>
-              <a:t># Mysql my.cnf file</a:t>
-            </a:r>
-            <a:endParaRPr b="0" lang="en-US" sz="2400" spc="-1" strike="noStrike">
-              <a:solidFill>
-                <a:srgbClr val="009bdd"/>
-              </a:solidFill>
-              <a:latin typeface="Arial"/>
-            </a:endParaRPr>
-          </a:p>
-          <a:p>
-            <a:pPr marL="432000" indent="-324000">
-              <a:spcBef>
-                <a:spcPts val="1060"/>
-              </a:spcBef>
-              <a:buClr>
-                <a:srgbClr val="77caee"/>
-              </a:buClr>
-              <a:buSzPct val="45000"/>
-              <a:buFont typeface="Wingdings" charset="2"/>
-              <a:buChar char=""/>
-            </a:pPr>
-            <a:r>
-              <a:rPr b="0" lang="en-US" sz="2400" spc="-1" strike="noStrike">
-                <a:solidFill>
-                  <a:srgbClr val="009bdd"/>
-                </a:solidFill>
-                <a:latin typeface="Arial"/>
-              </a:rPr>
-              <a:t>[mysql]</a:t>
-            </a:r>
-            <a:endParaRPr b="0" lang="en-US" sz="2400" spc="-1" strike="noStrike">
-              <a:solidFill>
-                <a:srgbClr val="009bdd"/>
-              </a:solidFill>
-              <a:latin typeface="Arial"/>
-            </a:endParaRPr>
-          </a:p>
-          <a:p>
-            <a:pPr marL="432000" indent="-324000">
-              <a:spcBef>
-                <a:spcPts val="1060"/>
-              </a:spcBef>
-              <a:buClr>
-                <a:srgbClr val="77caee"/>
-              </a:buClr>
-              <a:buSzPct val="45000"/>
-              <a:buFont typeface="Wingdings" charset="2"/>
-              <a:buChar char=""/>
-            </a:pPr>
-            <a:r>
-              <a:rPr b="0" lang="en-US" sz="2400" spc="-1" strike="noStrike">
-                <a:solidFill>
-                  <a:srgbClr val="009bdd"/>
-                </a:solidFill>
-                <a:latin typeface="Arial"/>
-              </a:rPr>
-              <a:t>user = root</a:t>
-            </a:r>
-            <a:endParaRPr b="0" lang="en-US" sz="2400" spc="-1" strike="noStrike">
-              <a:solidFill>
-                <a:srgbClr val="009bdd"/>
-              </a:solidFill>
-              <a:latin typeface="Arial"/>
-            </a:endParaRPr>
-          </a:p>
-          <a:p>
-            <a:pPr marL="432000" indent="-324000">
-              <a:spcBef>
-                <a:spcPts val="1060"/>
-              </a:spcBef>
-              <a:buClr>
-                <a:srgbClr val="77caee"/>
-              </a:buClr>
-              <a:buSzPct val="45000"/>
-              <a:buFont typeface="Wingdings" charset="2"/>
-              <a:buChar char=""/>
-            </a:pPr>
-            <a:r>
-              <a:rPr b="0" lang="en-US" sz="2400" spc="-1" strike="noStrike">
-                <a:solidFill>
-                  <a:srgbClr val="009bdd"/>
-                </a:solidFill>
-                <a:latin typeface="Arial"/>
-              </a:rPr>
-              <a:t>password = {{ mysql_pass }}</a:t>
-            </a:r>
-            <a:endParaRPr b="0" lang="en-US" sz="2400" spc="-1" strike="noStrike">
-              <a:solidFill>
-                <a:srgbClr val="009bdd"/>
-              </a:solidFill>
-              <a:latin typeface="Arial"/>
-            </a:endParaRPr>
-          </a:p>
-          <a:p>
-            <a:pPr marL="432000" indent="-324000">
-              <a:spcBef>
-                <a:spcPts val="1060"/>
-              </a:spcBef>
-              <a:buClr>
-                <a:srgbClr val="77caee"/>
-              </a:buClr>
-              <a:buSzPct val="45000"/>
-              <a:buFont typeface="Wingdings" charset="2"/>
-              <a:buChar char=""/>
-            </a:pPr>
-            <a:r>
-              <a:rPr b="0" lang="en-US" sz="2400" spc="-1" strike="noStrike">
-                <a:solidFill>
-                  <a:srgbClr val="009bdd"/>
-                </a:solidFill>
-                <a:latin typeface="Arial"/>
-              </a:rPr>
-              <a:t>{{ mysql_pass }} will be replaced with value of mysql_pass</a:t>
-            </a:r>
-            <a:endParaRPr b="0" lang="en-US" sz="2400" spc="-1" strike="noStrike">
+            <a:pPr lvl="1" marL="864000" indent="-324000">
+              <a:spcBef>
+                <a:spcPts val="850"/>
+              </a:spcBef>
+              <a:buClr>
+                <a:srgbClr val="77caee"/>
+              </a:buClr>
+              <a:buSzPct val="45000"/>
+              <a:buFont typeface="Wingdings" charset="2"/>
+              <a:buChar char=""/>
+            </a:pPr>
+            <a:r>
+              <a:rPr b="0" lang="en-US" sz="2100" spc="-1" strike="noStrike">
+                <a:solidFill>
+                  <a:srgbClr val="009bdd"/>
+                </a:solidFill>
+                <a:latin typeface="Arial"/>
+              </a:rPr>
+              <a:t>Updating files with variable substitution</a:t>
+            </a:r>
+            <a:endParaRPr b="0" lang="en-US" sz="2100" spc="-1" strike="noStrike">
+              <a:solidFill>
+                <a:srgbClr val="009bdd"/>
+              </a:solidFill>
+              <a:latin typeface="Arial"/>
+            </a:endParaRPr>
+          </a:p>
+          <a:p>
+            <a:pPr lvl="1" marL="864000" indent="-324000">
+              <a:spcBef>
+                <a:spcPts val="850"/>
+              </a:spcBef>
+              <a:buClr>
+                <a:srgbClr val="77caee"/>
+              </a:buClr>
+              <a:buSzPct val="45000"/>
+              <a:buFont typeface="Wingdings" charset="2"/>
+              <a:buChar char=""/>
+            </a:pPr>
+            <a:r>
+              <a:rPr b="0" lang="en-US" sz="2100" spc="-1" strike="noStrike">
+                <a:solidFill>
+                  <a:srgbClr val="009bdd"/>
+                </a:solidFill>
+                <a:latin typeface="Arial"/>
+              </a:rPr>
+              <a:t>Uses jinja2 templating</a:t>
+            </a:r>
+            <a:endParaRPr b="0" lang="en-US" sz="2100" spc="-1" strike="noStrike">
               <a:solidFill>
                 <a:srgbClr val="009bdd"/>
               </a:solidFill>
@@ -4986,7 +4931,7 @@
                 </a:solidFill>
                 <a:latin typeface="Arial"/>
               </a:rPr>
-              <a:t>Pitfalls</a:t>
+              <a:t>Role Structure</a:t>
             </a:r>
             <a:endParaRPr b="0" lang="en-US" sz="3300" spc="-1" strike="noStrike">
               <a:solidFill>
@@ -5039,7 +4984,7 @@
                 </a:solidFill>
                 <a:latin typeface="Arial"/>
               </a:rPr>
-              <a:t>Global variables</a:t>
+              <a:t>Template Example</a:t>
             </a:r>
             <a:endParaRPr b="0" lang="en-US" sz="2400" spc="-1" strike="noStrike">
               <a:solidFill>
@@ -5067,7 +5012,7 @@
                 </a:solidFill>
                 <a:latin typeface="Arial"/>
               </a:rPr>
-              <a:t>Hard to change values</a:t>
+              <a:t># Mysql my.cnf file</a:t>
             </a:r>
             <a:endParaRPr b="0" lang="en-US" sz="2400" spc="-1" strike="noStrike">
               <a:solidFill>
@@ -5077,34 +5022,6 @@
             </a:endParaRPr>
           </a:p>
           <a:p>
-            <a:pPr lvl="1" marL="864000" indent="-324000">
-              <a:spcBef>
-                <a:spcPts val="850"/>
-              </a:spcBef>
-              <a:buClr>
-                <a:srgbClr val="77caee"/>
-              </a:buClr>
-              <a:buSzPct val="45000"/>
-              <a:buFont typeface="Wingdings" charset="2"/>
-              <a:buChar char=""/>
-            </a:pPr>
-            <a:r>
-              <a:rPr b="0" lang="en-US" sz="2100" spc="-1" strike="noStrike">
-                <a:solidFill>
-                  <a:srgbClr val="009bdd"/>
-                </a:solidFill>
-                <a:latin typeface="Arial"/>
-              </a:rPr>
-              <a:t>Create new variables</a:t>
-            </a:r>
-            <a:endParaRPr b="0" lang="en-US" sz="2100" spc="-1" strike="noStrike">
-              <a:solidFill>
-                <a:srgbClr val="009bdd"/>
-              </a:solidFill>
-              <a:latin typeface="Arial"/>
-            </a:endParaRPr>
-          </a:p>
-          <a:p>
             <a:pPr marL="432000" indent="-324000">
               <a:spcBef>
                 <a:spcPts val="1060"/>
@@ -5123,7 +5040,7 @@
                 </a:solidFill>
                 <a:latin typeface="Arial"/>
               </a:rPr>
-              <a:t>Name conflicts</a:t>
+              <a:t>[mysql]</a:t>
             </a:r>
             <a:endParaRPr b="0" lang="en-US" sz="2400" spc="-1" strike="noStrike">
               <a:solidFill>
@@ -5151,7 +5068,7 @@
                 </a:solidFill>
                 <a:latin typeface="Arial"/>
               </a:rPr>
-              <a:t>Variables aren’t typed</a:t>
+              <a:t>user = root</a:t>
             </a:r>
             <a:endParaRPr b="0" lang="en-US" sz="2400" spc="-1" strike="noStrike">
               <a:solidFill>
@@ -5179,7 +5096,7 @@
                 </a:solidFill>
                 <a:latin typeface="Arial"/>
               </a:rPr>
-              <a:t>Variable precedence</a:t>
+              <a:t>password = {{ mysql_pass }}</a:t>
             </a:r>
             <a:endParaRPr b="0" lang="en-US" sz="2400" spc="-1" strike="noStrike">
               <a:solidFill>
@@ -5207,7 +5124,7 @@
                 </a:solidFill>
                 <a:latin typeface="Arial"/>
               </a:rPr>
-              <a:t>Everything is permitted</a:t>
+              <a:t>{{ mysql_pass }} will be replaced with value of mysql_pass</a:t>
             </a:r>
             <a:endParaRPr b="0" lang="en-US" sz="2400" spc="-1" strike="noStrike">
               <a:solidFill>
@@ -5280,7 +5197,7 @@
                 </a:solidFill>
                 <a:latin typeface="Arial"/>
               </a:rPr>
-              <a:t>Molecule</a:t>
+              <a:t>Pitfalls</a:t>
             </a:r>
             <a:endParaRPr b="0" lang="en-US" sz="3300" spc="-1" strike="noStrike">
               <a:solidFill>
@@ -5333,7 +5250,7 @@
                 </a:solidFill>
                 <a:latin typeface="Arial"/>
               </a:rPr>
-              <a:t>Created by Cisco</a:t>
+              <a:t>Global variables</a:t>
             </a:r>
             <a:endParaRPr b="0" lang="en-US" sz="2400" spc="-1" strike="noStrike">
               <a:solidFill>
@@ -5361,7 +5278,7 @@
                 </a:solidFill>
                 <a:latin typeface="Arial"/>
               </a:rPr>
-              <a:t>Donated to Red Hat Ansible project in 2019</a:t>
+              <a:t>Hard to change values</a:t>
             </a:r>
             <a:endParaRPr b="0" lang="en-US" sz="2400" spc="-1" strike="noStrike">
               <a:solidFill>
@@ -5371,6 +5288,34 @@
             </a:endParaRPr>
           </a:p>
           <a:p>
+            <a:pPr lvl="1" marL="864000" indent="-324000">
+              <a:spcBef>
+                <a:spcPts val="850"/>
+              </a:spcBef>
+              <a:buClr>
+                <a:srgbClr val="77caee"/>
+              </a:buClr>
+              <a:buSzPct val="45000"/>
+              <a:buFont typeface="Wingdings" charset="2"/>
+              <a:buChar char=""/>
+            </a:pPr>
+            <a:r>
+              <a:rPr b="0" lang="en-US" sz="2100" spc="-1" strike="noStrike">
+                <a:solidFill>
+                  <a:srgbClr val="009bdd"/>
+                </a:solidFill>
+                <a:latin typeface="Arial"/>
+              </a:rPr>
+              <a:t>Create new variables</a:t>
+            </a:r>
+            <a:endParaRPr b="0" lang="en-US" sz="2100" spc="-1" strike="noStrike">
+              <a:solidFill>
+                <a:srgbClr val="009bdd"/>
+              </a:solidFill>
+              <a:latin typeface="Arial"/>
+            </a:endParaRPr>
+          </a:p>
+          <a:p>
             <a:pPr marL="432000" indent="-324000">
               <a:spcBef>
                 <a:spcPts val="1060"/>
@@ -5389,7 +5334,7 @@
                 </a:solidFill>
                 <a:latin typeface="Arial"/>
               </a:rPr>
-              <a:t>Used to test your roles</a:t>
+              <a:t>Name conflicts</a:t>
             </a:r>
             <a:endParaRPr b="0" lang="en-US" sz="2400" spc="-1" strike="noStrike">
               <a:solidFill>
@@ -5417,7 +5362,7 @@
                 </a:solidFill>
                 <a:latin typeface="Arial"/>
               </a:rPr>
-              <a:t>Uses galaxy to create roles</a:t>
+              <a:t>Variables aren’t typed</a:t>
             </a:r>
             <a:endParaRPr b="0" lang="en-US" sz="2400" spc="-1" strike="noStrike">
               <a:solidFill>
@@ -5427,55 +5372,55 @@
             </a:endParaRPr>
           </a:p>
           <a:p>
-            <a:pPr lvl="1" marL="864000" indent="-324000">
-              <a:spcBef>
-                <a:spcPts val="850"/>
-              </a:spcBef>
-              <a:buClr>
-                <a:srgbClr val="77caee"/>
-              </a:buClr>
-              <a:buSzPct val="45000"/>
-              <a:buFont typeface="Wingdings" charset="2"/>
-              <a:buChar char=""/>
-            </a:pPr>
-            <a:r>
-              <a:rPr b="0" lang="en-US" sz="2100" spc="-1" strike="noStrike">
-                <a:solidFill>
-                  <a:srgbClr val="009bdd"/>
-                </a:solidFill>
-                <a:latin typeface="Arial"/>
-              </a:rPr>
-              <a:t> </a:t>
-            </a:r>
-            <a:endParaRPr b="0" lang="en-US" sz="2100" spc="-1" strike="noStrike">
-              <a:solidFill>
-                <a:srgbClr val="009bdd"/>
-              </a:solidFill>
-              <a:latin typeface="Arial"/>
-            </a:endParaRPr>
-          </a:p>
-          <a:p>
-            <a:pPr lvl="1" marL="864000" indent="-324000">
-              <a:spcBef>
-                <a:spcPts val="850"/>
-              </a:spcBef>
-              <a:buClr>
-                <a:srgbClr val="77caee"/>
-              </a:buClr>
-              <a:buSzPct val="45000"/>
-              <a:buFont typeface="Wingdings" charset="2"/>
-              <a:buChar char=""/>
-            </a:pPr>
-            <a:r>
-              <a:rPr b="0" lang="en-US" sz="2100" spc="-1" strike="noStrike">
-                <a:solidFill>
-                  <a:srgbClr val="009bdd"/>
-                </a:solidFill>
-                <a:latin typeface="Arial"/>
-              </a:rPr>
-              <a:t> </a:t>
-            </a:r>
-            <a:endParaRPr b="0" lang="en-US" sz="2100" spc="-1" strike="noStrike">
+            <a:pPr marL="432000" indent="-324000">
+              <a:spcBef>
+                <a:spcPts val="1060"/>
+              </a:spcBef>
+              <a:buClr>
+                <a:srgbClr val="77caee"/>
+              </a:buClr>
+              <a:buSzPct val="45000"/>
+              <a:buFont typeface="Wingdings" charset="2"/>
+              <a:buChar char=""/>
+            </a:pPr>
+            <a:r>
+              <a:rPr b="0" lang="en-US" sz="2400" spc="-1" strike="noStrike">
+                <a:solidFill>
+                  <a:srgbClr val="009bdd"/>
+                </a:solidFill>
+                <a:latin typeface="Arial"/>
+              </a:rPr>
+              <a:t>Variable precedence</a:t>
+            </a:r>
+            <a:endParaRPr b="0" lang="en-US" sz="2400" spc="-1" strike="noStrike">
+              <a:solidFill>
+                <a:srgbClr val="009bdd"/>
+              </a:solidFill>
+              <a:latin typeface="Arial"/>
+            </a:endParaRPr>
+          </a:p>
+          <a:p>
+            <a:pPr marL="432000" indent="-324000">
+              <a:spcBef>
+                <a:spcPts val="1060"/>
+              </a:spcBef>
+              <a:buClr>
+                <a:srgbClr val="77caee"/>
+              </a:buClr>
+              <a:buSzPct val="45000"/>
+              <a:buFont typeface="Wingdings" charset="2"/>
+              <a:buChar char=""/>
+            </a:pPr>
+            <a:r>
+              <a:rPr b="0" lang="en-US" sz="2400" spc="-1" strike="noStrike">
+                <a:solidFill>
+                  <a:srgbClr val="009bdd"/>
+                </a:solidFill>
+                <a:latin typeface="Arial"/>
+              </a:rPr>
+              <a:t>Everything is permitted</a:t>
+            </a:r>
+            <a:endParaRPr b="0" lang="en-US" sz="2400" spc="-1" strike="noStrike">
               <a:solidFill>
                 <a:srgbClr val="009bdd"/>
               </a:solidFill>
@@ -5599,7 +5544,7 @@
                 </a:solidFill>
                 <a:latin typeface="Arial"/>
               </a:rPr>
-              <a:t>molecule init role user.example -d docker</a:t>
+              <a:t>Created by Cisco</a:t>
             </a:r>
             <a:endParaRPr b="0" lang="en-US" sz="2400" spc="-1" strike="noStrike">
               <a:solidFill>
@@ -5609,6 +5554,90 @@
             </a:endParaRPr>
           </a:p>
           <a:p>
+            <a:pPr marL="432000" indent="-324000">
+              <a:spcBef>
+                <a:spcPts val="1060"/>
+              </a:spcBef>
+              <a:buClr>
+                <a:srgbClr val="77caee"/>
+              </a:buClr>
+              <a:buSzPct val="45000"/>
+              <a:buFont typeface="Wingdings" charset="2"/>
+              <a:buChar char=""/>
+            </a:pPr>
+            <a:r>
+              <a:rPr b="0" lang="en-US" sz="2400" spc="-1" strike="noStrike">
+                <a:solidFill>
+                  <a:srgbClr val="009bdd"/>
+                </a:solidFill>
+                <a:latin typeface="Arial"/>
+              </a:rPr>
+              <a:t>Donated to Red Hat Ansible project in 2019</a:t>
+            </a:r>
+            <a:endParaRPr b="0" lang="en-US" sz="2400" spc="-1" strike="noStrike">
+              <a:solidFill>
+                <a:srgbClr val="009bdd"/>
+              </a:solidFill>
+              <a:latin typeface="Arial"/>
+            </a:endParaRPr>
+          </a:p>
+          <a:p>
+            <a:pPr marL="432000" indent="-324000">
+              <a:spcBef>
+                <a:spcPts val="1060"/>
+              </a:spcBef>
+              <a:buClr>
+                <a:srgbClr val="77caee"/>
+              </a:buClr>
+              <a:buSzPct val="45000"/>
+              <a:buFont typeface="Wingdings" charset="2"/>
+              <a:buChar char=""/>
+            </a:pPr>
+            <a:r>
+              <a:rPr b="0" lang="en-US" sz="2400" spc="-1" strike="noStrike">
+                <a:solidFill>
+                  <a:srgbClr val="009bdd"/>
+                </a:solidFill>
+                <a:latin typeface="Arial"/>
+              </a:rPr>
+              <a:t>Used to test your roles</a:t>
+            </a:r>
+            <a:endParaRPr b="0" lang="en-US" sz="2400" spc="-1" strike="noStrike">
+              <a:solidFill>
+                <a:srgbClr val="009bdd"/>
+              </a:solidFill>
+              <a:latin typeface="Arial"/>
+            </a:endParaRPr>
+          </a:p>
+          <a:p>
+            <a:pPr marL="432000" indent="-324000">
+              <a:spcBef>
+                <a:spcPts val="1060"/>
+              </a:spcBef>
+              <a:buClr>
+                <a:srgbClr val="77caee"/>
+              </a:buClr>
+              <a:buSzPct val="45000"/>
+              <a:buFont typeface="Wingdings" charset="2"/>
+              <a:buChar char=""/>
+            </a:pPr>
+            <a:r>
+              <a:rPr b="0" lang="en-US" sz="2400" spc="-1" strike="noStrike">
+                <a:solidFill>
+                  <a:srgbClr val="009bdd"/>
+                </a:solidFill>
+                <a:latin typeface="Arial"/>
+              </a:rPr>
+              <a:t>Uses galaxy to create roles</a:t>
+            </a:r>
+            <a:endParaRPr b="0" lang="en-US" sz="2400" spc="-1" strike="noStrike">
+              <a:solidFill>
+                <a:srgbClr val="009bdd"/>
+              </a:solidFill>
+              <a:latin typeface="Arial"/>
+            </a:endParaRPr>
+          </a:p>
+          <a:p>
             <a:pPr lvl="1" marL="864000" indent="-324000">
               <a:spcBef>
                 <a:spcPts val="850"/>
@@ -5627,7 +5656,7 @@
                 </a:solidFill>
                 <a:latin typeface="Arial"/>
               </a:rPr>
-              <a:t>molecule init scenario -r &lt;current role&gt; -d docker</a:t>
+              <a:t> </a:t>
             </a:r>
             <a:endParaRPr b="0" lang="en-US" sz="2100" spc="-1" strike="noStrike">
               <a:solidFill>
@@ -5637,34 +5666,6 @@
             </a:endParaRPr>
           </a:p>
           <a:p>
-            <a:pPr marL="432000" indent="-324000">
-              <a:spcBef>
-                <a:spcPts val="1060"/>
-              </a:spcBef>
-              <a:buClr>
-                <a:srgbClr val="77caee"/>
-              </a:buClr>
-              <a:buSzPct val="45000"/>
-              <a:buFont typeface="Wingdings" charset="2"/>
-              <a:buChar char=""/>
-            </a:pPr>
-            <a:r>
-              <a:rPr b="0" lang="en-US" sz="2400" spc="-1" strike="noStrike">
-                <a:solidFill>
-                  <a:srgbClr val="009bdd"/>
-                </a:solidFill>
-                <a:latin typeface="Arial"/>
-              </a:rPr>
-              <a:t>molecule converge</a:t>
-            </a:r>
-            <a:endParaRPr b="0" lang="en-US" sz="2400" spc="-1" strike="noStrike">
-              <a:solidFill>
-                <a:srgbClr val="009bdd"/>
-              </a:solidFill>
-              <a:latin typeface="Arial"/>
-            </a:endParaRPr>
-          </a:p>
-          <a:p>
             <a:pPr lvl="1" marL="864000" indent="-324000">
               <a:spcBef>
                 <a:spcPts val="850"/>
@@ -5683,121 +5684,9 @@
                 </a:solidFill>
                 <a:latin typeface="Arial"/>
               </a:rPr>
-              <a:t>Work on the role</a:t>
+              <a:t> </a:t>
             </a:r>
             <a:endParaRPr b="0" lang="en-US" sz="2100" spc="-1" strike="noStrike">
-              <a:solidFill>
-                <a:srgbClr val="009bdd"/>
-              </a:solidFill>
-              <a:latin typeface="Arial"/>
-            </a:endParaRPr>
-          </a:p>
-          <a:p>
-            <a:pPr marL="432000" indent="-324000">
-              <a:spcBef>
-                <a:spcPts val="1060"/>
-              </a:spcBef>
-              <a:buClr>
-                <a:srgbClr val="77caee"/>
-              </a:buClr>
-              <a:buSzPct val="45000"/>
-              <a:buFont typeface="Wingdings" charset="2"/>
-              <a:buChar char=""/>
-            </a:pPr>
-            <a:r>
-              <a:rPr b="0" lang="en-US" sz="2400" spc="-1" strike="noStrike">
-                <a:solidFill>
-                  <a:srgbClr val="009bdd"/>
-                </a:solidFill>
-                <a:latin typeface="Arial"/>
-              </a:rPr>
-              <a:t>molecule converge</a:t>
-            </a:r>
-            <a:endParaRPr b="0" lang="en-US" sz="2400" spc="-1" strike="noStrike">
-              <a:solidFill>
-                <a:srgbClr val="009bdd"/>
-              </a:solidFill>
-              <a:latin typeface="Arial"/>
-            </a:endParaRPr>
-          </a:p>
-          <a:p>
-            <a:pPr lvl="1" marL="864000" indent="-324000">
-              <a:spcBef>
-                <a:spcPts val="850"/>
-              </a:spcBef>
-              <a:buClr>
-                <a:srgbClr val="77caee"/>
-              </a:buClr>
-              <a:buSzPct val="45000"/>
-              <a:buFont typeface="Wingdings" charset="2"/>
-              <a:buChar char=""/>
-            </a:pPr>
-            <a:r>
-              <a:rPr b="0" lang="en-US" sz="2100" spc="-1" strike="noStrike">
-                <a:solidFill>
-                  <a:srgbClr val="009bdd"/>
-                </a:solidFill>
-                <a:latin typeface="Arial"/>
-              </a:rPr>
-              <a:t>molecule converge again, make sure ansible doesn’t report changes</a:t>
-            </a:r>
-            <a:endParaRPr b="0" lang="en-US" sz="2100" spc="-1" strike="noStrike">
-              <a:solidFill>
-                <a:srgbClr val="009bdd"/>
-              </a:solidFill>
-              <a:latin typeface="Arial"/>
-            </a:endParaRPr>
-          </a:p>
-          <a:p>
-            <a:pPr marL="432000" indent="-324000">
-              <a:spcBef>
-                <a:spcPts val="1060"/>
-              </a:spcBef>
-              <a:buClr>
-                <a:srgbClr val="77caee"/>
-              </a:buClr>
-              <a:buSzPct val="45000"/>
-              <a:buFont typeface="Wingdings" charset="2"/>
-              <a:buChar char=""/>
-            </a:pPr>
-            <a:r>
-              <a:rPr b="0" lang="en-US" sz="2400" spc="-1" strike="noStrike">
-                <a:solidFill>
-                  <a:srgbClr val="009bdd"/>
-                </a:solidFill>
-                <a:latin typeface="Arial"/>
-              </a:rPr>
-              <a:t>molecule destroy</a:t>
-            </a:r>
-            <a:endParaRPr b="0" lang="en-US" sz="2400" spc="-1" strike="noStrike">
-              <a:solidFill>
-                <a:srgbClr val="009bdd"/>
-              </a:solidFill>
-              <a:latin typeface="Arial"/>
-            </a:endParaRPr>
-          </a:p>
-          <a:p>
-            <a:pPr marL="432000" indent="-324000">
-              <a:spcBef>
-                <a:spcPts val="1060"/>
-              </a:spcBef>
-              <a:buClr>
-                <a:srgbClr val="77caee"/>
-              </a:buClr>
-              <a:buSzPct val="45000"/>
-              <a:buFont typeface="Wingdings" charset="2"/>
-              <a:buChar char=""/>
-            </a:pPr>
-            <a:r>
-              <a:rPr b="0" lang="en-US" sz="2400" spc="-1" strike="noStrike">
-                <a:solidFill>
-                  <a:srgbClr val="009bdd"/>
-                </a:solidFill>
-                <a:latin typeface="Arial"/>
-              </a:rPr>
-              <a:t>Integrate with CI/CD</a:t>
-            </a:r>
-            <a:endParaRPr b="0" lang="en-US" sz="2400" spc="-1" strike="noStrike">
               <a:solidFill>
                 <a:srgbClr val="009bdd"/>
               </a:solidFill>
@@ -5868,7 +5757,7 @@
                 </a:solidFill>
                 <a:latin typeface="Arial"/>
               </a:rPr>
-              <a:t>ansible-galaxy</a:t>
+              <a:t>Molecule</a:t>
             </a:r>
             <a:endParaRPr b="0" lang="en-US" sz="3300" spc="-1" strike="noStrike">
               <a:solidFill>
@@ -5921,7 +5810,7 @@
                 </a:solidFill>
                 <a:latin typeface="Arial"/>
               </a:rPr>
-              <a:t>ansible-galaxy role|collection search &lt;name&gt;</a:t>
+              <a:t>molecule init role user.example -d docker</a:t>
             </a:r>
             <a:endParaRPr b="0" lang="en-US" sz="2400" spc="-1" strike="noStrike">
               <a:solidFill>
@@ -5931,6 +5820,34 @@
             </a:endParaRPr>
           </a:p>
           <a:p>
+            <a:pPr lvl="1" marL="864000" indent="-324000">
+              <a:spcBef>
+                <a:spcPts val="850"/>
+              </a:spcBef>
+              <a:buClr>
+                <a:srgbClr val="77caee"/>
+              </a:buClr>
+              <a:buSzPct val="45000"/>
+              <a:buFont typeface="Wingdings" charset="2"/>
+              <a:buChar char=""/>
+            </a:pPr>
+            <a:r>
+              <a:rPr b="0" lang="en-US" sz="2100" spc="-1" strike="noStrike">
+                <a:solidFill>
+                  <a:srgbClr val="009bdd"/>
+                </a:solidFill>
+                <a:latin typeface="Arial"/>
+              </a:rPr>
+              <a:t>molecule init scenario -r &lt;current role&gt; -d docker</a:t>
+            </a:r>
+            <a:endParaRPr b="0" lang="en-US" sz="2100" spc="-1" strike="noStrike">
+              <a:solidFill>
+                <a:srgbClr val="009bdd"/>
+              </a:solidFill>
+              <a:latin typeface="Arial"/>
+            </a:endParaRPr>
+          </a:p>
+          <a:p>
             <a:pPr marL="432000" indent="-324000">
               <a:spcBef>
                 <a:spcPts val="1060"/>
@@ -5949,7 +5866,7 @@
                 </a:solidFill>
                 <a:latin typeface="Arial"/>
               </a:rPr>
-              <a:t>Roles in galaxy hub for many purposes</a:t>
+              <a:t>molecule converge</a:t>
             </a:r>
             <a:endParaRPr b="0" lang="en-US" sz="2400" spc="-1" strike="noStrike">
               <a:solidFill>
@@ -5959,6 +5876,34 @@
             </a:endParaRPr>
           </a:p>
           <a:p>
+            <a:pPr lvl="1" marL="864000" indent="-324000">
+              <a:spcBef>
+                <a:spcPts val="850"/>
+              </a:spcBef>
+              <a:buClr>
+                <a:srgbClr val="77caee"/>
+              </a:buClr>
+              <a:buSzPct val="45000"/>
+              <a:buFont typeface="Wingdings" charset="2"/>
+              <a:buChar char=""/>
+            </a:pPr>
+            <a:r>
+              <a:rPr b="0" lang="en-US" sz="2100" spc="-1" strike="noStrike">
+                <a:solidFill>
+                  <a:srgbClr val="009bdd"/>
+                </a:solidFill>
+                <a:latin typeface="Arial"/>
+              </a:rPr>
+              <a:t>Work on the role</a:t>
+            </a:r>
+            <a:endParaRPr b="0" lang="en-US" sz="2100" spc="-1" strike="noStrike">
+              <a:solidFill>
+                <a:srgbClr val="009bdd"/>
+              </a:solidFill>
+              <a:latin typeface="Arial"/>
+            </a:endParaRPr>
+          </a:p>
+          <a:p>
             <a:pPr marL="432000" indent="-324000">
               <a:spcBef>
                 <a:spcPts val="1060"/>
@@ -5970,6 +5915,99 @@
               <a:buFont typeface="Wingdings" charset="2"/>
               <a:buChar char=""/>
             </a:pPr>
+            <a:r>
+              <a:rPr b="0" lang="en-US" sz="2400" spc="-1" strike="noStrike">
+                <a:solidFill>
+                  <a:srgbClr val="009bdd"/>
+                </a:solidFill>
+                <a:latin typeface="Arial"/>
+              </a:rPr>
+              <a:t>molecule converge</a:t>
+            </a:r>
+            <a:endParaRPr b="0" lang="en-US" sz="2400" spc="-1" strike="noStrike">
+              <a:solidFill>
+                <a:srgbClr val="009bdd"/>
+              </a:solidFill>
+              <a:latin typeface="Arial"/>
+            </a:endParaRPr>
+          </a:p>
+          <a:p>
+            <a:pPr lvl="1" marL="864000" indent="-324000">
+              <a:spcBef>
+                <a:spcPts val="850"/>
+              </a:spcBef>
+              <a:buClr>
+                <a:srgbClr val="77caee"/>
+              </a:buClr>
+              <a:buSzPct val="45000"/>
+              <a:buFont typeface="Wingdings" charset="2"/>
+              <a:buChar char=""/>
+            </a:pPr>
+            <a:r>
+              <a:rPr b="0" lang="en-US" sz="2100" spc="-1" strike="noStrike">
+                <a:solidFill>
+                  <a:srgbClr val="009bdd"/>
+                </a:solidFill>
+                <a:latin typeface="Arial"/>
+              </a:rPr>
+              <a:t>molecule converge again, make sure ansible doesn’t report changes</a:t>
+            </a:r>
+            <a:endParaRPr b="0" lang="en-US" sz="2100" spc="-1" strike="noStrike">
+              <a:solidFill>
+                <a:srgbClr val="009bdd"/>
+              </a:solidFill>
+              <a:latin typeface="Arial"/>
+            </a:endParaRPr>
+          </a:p>
+          <a:p>
+            <a:pPr marL="432000" indent="-324000">
+              <a:spcBef>
+                <a:spcPts val="1060"/>
+              </a:spcBef>
+              <a:buClr>
+                <a:srgbClr val="77caee"/>
+              </a:buClr>
+              <a:buSzPct val="45000"/>
+              <a:buFont typeface="Wingdings" charset="2"/>
+              <a:buChar char=""/>
+            </a:pPr>
+            <a:r>
+              <a:rPr b="0" lang="en-US" sz="2400" spc="-1" strike="noStrike">
+                <a:solidFill>
+                  <a:srgbClr val="009bdd"/>
+                </a:solidFill>
+                <a:latin typeface="Arial"/>
+              </a:rPr>
+              <a:t>molecule destroy</a:t>
+            </a:r>
+            <a:endParaRPr b="0" lang="en-US" sz="2400" spc="-1" strike="noStrike">
+              <a:solidFill>
+                <a:srgbClr val="009bdd"/>
+              </a:solidFill>
+              <a:latin typeface="Arial"/>
+            </a:endParaRPr>
+          </a:p>
+          <a:p>
+            <a:pPr marL="432000" indent="-324000">
+              <a:spcBef>
+                <a:spcPts val="1060"/>
+              </a:spcBef>
+              <a:buClr>
+                <a:srgbClr val="77caee"/>
+              </a:buClr>
+              <a:buSzPct val="45000"/>
+              <a:buFont typeface="Wingdings" charset="2"/>
+              <a:buChar char=""/>
+            </a:pPr>
+            <a:r>
+              <a:rPr b="0" lang="en-US" sz="2400" spc="-1" strike="noStrike">
+                <a:solidFill>
+                  <a:srgbClr val="009bdd"/>
+                </a:solidFill>
+                <a:latin typeface="Arial"/>
+              </a:rPr>
+              <a:t>Integrate with CI/CD</a:t>
+            </a:r>
             <a:endParaRPr b="0" lang="en-US" sz="2400" spc="-1" strike="noStrike">
               <a:solidFill>
                 <a:srgbClr val="009bdd"/>
@@ -6041,7 +6079,7 @@
                 </a:solidFill>
                 <a:latin typeface="Arial"/>
               </a:rPr>
-              <a:t>Ansible environment</a:t>
+              <a:t>ansible-galaxy</a:t>
             </a:r>
             <a:endParaRPr b="0" lang="en-US" sz="3300" spc="-1" strike="noStrike">
               <a:solidFill>
@@ -6094,7 +6132,7 @@
                 </a:solidFill>
                 <a:latin typeface="Arial"/>
               </a:rPr>
-              <a:t>Use virtualenv, requirements.txt, and pip</a:t>
+              <a:t>ansible-galaxy role|collection search &lt;name&gt;</a:t>
             </a:r>
             <a:endParaRPr b="0" lang="en-US" sz="2400" spc="-1" strike="noStrike">
               <a:solidFill>
@@ -6104,62 +6142,6 @@
             </a:endParaRPr>
           </a:p>
           <a:p>
-            <a:pPr lvl="1" marL="864000" indent="-324000">
-              <a:spcBef>
-                <a:spcPts val="850"/>
-              </a:spcBef>
-              <a:buClr>
-                <a:srgbClr val="77caee"/>
-              </a:buClr>
-              <a:buSzPct val="45000"/>
-              <a:buFont typeface="Wingdings" charset="2"/>
-              <a:buChar char=""/>
-            </a:pPr>
-            <a:r>
-              <a:rPr b="0" lang="en-US" sz="2100" spc="-1" strike="noStrike">
-                <a:solidFill>
-                  <a:srgbClr val="009bdd"/>
-                </a:solidFill>
-                <a:latin typeface="Arial"/>
-              </a:rPr>
-              <a:t>Keeps tree clean</a:t>
-            </a:r>
-            <a:endParaRPr b="0" lang="en-US" sz="2100" spc="-1" strike="noStrike">
-              <a:solidFill>
-                <a:srgbClr val="009bdd"/>
-              </a:solidFill>
-              <a:latin typeface="Arial"/>
-            </a:endParaRPr>
-          </a:p>
-          <a:p>
-            <a:pPr lvl="1" marL="864000" indent="-324000">
-              <a:spcBef>
-                <a:spcPts val="850"/>
-              </a:spcBef>
-              <a:buClr>
-                <a:srgbClr val="77caee"/>
-              </a:buClr>
-              <a:buSzPct val="45000"/>
-              <a:buFont typeface="Wingdings" charset="2"/>
-              <a:buChar char=""/>
-            </a:pPr>
-            <a:r>
-              <a:rPr b="0" lang="en-US" sz="2100" spc="-1" strike="noStrike">
-                <a:solidFill>
-                  <a:srgbClr val="009bdd"/>
-                </a:solidFill>
-                <a:latin typeface="Arial"/>
-              </a:rPr>
-              <a:t>Doesn’t pollute rest of system</a:t>
-            </a:r>
-            <a:endParaRPr b="0" lang="en-US" sz="2100" spc="-1" strike="noStrike">
-              <a:solidFill>
-                <a:srgbClr val="009bdd"/>
-              </a:solidFill>
-              <a:latin typeface="Arial"/>
-            </a:endParaRPr>
-          </a:p>
-          <a:p>
             <a:pPr marL="432000" indent="-324000">
               <a:spcBef>
                 <a:spcPts val="1060"/>
@@ -6178,8 +6160,27 @@
                 </a:solidFill>
                 <a:latin typeface="Arial"/>
               </a:rPr>
-              <a:t>Alternatively, docker container</a:t>
-            </a:r>
+              <a:t>Roles in galaxy hub for many purposes</a:t>
+            </a:r>
+            <a:endParaRPr b="0" lang="en-US" sz="2400" spc="-1" strike="noStrike">
+              <a:solidFill>
+                <a:srgbClr val="009bdd"/>
+              </a:solidFill>
+              <a:latin typeface="Arial"/>
+            </a:endParaRPr>
+          </a:p>
+          <a:p>
+            <a:pPr marL="432000" indent="-324000">
+              <a:spcBef>
+                <a:spcPts val="1060"/>
+              </a:spcBef>
+              <a:buClr>
+                <a:srgbClr val="77caee"/>
+              </a:buClr>
+              <a:buSzPct val="45000"/>
+              <a:buFont typeface="Wingdings" charset="2"/>
+              <a:buChar char=""/>
+            </a:pPr>
             <a:endParaRPr b="0" lang="en-US" sz="2400" spc="-1" strike="noStrike">
               <a:solidFill>
                 <a:srgbClr val="009bdd"/>
@@ -6251,7 +6252,7 @@
                 </a:solidFill>
                 <a:latin typeface="Arial"/>
               </a:rPr>
-              <a:t>Future</a:t>
+              <a:t>Ansible environment</a:t>
             </a:r>
             <a:endParaRPr b="0" lang="en-US" sz="3300" spc="-1" strike="noStrike">
               <a:solidFill>
@@ -6304,7 +6305,7 @@
                 </a:solidFill>
                 <a:latin typeface="Arial"/>
               </a:rPr>
-              <a:t>AWX / Ansible Tower</a:t>
+              <a:t>Use virtualenv, requirements.txt, and pip</a:t>
             </a:r>
             <a:endParaRPr b="0" lang="en-US" sz="2400" spc="-1" strike="noStrike">
               <a:solidFill>
@@ -6314,6 +6315,62 @@
             </a:endParaRPr>
           </a:p>
           <a:p>
+            <a:pPr lvl="1" marL="864000" indent="-324000">
+              <a:spcBef>
+                <a:spcPts val="850"/>
+              </a:spcBef>
+              <a:buClr>
+                <a:srgbClr val="77caee"/>
+              </a:buClr>
+              <a:buSzPct val="45000"/>
+              <a:buFont typeface="Wingdings" charset="2"/>
+              <a:buChar char=""/>
+            </a:pPr>
+            <a:r>
+              <a:rPr b="0" lang="en-US" sz="2100" spc="-1" strike="noStrike">
+                <a:solidFill>
+                  <a:srgbClr val="009bdd"/>
+                </a:solidFill>
+                <a:latin typeface="Arial"/>
+              </a:rPr>
+              <a:t>Keeps tree clean</a:t>
+            </a:r>
+            <a:endParaRPr b="0" lang="en-US" sz="2100" spc="-1" strike="noStrike">
+              <a:solidFill>
+                <a:srgbClr val="009bdd"/>
+              </a:solidFill>
+              <a:latin typeface="Arial"/>
+            </a:endParaRPr>
+          </a:p>
+          <a:p>
+            <a:pPr lvl="1" marL="864000" indent="-324000">
+              <a:spcBef>
+                <a:spcPts val="850"/>
+              </a:spcBef>
+              <a:buClr>
+                <a:srgbClr val="77caee"/>
+              </a:buClr>
+              <a:buSzPct val="45000"/>
+              <a:buFont typeface="Wingdings" charset="2"/>
+              <a:buChar char=""/>
+            </a:pPr>
+            <a:r>
+              <a:rPr b="0" lang="en-US" sz="2100" spc="-1" strike="noStrike">
+                <a:solidFill>
+                  <a:srgbClr val="009bdd"/>
+                </a:solidFill>
+                <a:latin typeface="Arial"/>
+              </a:rPr>
+              <a:t>Doesn’t pollute rest of system</a:t>
+            </a:r>
+            <a:endParaRPr b="0" lang="en-US" sz="2100" spc="-1" strike="noStrike">
+              <a:solidFill>
+                <a:srgbClr val="009bdd"/>
+              </a:solidFill>
+              <a:latin typeface="Arial"/>
+            </a:endParaRPr>
+          </a:p>
+          <a:p>
             <a:pPr marL="432000" indent="-324000">
               <a:spcBef>
                 <a:spcPts val="1060"/>
@@ -6332,84 +6389,9 @@
                 </a:solidFill>
                 <a:latin typeface="Arial"/>
               </a:rPr>
-              <a:t>CI/CD</a:t>
+              <a:t>Alternatively, docker container</a:t>
             </a:r>
             <a:endParaRPr b="0" lang="en-US" sz="2400" spc="-1" strike="noStrike">
-              <a:solidFill>
-                <a:srgbClr val="009bdd"/>
-              </a:solidFill>
-              <a:latin typeface="Arial"/>
-            </a:endParaRPr>
-          </a:p>
-          <a:p>
-            <a:pPr lvl="1" marL="864000" indent="-324000">
-              <a:spcBef>
-                <a:spcPts val="850"/>
-              </a:spcBef>
-              <a:buClr>
-                <a:srgbClr val="77caee"/>
-              </a:buClr>
-              <a:buSzPct val="45000"/>
-              <a:buFont typeface="Wingdings" charset="2"/>
-              <a:buChar char=""/>
-            </a:pPr>
-            <a:r>
-              <a:rPr b="0" lang="en-US" sz="2100" spc="-1" strike="noStrike">
-                <a:solidFill>
-                  <a:srgbClr val="009bdd"/>
-                </a:solidFill>
-                <a:latin typeface="Arial"/>
-              </a:rPr>
-              <a:t>Jenkins</a:t>
-            </a:r>
-            <a:endParaRPr b="0" lang="en-US" sz="2100" spc="-1" strike="noStrike">
-              <a:solidFill>
-                <a:srgbClr val="009bdd"/>
-              </a:solidFill>
-              <a:latin typeface="Arial"/>
-            </a:endParaRPr>
-          </a:p>
-          <a:p>
-            <a:pPr lvl="1" marL="864000" indent="-324000">
-              <a:spcBef>
-                <a:spcPts val="850"/>
-              </a:spcBef>
-              <a:buClr>
-                <a:srgbClr val="77caee"/>
-              </a:buClr>
-              <a:buSzPct val="45000"/>
-              <a:buFont typeface="Wingdings" charset="2"/>
-              <a:buChar char=""/>
-            </a:pPr>
-            <a:r>
-              <a:rPr b="0" lang="en-US" sz="2100" spc="-1" strike="noStrike">
-                <a:solidFill>
-                  <a:srgbClr val="009bdd"/>
-                </a:solidFill>
-                <a:latin typeface="Arial"/>
-              </a:rPr>
-              <a:t>github/gitlab</a:t>
-            </a:r>
-            <a:endParaRPr b="0" lang="en-US" sz="2100" spc="-1" strike="noStrike">
-              <a:solidFill>
-                <a:srgbClr val="009bdd"/>
-              </a:solidFill>
-              <a:latin typeface="Arial"/>
-            </a:endParaRPr>
-          </a:p>
-          <a:p>
-            <a:pPr marL="432000" indent="-324000">
-              <a:spcBef>
-                <a:spcPts val="1060"/>
-              </a:spcBef>
-              <a:buClr>
-                <a:srgbClr val="77caee"/>
-              </a:buClr>
-              <a:buSzPct val="45000"/>
-              <a:buFont typeface="Wingdings" charset="2"/>
-              <a:buChar char=""/>
-            </a:pPr>
-            <a:endParaRPr b="0" lang="en-US" sz="2100" spc="-1" strike="noStrike">
               <a:solidFill>
                 <a:srgbClr val="009bdd"/>
               </a:solidFill>
@@ -6688,6 +6670,235 @@
 </p:sld>
 </file>
 
+<file path=ppt/slides/slide20.xml><?xml version="1.0" encoding="utf-8"?>
+<p:sld xmlns:a="http://schemas.openxmlformats.org/drawingml/2006/main" xmlns:p="http://schemas.openxmlformats.org/presentationml/2006/main" xmlns:r="http://schemas.openxmlformats.org/officeDocument/2006/relationships" xmlns:p14="http://schemas.microsoft.com/office/powerpoint/2010/main" xmlns:p15="http://schemas.microsoft.com/office/powerpoint/2012/main" xmlns:mc="http://schemas.openxmlformats.org/markup-compatibility/2006">
+  <p:cSld>
+    <p:spTree>
+      <p:nvGrpSpPr>
+        <p:cNvPr id="1" name=""/>
+        <p:cNvGrpSpPr/>
+        <p:nvPr/>
+      </p:nvGrpSpPr>
+      <p:grpSpPr>
+        <a:xfrm>
+          <a:off x="0" y="0"/>
+          <a:ext cx="0" cy="0"/>
+          <a:chOff x="0" y="0"/>
+          <a:chExt cx="0" cy="0"/>
+        </a:xfrm>
+      </p:grpSpPr>
+      <p:sp>
+        <p:nvSpPr>
+          <p:cNvPr id="122" name=""/>
+          <p:cNvSpPr txBox="1"/>
+          <p:nvPr/>
+        </p:nvSpPr>
+        <p:spPr>
+          <a:xfrm>
+            <a:off x="360000" y="180000"/>
+            <a:ext cx="9360000" cy="478080"/>
+          </a:xfrm>
+          <a:prstGeom prst="rect">
+            <a:avLst/>
+          </a:prstGeom>
+          <a:noFill/>
+          <a:ln w="0">
+            <a:noFill/>
+          </a:ln>
+        </p:spPr>
+        <p:txBody>
+          <a:bodyPr lIns="0" rIns="0" tIns="0" bIns="0" anchor="ctr">
+            <a:noAutofit/>
+          </a:bodyPr>
+          <a:p>
+            <a:pPr algn="ctr"/>
+            <a:r>
+              <a:rPr b="0" lang="en-US" sz="3300" spc="-1" strike="noStrike">
+                <a:solidFill>
+                  <a:srgbClr val="ffffff"/>
+                </a:solidFill>
+                <a:latin typeface="Arial"/>
+              </a:rPr>
+              <a:t>Future</a:t>
+            </a:r>
+            <a:endParaRPr b="0" lang="en-US" sz="3300" spc="-1" strike="noStrike">
+              <a:solidFill>
+                <a:srgbClr val="ffffff"/>
+              </a:solidFill>
+              <a:latin typeface="Arial"/>
+            </a:endParaRPr>
+          </a:p>
+        </p:txBody>
+      </p:sp>
+      <p:sp>
+        <p:nvSpPr>
+          <p:cNvPr id="123" name=""/>
+          <p:cNvSpPr txBox="1"/>
+          <p:nvPr/>
+        </p:nvSpPr>
+        <p:spPr>
+          <a:xfrm>
+            <a:off x="360000" y="1080000"/>
+            <a:ext cx="9360000" cy="3600000"/>
+          </a:xfrm>
+          <a:prstGeom prst="rect">
+            <a:avLst/>
+          </a:prstGeom>
+          <a:noFill/>
+          <a:ln w="0">
+            <a:noFill/>
+          </a:ln>
+        </p:spPr>
+        <p:txBody>
+          <a:bodyPr lIns="0" rIns="0" tIns="0" bIns="0">
+            <a:noAutofit/>
+          </a:bodyPr>
+          <a:p>
+            <a:pPr marL="432000" indent="-324000">
+              <a:spcBef>
+                <a:spcPts val="1060"/>
+              </a:spcBef>
+              <a:buClr>
+                <a:srgbClr val="77caee"/>
+              </a:buClr>
+              <a:buSzPct val="45000"/>
+              <a:buFont typeface="Wingdings" charset="2"/>
+              <a:buChar char=""/>
+            </a:pPr>
+            <a:r>
+              <a:rPr b="0" lang="en-US" sz="2400" spc="-1" strike="noStrike">
+                <a:solidFill>
+                  <a:srgbClr val="009bdd"/>
+                </a:solidFill>
+                <a:latin typeface="Arial"/>
+              </a:rPr>
+              <a:t>AWX / Ansible Tower</a:t>
+            </a:r>
+            <a:endParaRPr b="0" lang="en-US" sz="2400" spc="-1" strike="noStrike">
+              <a:solidFill>
+                <a:srgbClr val="009bdd"/>
+              </a:solidFill>
+              <a:latin typeface="Arial"/>
+            </a:endParaRPr>
+          </a:p>
+          <a:p>
+            <a:pPr marL="432000" indent="-324000">
+              <a:spcBef>
+                <a:spcPts val="1060"/>
+              </a:spcBef>
+              <a:buClr>
+                <a:srgbClr val="77caee"/>
+              </a:buClr>
+              <a:buSzPct val="45000"/>
+              <a:buFont typeface="Wingdings" charset="2"/>
+              <a:buChar char=""/>
+            </a:pPr>
+            <a:r>
+              <a:rPr b="0" lang="en-US" sz="2400" spc="-1" strike="noStrike">
+                <a:solidFill>
+                  <a:srgbClr val="009bdd"/>
+                </a:solidFill>
+                <a:latin typeface="Arial"/>
+              </a:rPr>
+              <a:t>CI/CD</a:t>
+            </a:r>
+            <a:endParaRPr b="0" lang="en-US" sz="2400" spc="-1" strike="noStrike">
+              <a:solidFill>
+                <a:srgbClr val="009bdd"/>
+              </a:solidFill>
+              <a:latin typeface="Arial"/>
+            </a:endParaRPr>
+          </a:p>
+          <a:p>
+            <a:pPr lvl="1" marL="864000" indent="-324000">
+              <a:spcBef>
+                <a:spcPts val="850"/>
+              </a:spcBef>
+              <a:buClr>
+                <a:srgbClr val="77caee"/>
+              </a:buClr>
+              <a:buSzPct val="45000"/>
+              <a:buFont typeface="Wingdings" charset="2"/>
+              <a:buChar char=""/>
+            </a:pPr>
+            <a:r>
+              <a:rPr b="0" lang="en-US" sz="2100" spc="-1" strike="noStrike">
+                <a:solidFill>
+                  <a:srgbClr val="009bdd"/>
+                </a:solidFill>
+                <a:latin typeface="Arial"/>
+              </a:rPr>
+              <a:t>Jenkins</a:t>
+            </a:r>
+            <a:endParaRPr b="0" lang="en-US" sz="2100" spc="-1" strike="noStrike">
+              <a:solidFill>
+                <a:srgbClr val="009bdd"/>
+              </a:solidFill>
+              <a:latin typeface="Arial"/>
+            </a:endParaRPr>
+          </a:p>
+          <a:p>
+            <a:pPr lvl="1" marL="864000" indent="-324000">
+              <a:spcBef>
+                <a:spcPts val="850"/>
+              </a:spcBef>
+              <a:buClr>
+                <a:srgbClr val="77caee"/>
+              </a:buClr>
+              <a:buSzPct val="45000"/>
+              <a:buFont typeface="Wingdings" charset="2"/>
+              <a:buChar char=""/>
+            </a:pPr>
+            <a:r>
+              <a:rPr b="0" lang="en-US" sz="2100" spc="-1" strike="noStrike">
+                <a:solidFill>
+                  <a:srgbClr val="009bdd"/>
+                </a:solidFill>
+                <a:latin typeface="Arial"/>
+              </a:rPr>
+              <a:t>github/gitlab</a:t>
+            </a:r>
+            <a:endParaRPr b="0" lang="en-US" sz="2100" spc="-1" strike="noStrike">
+              <a:solidFill>
+                <a:srgbClr val="009bdd"/>
+              </a:solidFill>
+              <a:latin typeface="Arial"/>
+            </a:endParaRPr>
+          </a:p>
+          <a:p>
+            <a:pPr marL="432000" indent="-324000">
+              <a:spcBef>
+                <a:spcPts val="1060"/>
+              </a:spcBef>
+              <a:buClr>
+                <a:srgbClr val="77caee"/>
+              </a:buClr>
+              <a:buSzPct val="45000"/>
+              <a:buFont typeface="Wingdings" charset="2"/>
+              <a:buChar char=""/>
+            </a:pPr>
+            <a:endParaRPr b="0" lang="en-US" sz="2100" spc="-1" strike="noStrike">
+              <a:solidFill>
+                <a:srgbClr val="009bdd"/>
+              </a:solidFill>
+              <a:latin typeface="Arial"/>
+            </a:endParaRPr>
+          </a:p>
+        </p:txBody>
+      </p:sp>
+    </p:spTree>
+  </p:cSld>
+  <mc:AlternateContent>
+    <mc:Choice Requires="p14">
+      <p:transition spd="slow" p14:dur="2000"/>
+    </mc:Choice>
+    <mc:Fallback>
+      <p:transition spd="slow"/>
+    </mc:Fallback>
+  </mc:AlternateContent>
+</p:sld>
+</file>
+
 <file path=ppt/slides/slide3.xml><?xml version="1.0" encoding="utf-8"?>
 <p:sld xmlns:a="http://schemas.openxmlformats.org/drawingml/2006/main" xmlns:p="http://schemas.openxmlformats.org/presentationml/2006/main" xmlns:r="http://schemas.openxmlformats.org/officeDocument/2006/relationships" xmlns:p14="http://schemas.microsoft.com/office/powerpoint/2010/main" xmlns:p15="http://schemas.microsoft.com/office/powerpoint/2012/main" xmlns:mc="http://schemas.openxmlformats.org/markup-compatibility/2006">
   <p:cSld>
@@ -7233,6 +7444,118 @@
               <a:latin typeface="Arial"/>
             </a:endParaRPr>
           </a:p>
+          <a:p>
+            <a:pPr lvl="2" marL="1296000" indent="-288000">
+              <a:spcBef>
+                <a:spcPts val="635"/>
+              </a:spcBef>
+              <a:buClr>
+                <a:srgbClr val="77caee"/>
+              </a:buClr>
+              <a:buSzPct val="45000"/>
+              <a:buFont typeface="Wingdings" charset="2"/>
+              <a:buChar char=""/>
+            </a:pPr>
+            <a:r>
+              <a:rPr b="0" lang="en-US" sz="1800" spc="-1" strike="noStrike">
+                <a:solidFill>
+                  <a:srgbClr val="009bdd"/>
+                </a:solidFill>
+                <a:latin typeface="Arial"/>
+              </a:rPr>
+              <a:t>Group hosts into groups</a:t>
+            </a:r>
+            <a:endParaRPr b="0" lang="en-US" sz="1800" spc="-1" strike="noStrike">
+              <a:solidFill>
+                <a:srgbClr val="009bdd"/>
+              </a:solidFill>
+              <a:latin typeface="Arial"/>
+            </a:endParaRPr>
+          </a:p>
+          <a:p>
+            <a:pPr lvl="2" marL="1296000" indent="-288000">
+              <a:spcBef>
+                <a:spcPts val="635"/>
+              </a:spcBef>
+              <a:buClr>
+                <a:srgbClr val="77caee"/>
+              </a:buClr>
+              <a:buSzPct val="45000"/>
+              <a:buFont typeface="Wingdings" charset="2"/>
+              <a:buChar char=""/>
+            </a:pPr>
+            <a:r>
+              <a:rPr b="0" lang="en-US" sz="1800" spc="-1" strike="noStrike">
+                <a:solidFill>
+                  <a:srgbClr val="009bdd"/>
+                </a:solidFill>
+                <a:latin typeface="Arial"/>
+              </a:rPr>
+              <a:t>Reference groups in playbooks/task lists rather than hosts</a:t>
+            </a:r>
+            <a:endParaRPr b="0" lang="en-US" sz="1800" spc="-1" strike="noStrike">
+              <a:solidFill>
+                <a:srgbClr val="009bdd"/>
+              </a:solidFill>
+              <a:latin typeface="Arial"/>
+            </a:endParaRPr>
+          </a:p>
+          <a:p>
+            <a:pPr lvl="3" marL="1728000" indent="-216000">
+              <a:spcBef>
+                <a:spcPts val="422"/>
+              </a:spcBef>
+              <a:buClr>
+                <a:srgbClr val="77caee"/>
+              </a:buClr>
+              <a:buSzPct val="45000"/>
+              <a:buFont typeface="Wingdings" charset="2"/>
+              <a:buChar char=""/>
+            </a:pPr>
+            <a:r>
+              <a:rPr b="0" lang="en-US" sz="1500" spc="-1" strike="noStrike">
+                <a:solidFill>
+                  <a:srgbClr val="009bdd"/>
+                </a:solidFill>
+                <a:latin typeface="Arial"/>
+              </a:rPr>
+              <a:t>This allows you to easily replace hosts without having to alter playbooks</a:t>
+            </a:r>
+            <a:endParaRPr b="0" lang="en-US" sz="1500" spc="-1" strike="noStrike">
+              <a:solidFill>
+                <a:srgbClr val="009bdd"/>
+              </a:solidFill>
+              <a:latin typeface="Arial"/>
+            </a:endParaRPr>
+          </a:p>
+          <a:p>
+            <a:pPr lvl="2" marL="1296000" indent="-288000">
+              <a:spcBef>
+                <a:spcPts val="635"/>
+              </a:spcBef>
+              <a:buClr>
+                <a:srgbClr val="77caee"/>
+              </a:buClr>
+              <a:buSzPct val="45000"/>
+              <a:buFont typeface="Wingdings" charset="2"/>
+              <a:buChar char=""/>
+            </a:pPr>
+            <a:r>
+              <a:rPr b="0" lang="en-US" sz="1800" spc="-1" strike="noStrike">
+                <a:solidFill>
+                  <a:srgbClr val="009bdd"/>
+                </a:solidFill>
+                <a:latin typeface="Arial"/>
+              </a:rPr>
+              <a:t> </a:t>
+            </a:r>
+            <a:endParaRPr b="0" lang="en-US" sz="1800" spc="-1" strike="noStrike">
+              <a:solidFill>
+                <a:srgbClr val="009bdd"/>
+              </a:solidFill>
+              <a:latin typeface="Arial"/>
+            </a:endParaRPr>
+          </a:p>
         </p:txBody>
       </p:sp>
     </p:spTree>
@@ -7297,7 +7620,7 @@
                 </a:solidFill>
                 <a:latin typeface="Arial"/>
               </a:rPr>
-              <a:t>Writing Ansible</a:t>
+              <a:t>Inventory</a:t>
             </a:r>
             <a:endParaRPr b="0" lang="en-US" sz="3300" spc="-1" strike="noStrike">
               <a:solidFill>
@@ -7350,7 +7673,7 @@
                 </a:solidFill>
                 <a:latin typeface="Arial"/>
               </a:rPr>
-              <a:t>Structure</a:t>
+              <a:t>Static</a:t>
             </a:r>
             <a:endParaRPr b="0" lang="en-US" sz="2400" spc="-1" strike="noStrike">
               <a:solidFill>
@@ -7378,7 +7701,7 @@
                 </a:solidFill>
                 <a:latin typeface="Arial"/>
               </a:rPr>
-              <a:t>Playbook has multiple tasks and roles</a:t>
+              <a:t>Groups hosts into groups</a:t>
             </a:r>
             <a:endParaRPr b="0" lang="en-US" sz="2100" spc="-1" strike="noStrike">
               <a:solidFill>
@@ -7388,6 +7711,146 @@
             </a:endParaRPr>
           </a:p>
           <a:p>
+            <a:pPr lvl="2" marL="1296000" indent="-288000">
+              <a:spcBef>
+                <a:spcPts val="635"/>
+              </a:spcBef>
+              <a:buClr>
+                <a:srgbClr val="77caee"/>
+              </a:buClr>
+              <a:buSzPct val="45000"/>
+              <a:buFont typeface="Wingdings" charset="2"/>
+              <a:buChar char=""/>
+            </a:pPr>
+            <a:r>
+              <a:rPr b="0" lang="en-US" sz="1800" spc="-1" strike="noStrike">
+                <a:solidFill>
+                  <a:srgbClr val="009bdd"/>
+                </a:solidFill>
+                <a:latin typeface="Arial"/>
+              </a:rPr>
+              <a:t>Several different formats</a:t>
+            </a:r>
+            <a:endParaRPr b="0" lang="en-US" sz="1800" spc="-1" strike="noStrike">
+              <a:solidFill>
+                <a:srgbClr val="009bdd"/>
+              </a:solidFill>
+              <a:latin typeface="Arial"/>
+            </a:endParaRPr>
+          </a:p>
+          <a:p>
+            <a:pPr lvl="3" marL="1728000" indent="-216000">
+              <a:spcBef>
+                <a:spcPts val="422"/>
+              </a:spcBef>
+              <a:buClr>
+                <a:srgbClr val="77caee"/>
+              </a:buClr>
+              <a:buSzPct val="45000"/>
+              <a:buFont typeface="Wingdings" charset="2"/>
+              <a:buChar char=""/>
+            </a:pPr>
+            <a:r>
+              <a:rPr b="0" lang="en-US" sz="1500" spc="-1" strike="noStrike">
+                <a:solidFill>
+                  <a:srgbClr val="009bdd"/>
+                </a:solidFill>
+                <a:latin typeface="Arial"/>
+              </a:rPr>
+              <a:t>Ini</a:t>
+            </a:r>
+            <a:endParaRPr b="0" lang="en-US" sz="1500" spc="-1" strike="noStrike">
+              <a:solidFill>
+                <a:srgbClr val="009bdd"/>
+              </a:solidFill>
+              <a:latin typeface="Arial"/>
+            </a:endParaRPr>
+          </a:p>
+          <a:p>
+            <a:pPr lvl="3" marL="1728000" indent="-216000">
+              <a:spcBef>
+                <a:spcPts val="422"/>
+              </a:spcBef>
+              <a:buClr>
+                <a:srgbClr val="77caee"/>
+              </a:buClr>
+              <a:buSzPct val="45000"/>
+              <a:buFont typeface="Wingdings" charset="2"/>
+              <a:buChar char=""/>
+            </a:pPr>
+            <a:r>
+              <a:rPr b="0" lang="en-US" sz="1500" spc="-1" strike="noStrike">
+                <a:solidFill>
+                  <a:srgbClr val="009bdd"/>
+                </a:solidFill>
+                <a:latin typeface="Arial"/>
+              </a:rPr>
+              <a:t>Yaml</a:t>
+            </a:r>
+            <a:endParaRPr b="0" lang="en-US" sz="1500" spc="-1" strike="noStrike">
+              <a:solidFill>
+                <a:srgbClr val="009bdd"/>
+              </a:solidFill>
+              <a:latin typeface="Arial"/>
+            </a:endParaRPr>
+          </a:p>
+          <a:p>
+            <a:pPr lvl="3" marL="1728000" indent="-216000">
+              <a:spcBef>
+                <a:spcPts val="422"/>
+              </a:spcBef>
+              <a:buClr>
+                <a:srgbClr val="77caee"/>
+              </a:buClr>
+              <a:buSzPct val="45000"/>
+              <a:buFont typeface="Wingdings" charset="2"/>
+              <a:buChar char=""/>
+            </a:pPr>
+            <a:r>
+              <a:rPr b="0" lang="en-US" sz="1500" spc="-1" strike="noStrike">
+                <a:solidFill>
+                  <a:srgbClr val="009bdd"/>
+                </a:solidFill>
+                <a:latin typeface="Arial"/>
+              </a:rPr>
+              <a:t>Json</a:t>
+            </a:r>
+            <a:endParaRPr b="0" lang="en-US" sz="1500" spc="-1" strike="noStrike">
+              <a:solidFill>
+                <a:srgbClr val="009bdd"/>
+              </a:solidFill>
+              <a:latin typeface="Arial"/>
+            </a:endParaRPr>
+          </a:p>
+          <a:p>
+            <a:pPr marL="432000" indent="-324000">
+              <a:spcBef>
+                <a:spcPts val="1060"/>
+              </a:spcBef>
+              <a:buClr>
+                <a:srgbClr val="77caee"/>
+              </a:buClr>
+              <a:buSzPct val="45000"/>
+              <a:buFont typeface="Wingdings" charset="2"/>
+              <a:buChar char=""/>
+            </a:pPr>
+            <a:r>
+              <a:rPr b="0" lang="en-US" sz="2400" spc="-1" strike="noStrike">
+                <a:solidFill>
+                  <a:srgbClr val="009bdd"/>
+                </a:solidFill>
+                <a:latin typeface="Arial"/>
+              </a:rPr>
+              <a:t>Dynamic</a:t>
+            </a:r>
+            <a:endParaRPr b="0" lang="en-US" sz="2400" spc="-1" strike="noStrike">
+              <a:solidFill>
+                <a:srgbClr val="009bdd"/>
+              </a:solidFill>
+              <a:latin typeface="Arial"/>
+            </a:endParaRPr>
+          </a:p>
+          <a:p>
             <a:pPr lvl="1" marL="864000" indent="-324000">
               <a:spcBef>
                 <a:spcPts val="850"/>
@@ -7406,7 +7869,7 @@
                 </a:solidFill>
                 <a:latin typeface="Arial"/>
               </a:rPr>
-              <a:t>Modules configure specific things</a:t>
+              <a:t>Queries sources for hosts and groups</a:t>
             </a:r>
             <a:endParaRPr b="0" lang="en-US" sz="2100" spc="-1" strike="noStrike">
               <a:solidFill>
@@ -7434,7 +7897,7 @@
                 </a:solidFill>
                 <a:latin typeface="Arial"/>
               </a:rPr>
-              <a:t>http</a:t>
+              <a:t>Ec2</a:t>
             </a:r>
             <a:endParaRPr b="0" lang="en-US" sz="1800" spc="-1" strike="noStrike">
               <a:solidFill>
@@ -7462,7 +7925,7 @@
                 </a:solidFill>
                 <a:latin typeface="Arial"/>
               </a:rPr>
-              <a:t>cron</a:t>
+              <a:t>Nmap</a:t>
             </a:r>
             <a:endParaRPr b="0" lang="en-US" sz="1800" spc="-1" strike="noStrike">
               <a:solidFill>
@@ -7472,34 +7935,6 @@
             </a:endParaRPr>
           </a:p>
           <a:p>
-            <a:pPr lvl="1" marL="864000" indent="-324000">
-              <a:spcBef>
-                <a:spcPts val="850"/>
-              </a:spcBef>
-              <a:buClr>
-                <a:srgbClr val="77caee"/>
-              </a:buClr>
-              <a:buSzPct val="45000"/>
-              <a:buFont typeface="Wingdings" charset="2"/>
-              <a:buChar char=""/>
-            </a:pPr>
-            <a:r>
-              <a:rPr b="0" lang="en-US" sz="2100" spc="-1" strike="noStrike">
-                <a:solidFill>
-                  <a:srgbClr val="009bdd"/>
-                </a:solidFill>
-                <a:latin typeface="Arial"/>
-              </a:rPr>
-              <a:t>Variables</a:t>
-            </a:r>
-            <a:endParaRPr b="0" lang="en-US" sz="2100" spc="-1" strike="noStrike">
-              <a:solidFill>
-                <a:srgbClr val="009bdd"/>
-              </a:solidFill>
-              <a:latin typeface="Arial"/>
-            </a:endParaRPr>
-          </a:p>
-          <a:p>
             <a:pPr lvl="2" marL="1296000" indent="-288000">
               <a:spcBef>
                 <a:spcPts val="635"/>
@@ -7518,27 +7953,8 @@
                 </a:solidFill>
                 <a:latin typeface="Arial"/>
               </a:rPr>
-              <a:t>Effectively global</a:t>
-            </a:r>
-            <a:endParaRPr b="0" lang="en-US" sz="1800" spc="-1" strike="noStrike">
-              <a:solidFill>
-                <a:srgbClr val="009bdd"/>
-              </a:solidFill>
-              <a:latin typeface="Arial"/>
-            </a:endParaRPr>
-          </a:p>
-          <a:p>
-            <a:pPr lvl="2" marL="1296000" indent="-288000">
-              <a:spcBef>
-                <a:spcPts val="635"/>
-              </a:spcBef>
-              <a:buClr>
-                <a:srgbClr val="77caee"/>
-              </a:buClr>
-              <a:buSzPct val="45000"/>
-              <a:buFont typeface="Wingdings" charset="2"/>
-              <a:buChar char=""/>
-            </a:pPr>
+              <a:t>etc</a:t>
+            </a:r>
             <a:endParaRPr b="0" lang="en-US" sz="1800" spc="-1" strike="noStrike">
               <a:solidFill>
                 <a:srgbClr val="009bdd"/>
@@ -7663,7 +8079,7 @@
                 </a:solidFill>
                 <a:latin typeface="Arial"/>
               </a:rPr>
-              <a:t>Variable Precedence (mostly)</a:t>
+              <a:t>Structure</a:t>
             </a:r>
             <a:endParaRPr b="0" lang="en-US" sz="2400" spc="-1" strike="noStrike">
               <a:solidFill>
@@ -7691,7 +8107,7 @@
                 </a:solidFill>
                 <a:latin typeface="Arial"/>
               </a:rPr>
-              <a:t>Role defaults</a:t>
+              <a:t>Playbook has multiple tasks and roles</a:t>
             </a:r>
             <a:endParaRPr b="0" lang="en-US" sz="2100" spc="-1" strike="noStrike">
               <a:solidFill>
@@ -7719,7 +8135,7 @@
                 </a:solidFill>
                 <a:latin typeface="Arial"/>
               </a:rPr>
-              <a:t>inventory/group_varrs</a:t>
+              <a:t>Modules configure specific things</a:t>
             </a:r>
             <a:endParaRPr b="0" lang="en-US" sz="2100" spc="-1" strike="noStrike">
               <a:solidFill>
@@ -7729,6 +8145,62 @@
             </a:endParaRPr>
           </a:p>
           <a:p>
+            <a:pPr lvl="2" marL="1296000" indent="-288000">
+              <a:spcBef>
+                <a:spcPts val="635"/>
+              </a:spcBef>
+              <a:buClr>
+                <a:srgbClr val="77caee"/>
+              </a:buClr>
+              <a:buSzPct val="45000"/>
+              <a:buFont typeface="Wingdings" charset="2"/>
+              <a:buChar char=""/>
+            </a:pPr>
+            <a:r>
+              <a:rPr b="0" lang="en-US" sz="1800" spc="-1" strike="noStrike">
+                <a:solidFill>
+                  <a:srgbClr val="009bdd"/>
+                </a:solidFill>
+                <a:latin typeface="Arial"/>
+              </a:rPr>
+              <a:t>http</a:t>
+            </a:r>
+            <a:endParaRPr b="0" lang="en-US" sz="1800" spc="-1" strike="noStrike">
+              <a:solidFill>
+                <a:srgbClr val="009bdd"/>
+              </a:solidFill>
+              <a:latin typeface="Arial"/>
+            </a:endParaRPr>
+          </a:p>
+          <a:p>
+            <a:pPr lvl="2" marL="1296000" indent="-288000">
+              <a:spcBef>
+                <a:spcPts val="635"/>
+              </a:spcBef>
+              <a:buClr>
+                <a:srgbClr val="77caee"/>
+              </a:buClr>
+              <a:buSzPct val="45000"/>
+              <a:buFont typeface="Wingdings" charset="2"/>
+              <a:buChar char=""/>
+            </a:pPr>
+            <a:r>
+              <a:rPr b="0" lang="en-US" sz="1800" spc="-1" strike="noStrike">
+                <a:solidFill>
+                  <a:srgbClr val="009bdd"/>
+                </a:solidFill>
+                <a:latin typeface="Arial"/>
+              </a:rPr>
+              <a:t>cron</a:t>
+            </a:r>
+            <a:endParaRPr b="0" lang="en-US" sz="1800" spc="-1" strike="noStrike">
+              <a:solidFill>
+                <a:srgbClr val="009bdd"/>
+              </a:solidFill>
+              <a:latin typeface="Arial"/>
+            </a:endParaRPr>
+          </a:p>
+          <a:p>
             <a:pPr lvl="1" marL="864000" indent="-324000">
               <a:spcBef>
                 <a:spcPts val="850"/>
@@ -7747,7 +8219,7 @@
                 </a:solidFill>
                 <a:latin typeface="Arial"/>
               </a:rPr>
-              <a:t>inventory/host_vars</a:t>
+              <a:t>Variables</a:t>
             </a:r>
             <a:endParaRPr b="0" lang="en-US" sz="2100" spc="-1" strike="noStrike">
               <a:solidFill>
@@ -7757,139 +8229,46 @@
             </a:endParaRPr>
           </a:p>
           <a:p>
-            <a:pPr lvl="1" marL="864000" indent="-324000">
-              <a:spcBef>
-                <a:spcPts val="850"/>
-              </a:spcBef>
-              <a:buClr>
-                <a:srgbClr val="77caee"/>
-              </a:buClr>
-              <a:buSzPct val="45000"/>
-              <a:buFont typeface="Wingdings" charset="2"/>
-              <a:buChar char=""/>
-            </a:pPr>
-            <a:r>
-              <a:rPr b="0" lang="en-US" sz="2100" spc="-1" strike="noStrike">
-                <a:solidFill>
-                  <a:srgbClr val="009bdd"/>
-                </a:solidFill>
-                <a:latin typeface="Arial"/>
-              </a:rPr>
-              <a:t>Host facts</a:t>
-            </a:r>
-            <a:endParaRPr b="0" lang="en-US" sz="2100" spc="-1" strike="noStrike">
-              <a:solidFill>
-                <a:srgbClr val="009bdd"/>
-              </a:solidFill>
-              <a:latin typeface="Arial"/>
-            </a:endParaRPr>
-          </a:p>
-          <a:p>
-            <a:pPr lvl="1" marL="864000" indent="-324000">
-              <a:spcBef>
-                <a:spcPts val="850"/>
-              </a:spcBef>
-              <a:buClr>
-                <a:srgbClr val="77caee"/>
-              </a:buClr>
-              <a:buSzPct val="45000"/>
-              <a:buFont typeface="Wingdings" charset="2"/>
-              <a:buChar char=""/>
-            </a:pPr>
-            <a:r>
-              <a:rPr b="0" lang="en-US" sz="2100" spc="-1" strike="noStrike">
-                <a:solidFill>
-                  <a:srgbClr val="009bdd"/>
-                </a:solidFill>
-                <a:latin typeface="Arial"/>
-              </a:rPr>
-              <a:t>Play vars</a:t>
-            </a:r>
-            <a:endParaRPr b="0" lang="en-US" sz="2100" spc="-1" strike="noStrike">
-              <a:solidFill>
-                <a:srgbClr val="009bdd"/>
-              </a:solidFill>
-              <a:latin typeface="Arial"/>
-            </a:endParaRPr>
-          </a:p>
-          <a:p>
-            <a:pPr lvl="1" marL="864000" indent="-324000">
-              <a:spcBef>
-                <a:spcPts val="850"/>
-              </a:spcBef>
-              <a:buClr>
-                <a:srgbClr val="77caee"/>
-              </a:buClr>
-              <a:buSzPct val="45000"/>
-              <a:buFont typeface="Wingdings" charset="2"/>
-              <a:buChar char=""/>
-            </a:pPr>
-            <a:r>
-              <a:rPr b="0" lang="en-US" sz="2100" spc="-1" strike="noStrike">
-                <a:solidFill>
-                  <a:srgbClr val="009bdd"/>
-                </a:solidFill>
-                <a:latin typeface="Arial"/>
-              </a:rPr>
-              <a:t>Role vars</a:t>
-            </a:r>
-            <a:endParaRPr b="0" lang="en-US" sz="2100" spc="-1" strike="noStrike">
-              <a:solidFill>
-                <a:srgbClr val="009bdd"/>
-              </a:solidFill>
-              <a:latin typeface="Arial"/>
-            </a:endParaRPr>
-          </a:p>
-          <a:p>
-            <a:pPr lvl="1" marL="864000" indent="-324000">
-              <a:spcBef>
-                <a:spcPts val="850"/>
-              </a:spcBef>
-              <a:buClr>
-                <a:srgbClr val="77caee"/>
-              </a:buClr>
-              <a:buSzPct val="45000"/>
-              <a:buFont typeface="Wingdings" charset="2"/>
-              <a:buChar char=""/>
-            </a:pPr>
-            <a:r>
-              <a:rPr b="0" lang="en-US" sz="2100" spc="-1" strike="noStrike">
-                <a:solidFill>
-                  <a:srgbClr val="009bdd"/>
-                </a:solidFill>
-                <a:latin typeface="Arial"/>
-              </a:rPr>
-              <a:t>set_facts</a:t>
-            </a:r>
-            <a:endParaRPr b="0" lang="en-US" sz="2100" spc="-1" strike="noStrike">
-              <a:solidFill>
-                <a:srgbClr val="009bdd"/>
-              </a:solidFill>
-              <a:latin typeface="Arial"/>
-            </a:endParaRPr>
-          </a:p>
-          <a:p>
-            <a:pPr lvl="1" marL="864000" indent="-324000">
-              <a:spcBef>
-                <a:spcPts val="850"/>
-              </a:spcBef>
-              <a:buClr>
-                <a:srgbClr val="77caee"/>
-              </a:buClr>
-              <a:buSzPct val="45000"/>
-              <a:buFont typeface="Wingdings" charset="2"/>
-              <a:buChar char=""/>
-            </a:pPr>
-            <a:r>
-              <a:rPr b="0" lang="en-US" sz="2100" spc="-1" strike="noStrike">
-                <a:solidFill>
-                  <a:srgbClr val="009bdd"/>
-                </a:solidFill>
-                <a:latin typeface="Arial"/>
-              </a:rPr>
-              <a:t>Extra vars</a:t>
-            </a:r>
-            <a:endParaRPr b="0" lang="en-US" sz="2100" spc="-1" strike="noStrike">
+            <a:pPr lvl="2" marL="1296000" indent="-288000">
+              <a:spcBef>
+                <a:spcPts val="635"/>
+              </a:spcBef>
+              <a:buClr>
+                <a:srgbClr val="77caee"/>
+              </a:buClr>
+              <a:buSzPct val="45000"/>
+              <a:buFont typeface="Wingdings" charset="2"/>
+              <a:buChar char=""/>
+            </a:pPr>
+            <a:r>
+              <a:rPr b="0" lang="en-US" sz="1800" spc="-1" strike="noStrike">
+                <a:solidFill>
+                  <a:srgbClr val="009bdd"/>
+                </a:solidFill>
+                <a:latin typeface="Arial"/>
+              </a:rPr>
+              <a:t>Effectively global</a:t>
+            </a:r>
+            <a:endParaRPr b="0" lang="en-US" sz="1800" spc="-1" strike="noStrike">
+              <a:solidFill>
+                <a:srgbClr val="009bdd"/>
+              </a:solidFill>
+              <a:latin typeface="Arial"/>
+            </a:endParaRPr>
+          </a:p>
+          <a:p>
+            <a:pPr lvl="2" marL="1296000" indent="-288000">
+              <a:spcBef>
+                <a:spcPts val="635"/>
+              </a:spcBef>
+              <a:buClr>
+                <a:srgbClr val="77caee"/>
+              </a:buClr>
+              <a:buSzPct val="45000"/>
+              <a:buFont typeface="Wingdings" charset="2"/>
+              <a:buChar char=""/>
+            </a:pPr>
+            <a:endParaRPr b="0" lang="en-US" sz="1800" spc="-1" strike="noStrike">
               <a:solidFill>
                 <a:srgbClr val="009bdd"/>
               </a:solidFill>
@@ -8013,7 +8392,7 @@
                 </a:solidFill>
                 <a:latin typeface="Arial"/>
               </a:rPr>
-              <a:t>There are actually 22 levels of variable precendence</a:t>
+              <a:t>Variable Precedence (mostly)</a:t>
             </a:r>
             <a:endParaRPr b="0" lang="en-US" sz="2400" spc="-1" strike="noStrike">
               <a:solidFill>
@@ -8041,7 +8420,7 @@
                 </a:solidFill>
                 <a:latin typeface="Arial"/>
               </a:rPr>
-              <a:t>Obviously complicated</a:t>
+              <a:t>Role defaults</a:t>
             </a:r>
             <a:endParaRPr b="0" lang="en-US" sz="2100" spc="-1" strike="noStrike">
               <a:solidFill>
@@ -8051,34 +8430,6 @@
             </a:endParaRPr>
           </a:p>
           <a:p>
-            <a:pPr marL="432000" indent="-324000">
-              <a:spcBef>
-                <a:spcPts val="1060"/>
-              </a:spcBef>
-              <a:buClr>
-                <a:srgbClr val="77caee"/>
-              </a:buClr>
-              <a:buSzPct val="45000"/>
-              <a:buFont typeface="Wingdings" charset="2"/>
-              <a:buChar char=""/>
-            </a:pPr>
-            <a:r>
-              <a:rPr b="0" lang="en-US" sz="2400" spc="-1" strike="noStrike">
-                <a:solidFill>
-                  <a:srgbClr val="009bdd"/>
-                </a:solidFill>
-                <a:latin typeface="Arial"/>
-              </a:rPr>
-              <a:t>Role order matters</a:t>
-            </a:r>
-            <a:endParaRPr b="0" lang="en-US" sz="2400" spc="-1" strike="noStrike">
-              <a:solidFill>
-                <a:srgbClr val="009bdd"/>
-              </a:solidFill>
-              <a:latin typeface="Arial"/>
-            </a:endParaRPr>
-          </a:p>
-          <a:p>
             <a:pPr lvl="1" marL="864000" indent="-324000">
               <a:spcBef>
                 <a:spcPts val="850"/>
@@ -8097,7 +8448,7 @@
                 </a:solidFill>
                 <a:latin typeface="Arial"/>
               </a:rPr>
-              <a:t>Later variables overwrite earlier ones</a:t>
+              <a:t>inventory/group_varrs</a:t>
             </a:r>
             <a:endParaRPr b="0" lang="en-US" sz="2100" spc="-1" strike="noStrike">
               <a:solidFill>
@@ -8107,27 +8458,167 @@
             </a:endParaRPr>
           </a:p>
           <a:p>
-            <a:pPr marL="432000" indent="-324000">
-              <a:spcBef>
-                <a:spcPts val="1060"/>
-              </a:spcBef>
-              <a:buClr>
-                <a:srgbClr val="77caee"/>
-              </a:buClr>
-              <a:buSzPct val="45000"/>
-              <a:buFont typeface="Wingdings" charset="2"/>
-              <a:buChar char=""/>
-            </a:pPr>
-            <a:r>
-              <a:rPr b="0" lang="en-US" sz="1300" spc="-1" strike="noStrike">
-                <a:solidFill>
-                  <a:srgbClr val="009bdd"/>
-                </a:solidFill>
-                <a:latin typeface="Arial"/>
-              </a:rPr>
-              <a:t>https://docs.ansible.com/ansible/latest/user_guide/playbooks_variables.html#understanding-variable-precedence</a:t>
-            </a:r>
-            <a:endParaRPr b="0" lang="en-US" sz="1300" spc="-1" strike="noStrike">
+            <a:pPr lvl="1" marL="864000" indent="-324000">
+              <a:spcBef>
+                <a:spcPts val="850"/>
+              </a:spcBef>
+              <a:buClr>
+                <a:srgbClr val="77caee"/>
+              </a:buClr>
+              <a:buSzPct val="45000"/>
+              <a:buFont typeface="Wingdings" charset="2"/>
+              <a:buChar char=""/>
+            </a:pPr>
+            <a:r>
+              <a:rPr b="0" lang="en-US" sz="2100" spc="-1" strike="noStrike">
+                <a:solidFill>
+                  <a:srgbClr val="009bdd"/>
+                </a:solidFill>
+                <a:latin typeface="Arial"/>
+              </a:rPr>
+              <a:t>inventory/host_vars</a:t>
+            </a:r>
+            <a:endParaRPr b="0" lang="en-US" sz="2100" spc="-1" strike="noStrike">
+              <a:solidFill>
+                <a:srgbClr val="009bdd"/>
+              </a:solidFill>
+              <a:latin typeface="Arial"/>
+            </a:endParaRPr>
+          </a:p>
+          <a:p>
+            <a:pPr lvl="1" marL="864000" indent="-324000">
+              <a:spcBef>
+                <a:spcPts val="850"/>
+              </a:spcBef>
+              <a:buClr>
+                <a:srgbClr val="77caee"/>
+              </a:buClr>
+              <a:buSzPct val="45000"/>
+              <a:buFont typeface="Wingdings" charset="2"/>
+              <a:buChar char=""/>
+            </a:pPr>
+            <a:r>
+              <a:rPr b="0" lang="en-US" sz="2100" spc="-1" strike="noStrike">
+                <a:solidFill>
+                  <a:srgbClr val="009bdd"/>
+                </a:solidFill>
+                <a:latin typeface="Arial"/>
+              </a:rPr>
+              <a:t>Host facts</a:t>
+            </a:r>
+            <a:endParaRPr b="0" lang="en-US" sz="2100" spc="-1" strike="noStrike">
+              <a:solidFill>
+                <a:srgbClr val="009bdd"/>
+              </a:solidFill>
+              <a:latin typeface="Arial"/>
+            </a:endParaRPr>
+          </a:p>
+          <a:p>
+            <a:pPr lvl="1" marL="864000" indent="-324000">
+              <a:spcBef>
+                <a:spcPts val="850"/>
+              </a:spcBef>
+              <a:buClr>
+                <a:srgbClr val="77caee"/>
+              </a:buClr>
+              <a:buSzPct val="45000"/>
+              <a:buFont typeface="Wingdings" charset="2"/>
+              <a:buChar char=""/>
+            </a:pPr>
+            <a:r>
+              <a:rPr b="0" lang="en-US" sz="2100" spc="-1" strike="noStrike">
+                <a:solidFill>
+                  <a:srgbClr val="009bdd"/>
+                </a:solidFill>
+                <a:latin typeface="Arial"/>
+              </a:rPr>
+              <a:t>Play vars</a:t>
+            </a:r>
+            <a:endParaRPr b="0" lang="en-US" sz="2100" spc="-1" strike="noStrike">
+              <a:solidFill>
+                <a:srgbClr val="009bdd"/>
+              </a:solidFill>
+              <a:latin typeface="Arial"/>
+            </a:endParaRPr>
+          </a:p>
+          <a:p>
+            <a:pPr lvl="1" marL="864000" indent="-324000">
+              <a:spcBef>
+                <a:spcPts val="850"/>
+              </a:spcBef>
+              <a:buClr>
+                <a:srgbClr val="77caee"/>
+              </a:buClr>
+              <a:buSzPct val="45000"/>
+              <a:buFont typeface="Wingdings" charset="2"/>
+              <a:buChar char=""/>
+            </a:pPr>
+            <a:r>
+              <a:rPr b="0" lang="en-US" sz="2100" spc="-1" strike="noStrike">
+                <a:solidFill>
+                  <a:srgbClr val="009bdd"/>
+                </a:solidFill>
+                <a:latin typeface="Arial"/>
+              </a:rPr>
+              <a:t>Role vars</a:t>
+            </a:r>
+            <a:endParaRPr b="0" lang="en-US" sz="2100" spc="-1" strike="noStrike">
+              <a:solidFill>
+                <a:srgbClr val="009bdd"/>
+              </a:solidFill>
+              <a:latin typeface="Arial"/>
+            </a:endParaRPr>
+          </a:p>
+          <a:p>
+            <a:pPr lvl="1" marL="864000" indent="-324000">
+              <a:spcBef>
+                <a:spcPts val="850"/>
+              </a:spcBef>
+              <a:buClr>
+                <a:srgbClr val="77caee"/>
+              </a:buClr>
+              <a:buSzPct val="45000"/>
+              <a:buFont typeface="Wingdings" charset="2"/>
+              <a:buChar char=""/>
+            </a:pPr>
+            <a:r>
+              <a:rPr b="0" lang="en-US" sz="2100" spc="-1" strike="noStrike">
+                <a:solidFill>
+                  <a:srgbClr val="009bdd"/>
+                </a:solidFill>
+                <a:latin typeface="Arial"/>
+              </a:rPr>
+              <a:t>set_facts</a:t>
+            </a:r>
+            <a:endParaRPr b="0" lang="en-US" sz="2100" spc="-1" strike="noStrike">
+              <a:solidFill>
+                <a:srgbClr val="009bdd"/>
+              </a:solidFill>
+              <a:latin typeface="Arial"/>
+            </a:endParaRPr>
+          </a:p>
+          <a:p>
+            <a:pPr lvl="1" marL="864000" indent="-324000">
+              <a:spcBef>
+                <a:spcPts val="850"/>
+              </a:spcBef>
+              <a:buClr>
+                <a:srgbClr val="77caee"/>
+              </a:buClr>
+              <a:buSzPct val="45000"/>
+              <a:buFont typeface="Wingdings" charset="2"/>
+              <a:buChar char=""/>
+            </a:pPr>
+            <a:r>
+              <a:rPr b="0" lang="en-US" sz="2100" spc="-1" strike="noStrike">
+                <a:solidFill>
+                  <a:srgbClr val="009bdd"/>
+                </a:solidFill>
+                <a:latin typeface="Arial"/>
+              </a:rPr>
+              <a:t>Extra vars</a:t>
+            </a:r>
+            <a:endParaRPr b="0" lang="en-US" sz="2100" spc="-1" strike="noStrike">
               <a:solidFill>
                 <a:srgbClr val="009bdd"/>
               </a:solidFill>
@@ -8251,7 +8742,7 @@
                 </a:solidFill>
                 <a:latin typeface="Arial"/>
               </a:rPr>
-              <a:t>Role structure</a:t>
+              <a:t>There are actually 22 levels of variable precendence</a:t>
             </a:r>
             <a:endParaRPr b="0" lang="en-US" sz="2400" spc="-1" strike="noStrike">
               <a:solidFill>
@@ -8279,7 +8770,7 @@
                 </a:solidFill>
                 <a:latin typeface="Arial"/>
               </a:rPr>
-              <a:t>Role</a:t>
+              <a:t>Obviously complicated</a:t>
             </a:r>
             <a:endParaRPr b="0" lang="en-US" sz="2100" spc="-1" strike="noStrike">
               <a:solidFill>
@@ -8289,139 +8780,27 @@
             </a:endParaRPr>
           </a:p>
           <a:p>
-            <a:pPr lvl="2" marL="1296000" indent="-288000">
-              <a:spcBef>
-                <a:spcPts val="635"/>
-              </a:spcBef>
-              <a:buClr>
-                <a:srgbClr val="77caee"/>
-              </a:buClr>
-              <a:buSzPct val="45000"/>
-              <a:buFont typeface="Wingdings" charset="2"/>
-              <a:buChar char=""/>
-            </a:pPr>
-            <a:r>
-              <a:rPr b="0" lang="en-US" sz="1800" spc="-1" strike="noStrike">
-                <a:solidFill>
-                  <a:srgbClr val="009bdd"/>
-                </a:solidFill>
-                <a:latin typeface="Arial"/>
-              </a:rPr>
-              <a:t>defaults</a:t>
-            </a:r>
-            <a:endParaRPr b="0" lang="en-US" sz="1800" spc="-1" strike="noStrike">
-              <a:solidFill>
-                <a:srgbClr val="009bdd"/>
-              </a:solidFill>
-              <a:latin typeface="Arial"/>
-            </a:endParaRPr>
-          </a:p>
-          <a:p>
-            <a:pPr lvl="2" marL="1296000" indent="-288000">
-              <a:spcBef>
-                <a:spcPts val="635"/>
-              </a:spcBef>
-              <a:buClr>
-                <a:srgbClr val="77caee"/>
-              </a:buClr>
-              <a:buSzPct val="45000"/>
-              <a:buFont typeface="Wingdings" charset="2"/>
-              <a:buChar char=""/>
-            </a:pPr>
-            <a:r>
-              <a:rPr b="0" lang="en-US" sz="1800" spc="-1" strike="noStrike">
-                <a:solidFill>
-                  <a:srgbClr val="009bdd"/>
-                </a:solidFill>
-                <a:latin typeface="Arial"/>
-              </a:rPr>
-              <a:t>files</a:t>
-            </a:r>
-            <a:endParaRPr b="0" lang="en-US" sz="1800" spc="-1" strike="noStrike">
-              <a:solidFill>
-                <a:srgbClr val="009bdd"/>
-              </a:solidFill>
-              <a:latin typeface="Arial"/>
-            </a:endParaRPr>
-          </a:p>
-          <a:p>
-            <a:pPr lvl="2" marL="1296000" indent="-288000">
-              <a:spcBef>
-                <a:spcPts val="635"/>
-              </a:spcBef>
-              <a:buClr>
-                <a:srgbClr val="77caee"/>
-              </a:buClr>
-              <a:buSzPct val="45000"/>
-              <a:buFont typeface="Wingdings" charset="2"/>
-              <a:buChar char=""/>
-            </a:pPr>
-            <a:r>
-              <a:rPr b="0" lang="en-US" sz="1800" spc="-1" strike="noStrike">
-                <a:solidFill>
-                  <a:srgbClr val="009bdd"/>
-                </a:solidFill>
-                <a:latin typeface="Arial"/>
-              </a:rPr>
-              <a:t>tasks</a:t>
-            </a:r>
-            <a:endParaRPr b="0" lang="en-US" sz="1800" spc="-1" strike="noStrike">
-              <a:solidFill>
-                <a:srgbClr val="009bdd"/>
-              </a:solidFill>
-              <a:latin typeface="Arial"/>
-            </a:endParaRPr>
-          </a:p>
-          <a:p>
-            <a:pPr lvl="2" marL="1296000" indent="-288000">
-              <a:spcBef>
-                <a:spcPts val="635"/>
-              </a:spcBef>
-              <a:buClr>
-                <a:srgbClr val="77caee"/>
-              </a:buClr>
-              <a:buSzPct val="45000"/>
-              <a:buFont typeface="Wingdings" charset="2"/>
-              <a:buChar char=""/>
-            </a:pPr>
-            <a:r>
-              <a:rPr b="0" lang="en-US" sz="1800" spc="-1" strike="noStrike">
-                <a:solidFill>
-                  <a:srgbClr val="009bdd"/>
-                </a:solidFill>
-                <a:latin typeface="Arial"/>
-              </a:rPr>
-              <a:t>templates</a:t>
-            </a:r>
-            <a:endParaRPr b="0" lang="en-US" sz="1800" spc="-1" strike="noStrike">
-              <a:solidFill>
-                <a:srgbClr val="009bdd"/>
-              </a:solidFill>
-              <a:latin typeface="Arial"/>
-            </a:endParaRPr>
-          </a:p>
-          <a:p>
-            <a:pPr lvl="2" marL="1296000" indent="-288000">
-              <a:spcBef>
-                <a:spcPts val="635"/>
-              </a:spcBef>
-              <a:buClr>
-                <a:srgbClr val="77caee"/>
-              </a:buClr>
-              <a:buSzPct val="45000"/>
-              <a:buFont typeface="Wingdings" charset="2"/>
-              <a:buChar char=""/>
-            </a:pPr>
-            <a:r>
-              <a:rPr b="0" lang="en-US" sz="1800" spc="-1" strike="noStrike">
-                <a:solidFill>
-                  <a:srgbClr val="009bdd"/>
-                </a:solidFill>
-                <a:latin typeface="Arial"/>
-              </a:rPr>
-              <a:t>vars</a:t>
-            </a:r>
-            <a:endParaRPr b="0" lang="en-US" sz="1800" spc="-1" strike="noStrike">
+            <a:pPr marL="432000" indent="-324000">
+              <a:spcBef>
+                <a:spcPts val="1060"/>
+              </a:spcBef>
+              <a:buClr>
+                <a:srgbClr val="77caee"/>
+              </a:buClr>
+              <a:buSzPct val="45000"/>
+              <a:buFont typeface="Wingdings" charset="2"/>
+              <a:buChar char=""/>
+            </a:pPr>
+            <a:r>
+              <a:rPr b="0" lang="en-US" sz="2400" spc="-1" strike="noStrike">
+                <a:solidFill>
+                  <a:srgbClr val="009bdd"/>
+                </a:solidFill>
+                <a:latin typeface="Arial"/>
+              </a:rPr>
+              <a:t>Role order matters</a:t>
+            </a:r>
+            <a:endParaRPr b="0" lang="en-US" sz="2400" spc="-1" strike="noStrike">
               <a:solidFill>
                 <a:srgbClr val="009bdd"/>
               </a:solidFill>
@@ -8447,9 +8826,37 @@
                 </a:solidFill>
                 <a:latin typeface="Arial"/>
               </a:rPr>
-              <a:t>Those are just the major ones</a:t>
+              <a:t>Later variables overwrite earlier ones</a:t>
             </a:r>
             <a:endParaRPr b="0" lang="en-US" sz="2100" spc="-1" strike="noStrike">
+              <a:solidFill>
+                <a:srgbClr val="009bdd"/>
+              </a:solidFill>
+              <a:latin typeface="Arial"/>
+            </a:endParaRPr>
+          </a:p>
+          <a:p>
+            <a:pPr marL="432000" indent="-324000">
+              <a:spcBef>
+                <a:spcPts val="1060"/>
+              </a:spcBef>
+              <a:buClr>
+                <a:srgbClr val="77caee"/>
+              </a:buClr>
+              <a:buSzPct val="45000"/>
+              <a:buFont typeface="Wingdings" charset="2"/>
+              <a:buChar char=""/>
+            </a:pPr>
+            <a:r>
+              <a:rPr b="0" lang="en-US" sz="1300" spc="-1" strike="noStrike">
+                <a:solidFill>
+                  <a:srgbClr val="009bdd"/>
+                </a:solidFill>
+                <a:latin typeface="Arial"/>
+              </a:rPr>
+              <a:t>https://docs.ansible.com/ansible/latest/user_guide/playbooks_variables.html#understanding-variable-precedence</a:t>
+            </a:r>
+            <a:endParaRPr b="0" lang="en-US" sz="1300" spc="-1" strike="noStrike">
               <a:solidFill>
                 <a:srgbClr val="009bdd"/>
               </a:solidFill>
@@ -8520,7 +8927,7 @@
                 </a:solidFill>
                 <a:latin typeface="Arial"/>
               </a:rPr>
-              <a:t>Role Structure</a:t>
+              <a:t>Writing Ansible</a:t>
             </a:r>
             <a:endParaRPr b="0" lang="en-US" sz="3300" spc="-1" strike="noStrike">
               <a:solidFill>
@@ -8573,7 +8980,7 @@
                 </a:solidFill>
                 <a:latin typeface="Arial"/>
               </a:rPr>
-              <a:t>Defaults</a:t>
+              <a:t>Role structure</a:t>
             </a:r>
             <a:endParaRPr b="0" lang="en-US" sz="2400" spc="-1" strike="noStrike">
               <a:solidFill>
@@ -8601,7 +9008,7 @@
                 </a:solidFill>
                 <a:latin typeface="Arial"/>
               </a:rPr>
-              <a:t>Contains default values for variables</a:t>
+              <a:t>Role</a:t>
             </a:r>
             <a:endParaRPr b="0" lang="en-US" sz="2100" spc="-1" strike="noStrike">
               <a:solidFill>
@@ -8611,6 +9018,146 @@
             </a:endParaRPr>
           </a:p>
           <a:p>
+            <a:pPr lvl="2" marL="1296000" indent="-288000">
+              <a:spcBef>
+                <a:spcPts val="635"/>
+              </a:spcBef>
+              <a:buClr>
+                <a:srgbClr val="77caee"/>
+              </a:buClr>
+              <a:buSzPct val="45000"/>
+              <a:buFont typeface="Wingdings" charset="2"/>
+              <a:buChar char=""/>
+            </a:pPr>
+            <a:r>
+              <a:rPr b="0" lang="en-US" sz="1800" spc="-1" strike="noStrike">
+                <a:solidFill>
+                  <a:srgbClr val="009bdd"/>
+                </a:solidFill>
+                <a:latin typeface="Arial"/>
+              </a:rPr>
+              <a:t>defaults</a:t>
+            </a:r>
+            <a:endParaRPr b="0" lang="en-US" sz="1800" spc="-1" strike="noStrike">
+              <a:solidFill>
+                <a:srgbClr val="009bdd"/>
+              </a:solidFill>
+              <a:latin typeface="Arial"/>
+            </a:endParaRPr>
+          </a:p>
+          <a:p>
+            <a:pPr lvl="2" marL="1296000" indent="-288000">
+              <a:spcBef>
+                <a:spcPts val="635"/>
+              </a:spcBef>
+              <a:buClr>
+                <a:srgbClr val="77caee"/>
+              </a:buClr>
+              <a:buSzPct val="45000"/>
+              <a:buFont typeface="Wingdings" charset="2"/>
+              <a:buChar char=""/>
+            </a:pPr>
+            <a:r>
+              <a:rPr b="0" lang="en-US" sz="1800" spc="-1" strike="noStrike">
+                <a:solidFill>
+                  <a:srgbClr val="009bdd"/>
+                </a:solidFill>
+                <a:latin typeface="Arial"/>
+              </a:rPr>
+              <a:t>files</a:t>
+            </a:r>
+            <a:endParaRPr b="0" lang="en-US" sz="1800" spc="-1" strike="noStrike">
+              <a:solidFill>
+                <a:srgbClr val="009bdd"/>
+              </a:solidFill>
+              <a:latin typeface="Arial"/>
+            </a:endParaRPr>
+          </a:p>
+          <a:p>
+            <a:pPr lvl="2" marL="1296000" indent="-288000">
+              <a:spcBef>
+                <a:spcPts val="635"/>
+              </a:spcBef>
+              <a:buClr>
+                <a:srgbClr val="77caee"/>
+              </a:buClr>
+              <a:buSzPct val="45000"/>
+              <a:buFont typeface="Wingdings" charset="2"/>
+              <a:buChar char=""/>
+            </a:pPr>
+            <a:r>
+              <a:rPr b="0" lang="en-US" sz="1800" spc="-1" strike="noStrike">
+                <a:solidFill>
+                  <a:srgbClr val="009bdd"/>
+                </a:solidFill>
+                <a:latin typeface="Arial"/>
+              </a:rPr>
+              <a:t>tasks</a:t>
+            </a:r>
+            <a:endParaRPr b="0" lang="en-US" sz="1800" spc="-1" strike="noStrike">
+              <a:solidFill>
+                <a:srgbClr val="009bdd"/>
+              </a:solidFill>
+              <a:latin typeface="Arial"/>
+            </a:endParaRPr>
+          </a:p>
+          <a:p>
+            <a:pPr lvl="2" marL="1296000" indent="-288000">
+              <a:spcBef>
+                <a:spcPts val="635"/>
+              </a:spcBef>
+              <a:buClr>
+                <a:srgbClr val="77caee"/>
+              </a:buClr>
+              <a:buSzPct val="45000"/>
+              <a:buFont typeface="Wingdings" charset="2"/>
+              <a:buChar char=""/>
+            </a:pPr>
+            <a:r>
+              <a:rPr b="0" lang="en-US" sz="1800" spc="-1" strike="noStrike">
+                <a:solidFill>
+                  <a:srgbClr val="009bdd"/>
+                </a:solidFill>
+                <a:latin typeface="Arial"/>
+              </a:rPr>
+              <a:t>templates</a:t>
+            </a:r>
+            <a:endParaRPr b="0" lang="en-US" sz="1800" spc="-1" strike="noStrike">
+              <a:solidFill>
+                <a:srgbClr val="009bdd"/>
+              </a:solidFill>
+              <a:latin typeface="Arial"/>
+            </a:endParaRPr>
+          </a:p>
+          <a:p>
+            <a:pPr lvl="2" marL="1296000" indent="-288000">
+              <a:spcBef>
+                <a:spcPts val="635"/>
+              </a:spcBef>
+              <a:buClr>
+                <a:srgbClr val="77caee"/>
+              </a:buClr>
+              <a:buSzPct val="45000"/>
+              <a:buFont typeface="Wingdings" charset="2"/>
+              <a:buChar char=""/>
+            </a:pPr>
+            <a:r>
+              <a:rPr b="0" lang="en-US" sz="1800" spc="-1" strike="noStrike">
+                <a:solidFill>
+                  <a:srgbClr val="009bdd"/>
+                </a:solidFill>
+                <a:latin typeface="Arial"/>
+              </a:rPr>
+              <a:t>vars</a:t>
+            </a:r>
+            <a:endParaRPr b="0" lang="en-US" sz="1800" spc="-1" strike="noStrike">
+              <a:solidFill>
+                <a:srgbClr val="009bdd"/>
+              </a:solidFill>
+              <a:latin typeface="Arial"/>
+            </a:endParaRPr>
+          </a:p>
+          <a:p>
             <a:pPr lvl="1" marL="864000" indent="-324000">
               <a:spcBef>
                 <a:spcPts val="850"/>
@@ -8629,35 +9176,7 @@
                 </a:solidFill>
                 <a:latin typeface="Arial"/>
               </a:rPr>
-              <a:t>Low precedence, so can be overridden</a:t>
-            </a:r>
-            <a:endParaRPr b="0" lang="en-US" sz="2100" spc="-1" strike="noStrike">
-              <a:solidFill>
-                <a:srgbClr val="009bdd"/>
-              </a:solidFill>
-              <a:latin typeface="Arial"/>
-            </a:endParaRPr>
-          </a:p>
-          <a:p>
-            <a:pPr lvl="1" marL="864000" indent="-324000">
-              <a:spcBef>
-                <a:spcPts val="850"/>
-              </a:spcBef>
-              <a:buClr>
-                <a:srgbClr val="77caee"/>
-              </a:buClr>
-              <a:buSzPct val="45000"/>
-              <a:buFont typeface="Wingdings" charset="2"/>
-              <a:buChar char=""/>
-            </a:pPr>
-            <a:r>
-              <a:rPr b="0" lang="en-US" sz="2100" spc="-1" strike="noStrike">
-                <a:solidFill>
-                  <a:srgbClr val="009bdd"/>
-                </a:solidFill>
-                <a:latin typeface="Arial"/>
-              </a:rPr>
-              <a:t>Use as document showing all inputs, with examples</a:t>
+              <a:t>Those are just the major ones</a:t>
             </a:r>
             <a:endParaRPr b="0" lang="en-US" sz="2100" spc="-1" strike="noStrike">
               <a:solidFill>

--- a/docs/ansible-slides.pptx
+++ b/docs/ansible-slides.pptx
@@ -26,6 +26,7 @@
     <p:sldId id="273" r:id="rId21"/>
     <p:sldId id="274" r:id="rId22"/>
     <p:sldId id="275" r:id="rId23"/>
+    <p:sldId id="276" r:id="rId24"/>
   </p:sldIdLst>
   <p:sldSz cx="10080625" cy="5670550"/>
   <p:notesSz cx="7559675" cy="10691812"/>
@@ -3392,7 +3393,7 @@
           </a:bodyPr>
           <a:p>
             <a:pPr algn="r"/>
-            <a:fld id="{95DB50DA-EC3A-4735-9B2D-04E26050B72A}" type="slidenum">
+            <a:fld id="{538D9A32-D0E8-4E22-9296-B70C58808456}" type="slidenum">
               <a:rPr b="0" lang="en-US" sz="1400" spc="-1" strike="noStrike">
                 <a:solidFill>
                   <a:srgbClr val="ffffff"/>
@@ -3903,7 +3904,7 @@
           </a:bodyPr>
           <a:p>
             <a:pPr algn="r"/>
-            <a:fld id="{1516F4B2-33FA-471B-95BF-48CD238F8F1A}" type="slidenum">
+            <a:fld id="{EB144677-E7C8-45B7-B20F-80635E77BC51}" type="slidenum">
               <a:rPr b="0" lang="en-US" sz="1400" spc="-1" strike="noStrike">
                 <a:solidFill>
                   <a:srgbClr val="ffffff"/>
@@ -4063,7 +4064,7 @@
                 </a:solidFill>
                 <a:latin typeface="Arial"/>
               </a:rPr>
-              <a:t>Role Structure</a:t>
+              <a:t>Ansible Role</a:t>
             </a:r>
             <a:endParaRPr b="0" lang="en-US" sz="3300" spc="-1" strike="noStrike">
               <a:solidFill>
@@ -4116,7 +4117,7 @@
                 </a:solidFill>
                 <a:latin typeface="Arial"/>
               </a:rPr>
-              <a:t>Defaults</a:t>
+              <a:t>Create role with ansible-galaxy init</a:t>
             </a:r>
             <a:endParaRPr b="0" lang="en-US" sz="2400" spc="-1" strike="noStrike">
               <a:solidFill>
@@ -4144,7 +4145,7 @@
                 </a:solidFill>
                 <a:latin typeface="Arial"/>
               </a:rPr>
-              <a:t>Contains default values for variables</a:t>
+              <a:t>Or molecule init, discussed later</a:t>
             </a:r>
             <a:endParaRPr b="0" lang="en-US" sz="2100" spc="-1" strike="noStrike">
               <a:solidFill>
@@ -4154,6 +4155,62 @@
             </a:endParaRPr>
           </a:p>
           <a:p>
+            <a:pPr marL="432000" indent="-324000">
+              <a:spcBef>
+                <a:spcPts val="1060"/>
+              </a:spcBef>
+              <a:buClr>
+                <a:srgbClr val="77caee"/>
+              </a:buClr>
+              <a:buSzPct val="45000"/>
+              <a:buFont typeface="Wingdings" charset="2"/>
+              <a:buChar char=""/>
+            </a:pPr>
+            <a:r>
+              <a:rPr b="0" lang="en-US" sz="2400" spc="-1" strike="noStrike">
+                <a:solidFill>
+                  <a:srgbClr val="009bdd"/>
+                </a:solidFill>
+                <a:latin typeface="Arial"/>
+              </a:rPr>
+              <a:t>This creates the entire role structure</a:t>
+            </a:r>
+            <a:endParaRPr b="0" lang="en-US" sz="2400" spc="-1" strike="noStrike">
+              <a:solidFill>
+                <a:srgbClr val="009bdd"/>
+              </a:solidFill>
+              <a:latin typeface="Arial"/>
+            </a:endParaRPr>
+          </a:p>
+          <a:p>
+            <a:pPr marL="432000" indent="-324000">
+              <a:spcBef>
+                <a:spcPts val="1060"/>
+              </a:spcBef>
+              <a:buClr>
+                <a:srgbClr val="77caee"/>
+              </a:buClr>
+              <a:buSzPct val="45000"/>
+              <a:buFont typeface="Wingdings" charset="2"/>
+              <a:buChar char=""/>
+            </a:pPr>
+            <a:r>
+              <a:rPr b="0" lang="en-US" sz="2400" spc="-1" strike="noStrike">
+                <a:solidFill>
+                  <a:srgbClr val="009bdd"/>
+                </a:solidFill>
+                <a:latin typeface="Arial"/>
+              </a:rPr>
+              <a:t>Use README to document role</a:t>
+            </a:r>
+            <a:endParaRPr b="0" lang="en-US" sz="2400" spc="-1" strike="noStrike">
+              <a:solidFill>
+                <a:srgbClr val="009bdd"/>
+              </a:solidFill>
+              <a:latin typeface="Arial"/>
+            </a:endParaRPr>
+          </a:p>
+          <a:p>
             <a:pPr lvl="1" marL="864000" indent="-324000">
               <a:spcBef>
                 <a:spcPts val="850"/>
@@ -4172,7 +4229,7 @@
                 </a:solidFill>
                 <a:latin typeface="Arial"/>
               </a:rPr>
-              <a:t>Low precedence, so can be overridden</a:t>
+              <a:t>Name, Variables, Dependencies, and Example usage</a:t>
             </a:r>
             <a:endParaRPr b="0" lang="en-US" sz="2100" spc="-1" strike="noStrike">
               <a:solidFill>
@@ -4200,7 +4257,7 @@
                 </a:solidFill>
                 <a:latin typeface="Arial"/>
               </a:rPr>
-              <a:t>Use as document showing all inputs, with examples</a:t>
+              <a:t>Altered variables/output</a:t>
             </a:r>
             <a:endParaRPr b="0" lang="en-US" sz="2100" spc="-1" strike="noStrike">
               <a:solidFill>
@@ -4326,7 +4383,7 @@
                 </a:solidFill>
                 <a:latin typeface="Arial"/>
               </a:rPr>
-              <a:t>Files</a:t>
+              <a:t>Defaults</a:t>
             </a:r>
             <a:endParaRPr b="0" lang="en-US" sz="2400" spc="-1" strike="noStrike">
               <a:solidFill>
@@ -4354,7 +4411,7 @@
                 </a:solidFill>
                 <a:latin typeface="Arial"/>
               </a:rPr>
-              <a:t>Store files for this specific role</a:t>
+              <a:t>Contains default values for variables</a:t>
             </a:r>
             <a:endParaRPr b="0" lang="en-US" sz="2100" spc="-1" strike="noStrike">
               <a:solidFill>
@@ -4382,7 +4439,35 @@
                 </a:solidFill>
                 <a:latin typeface="Arial"/>
               </a:rPr>
-              <a:t>Files will be copied to remote hosts (with proper code)</a:t>
+              <a:t>Low precedence, so can be overridden</a:t>
+            </a:r>
+            <a:endParaRPr b="0" lang="en-US" sz="2100" spc="-1" strike="noStrike">
+              <a:solidFill>
+                <a:srgbClr val="009bdd"/>
+              </a:solidFill>
+              <a:latin typeface="Arial"/>
+            </a:endParaRPr>
+          </a:p>
+          <a:p>
+            <a:pPr lvl="1" marL="864000" indent="-324000">
+              <a:spcBef>
+                <a:spcPts val="850"/>
+              </a:spcBef>
+              <a:buClr>
+                <a:srgbClr val="77caee"/>
+              </a:buClr>
+              <a:buSzPct val="45000"/>
+              <a:buFont typeface="Wingdings" charset="2"/>
+              <a:buChar char=""/>
+            </a:pPr>
+            <a:r>
+              <a:rPr b="0" lang="en-US" sz="2100" spc="-1" strike="noStrike">
+                <a:solidFill>
+                  <a:srgbClr val="009bdd"/>
+                </a:solidFill>
+                <a:latin typeface="Arial"/>
+              </a:rPr>
+              <a:t>Use as document showing all inputs, with examples</a:t>
             </a:r>
             <a:endParaRPr b="0" lang="en-US" sz="2100" spc="-1" strike="noStrike">
               <a:solidFill>
@@ -4508,7 +4593,7 @@
                 </a:solidFill>
                 <a:latin typeface="Arial"/>
               </a:rPr>
-              <a:t>Tasks</a:t>
+              <a:t>Files</a:t>
             </a:r>
             <a:endParaRPr b="0" lang="en-US" sz="2400" spc="-1" strike="noStrike">
               <a:solidFill>
@@ -4536,7 +4621,7 @@
                 </a:solidFill>
                 <a:latin typeface="Arial"/>
               </a:rPr>
-              <a:t>Lists of tasks to perform on a host</a:t>
+              <a:t>Store files for this specific role</a:t>
             </a:r>
             <a:endParaRPr b="0" lang="en-US" sz="2100" spc="-1" strike="noStrike">
               <a:solidFill>
@@ -4564,121 +4649,9 @@
                 </a:solidFill>
                 <a:latin typeface="Arial"/>
               </a:rPr>
-              <a:t>Uses data from defaults and vars, and other variable sources</a:t>
+              <a:t>Files will be copied to remote hosts (with proper code)</a:t>
             </a:r>
             <a:endParaRPr b="0" lang="en-US" sz="2100" spc="-1" strike="noStrike">
-              <a:solidFill>
-                <a:srgbClr val="009bdd"/>
-              </a:solidFill>
-              <a:latin typeface="Arial"/>
-            </a:endParaRPr>
-          </a:p>
-          <a:p>
-            <a:pPr lvl="1" marL="864000" indent="-324000">
-              <a:spcBef>
-                <a:spcPts val="850"/>
-              </a:spcBef>
-              <a:buClr>
-                <a:srgbClr val="77caee"/>
-              </a:buClr>
-              <a:buSzPct val="45000"/>
-              <a:buFont typeface="Wingdings" charset="2"/>
-              <a:buChar char=""/>
-            </a:pPr>
-            <a:r>
-              <a:rPr b="0" lang="en-US" sz="2100" spc="-1" strike="noStrike">
-                <a:solidFill>
-                  <a:srgbClr val="009bdd"/>
-                </a:solidFill>
-                <a:latin typeface="Arial"/>
-              </a:rPr>
-              <a:t>Set of steps processed in order</a:t>
-            </a:r>
-            <a:endParaRPr b="0" lang="en-US" sz="2100" spc="-1" strike="noStrike">
-              <a:solidFill>
-                <a:srgbClr val="009bdd"/>
-              </a:solidFill>
-              <a:latin typeface="Arial"/>
-            </a:endParaRPr>
-          </a:p>
-          <a:p>
-            <a:pPr lvl="1" marL="864000" indent="-324000">
-              <a:spcBef>
-                <a:spcPts val="850"/>
-              </a:spcBef>
-              <a:buClr>
-                <a:srgbClr val="77caee"/>
-              </a:buClr>
-              <a:buSzPct val="45000"/>
-              <a:buFont typeface="Wingdings" charset="2"/>
-              <a:buChar char=""/>
-            </a:pPr>
-            <a:r>
-              <a:rPr b="0" lang="en-US" sz="2100" spc="-1" strike="noStrike">
-                <a:solidFill>
-                  <a:srgbClr val="009bdd"/>
-                </a:solidFill>
-                <a:latin typeface="Arial"/>
-              </a:rPr>
-              <a:t>Can use conditionals to perform steps under specific circumstances</a:t>
-            </a:r>
-            <a:endParaRPr b="0" lang="en-US" sz="2100" spc="-1" strike="noStrike">
-              <a:solidFill>
-                <a:srgbClr val="009bdd"/>
-              </a:solidFill>
-              <a:latin typeface="Arial"/>
-            </a:endParaRPr>
-          </a:p>
-          <a:p>
-            <a:pPr lvl="2" marL="1296000" indent="-288000">
-              <a:spcBef>
-                <a:spcPts val="635"/>
-              </a:spcBef>
-              <a:buClr>
-                <a:srgbClr val="77caee"/>
-              </a:buClr>
-              <a:buSzPct val="45000"/>
-              <a:buFont typeface="Wingdings" charset="2"/>
-              <a:buChar char=""/>
-            </a:pPr>
-            <a:r>
-              <a:rPr b="0" lang="en-US" sz="1800" spc="-1" strike="noStrike">
-                <a:solidFill>
-                  <a:srgbClr val="009bdd"/>
-                </a:solidFill>
-                <a:latin typeface="Arial"/>
-              </a:rPr>
-              <a:t>enable/disable features</a:t>
-            </a:r>
-            <a:endParaRPr b="0" lang="en-US" sz="1800" spc="-1" strike="noStrike">
-              <a:solidFill>
-                <a:srgbClr val="009bdd"/>
-              </a:solidFill>
-              <a:latin typeface="Arial"/>
-            </a:endParaRPr>
-          </a:p>
-          <a:p>
-            <a:pPr lvl="2" marL="1296000" indent="-288000">
-              <a:spcBef>
-                <a:spcPts val="635"/>
-              </a:spcBef>
-              <a:buClr>
-                <a:srgbClr val="77caee"/>
-              </a:buClr>
-              <a:buSzPct val="45000"/>
-              <a:buFont typeface="Wingdings" charset="2"/>
-              <a:buChar char=""/>
-            </a:pPr>
-            <a:r>
-              <a:rPr b="0" lang="en-US" sz="1800" spc="-1" strike="noStrike">
-                <a:solidFill>
-                  <a:srgbClr val="009bdd"/>
-                </a:solidFill>
-                <a:latin typeface="Arial"/>
-              </a:rPr>
-              <a:t>Use different packages for different distributions</a:t>
-            </a:r>
-            <a:endParaRPr b="0" lang="en-US" sz="1800" spc="-1" strike="noStrike">
               <a:solidFill>
                 <a:srgbClr val="009bdd"/>
               </a:solidFill>
@@ -4802,7 +4775,7 @@
                 </a:solidFill>
                 <a:latin typeface="Arial"/>
               </a:rPr>
-              <a:t>Templates</a:t>
+              <a:t>Tasks</a:t>
             </a:r>
             <a:endParaRPr b="0" lang="en-US" sz="2400" spc="-1" strike="noStrike">
               <a:solidFill>
@@ -4830,7 +4803,7 @@
                 </a:solidFill>
                 <a:latin typeface="Arial"/>
               </a:rPr>
-              <a:t>Updating files with variable substitution</a:t>
+              <a:t>Lists of tasks to perform on a host</a:t>
             </a:r>
             <a:endParaRPr b="0" lang="en-US" sz="2100" spc="-1" strike="noStrike">
               <a:solidFill>
@@ -4858,9 +4831,121 @@
                 </a:solidFill>
                 <a:latin typeface="Arial"/>
               </a:rPr>
-              <a:t>Uses jinja2 templating</a:t>
+              <a:t>Uses data from defaults and vars, and other variable sources</a:t>
             </a:r>
             <a:endParaRPr b="0" lang="en-US" sz="2100" spc="-1" strike="noStrike">
+              <a:solidFill>
+                <a:srgbClr val="009bdd"/>
+              </a:solidFill>
+              <a:latin typeface="Arial"/>
+            </a:endParaRPr>
+          </a:p>
+          <a:p>
+            <a:pPr lvl="1" marL="864000" indent="-324000">
+              <a:spcBef>
+                <a:spcPts val="850"/>
+              </a:spcBef>
+              <a:buClr>
+                <a:srgbClr val="77caee"/>
+              </a:buClr>
+              <a:buSzPct val="45000"/>
+              <a:buFont typeface="Wingdings" charset="2"/>
+              <a:buChar char=""/>
+            </a:pPr>
+            <a:r>
+              <a:rPr b="0" lang="en-US" sz="2100" spc="-1" strike="noStrike">
+                <a:solidFill>
+                  <a:srgbClr val="009bdd"/>
+                </a:solidFill>
+                <a:latin typeface="Arial"/>
+              </a:rPr>
+              <a:t>Set of steps processed in order</a:t>
+            </a:r>
+            <a:endParaRPr b="0" lang="en-US" sz="2100" spc="-1" strike="noStrike">
+              <a:solidFill>
+                <a:srgbClr val="009bdd"/>
+              </a:solidFill>
+              <a:latin typeface="Arial"/>
+            </a:endParaRPr>
+          </a:p>
+          <a:p>
+            <a:pPr lvl="1" marL="864000" indent="-324000">
+              <a:spcBef>
+                <a:spcPts val="850"/>
+              </a:spcBef>
+              <a:buClr>
+                <a:srgbClr val="77caee"/>
+              </a:buClr>
+              <a:buSzPct val="45000"/>
+              <a:buFont typeface="Wingdings" charset="2"/>
+              <a:buChar char=""/>
+            </a:pPr>
+            <a:r>
+              <a:rPr b="0" lang="en-US" sz="2100" spc="-1" strike="noStrike">
+                <a:solidFill>
+                  <a:srgbClr val="009bdd"/>
+                </a:solidFill>
+                <a:latin typeface="Arial"/>
+              </a:rPr>
+              <a:t>Can use conditionals to perform steps under specific circumstances</a:t>
+            </a:r>
+            <a:endParaRPr b="0" lang="en-US" sz="2100" spc="-1" strike="noStrike">
+              <a:solidFill>
+                <a:srgbClr val="009bdd"/>
+              </a:solidFill>
+              <a:latin typeface="Arial"/>
+            </a:endParaRPr>
+          </a:p>
+          <a:p>
+            <a:pPr lvl="2" marL="1296000" indent="-288000">
+              <a:spcBef>
+                <a:spcPts val="635"/>
+              </a:spcBef>
+              <a:buClr>
+                <a:srgbClr val="77caee"/>
+              </a:buClr>
+              <a:buSzPct val="45000"/>
+              <a:buFont typeface="Wingdings" charset="2"/>
+              <a:buChar char=""/>
+            </a:pPr>
+            <a:r>
+              <a:rPr b="0" lang="en-US" sz="1800" spc="-1" strike="noStrike">
+                <a:solidFill>
+                  <a:srgbClr val="009bdd"/>
+                </a:solidFill>
+                <a:latin typeface="Arial"/>
+              </a:rPr>
+              <a:t>enable/disable features</a:t>
+            </a:r>
+            <a:endParaRPr b="0" lang="en-US" sz="1800" spc="-1" strike="noStrike">
+              <a:solidFill>
+                <a:srgbClr val="009bdd"/>
+              </a:solidFill>
+              <a:latin typeface="Arial"/>
+            </a:endParaRPr>
+          </a:p>
+          <a:p>
+            <a:pPr lvl="2" marL="1296000" indent="-288000">
+              <a:spcBef>
+                <a:spcPts val="635"/>
+              </a:spcBef>
+              <a:buClr>
+                <a:srgbClr val="77caee"/>
+              </a:buClr>
+              <a:buSzPct val="45000"/>
+              <a:buFont typeface="Wingdings" charset="2"/>
+              <a:buChar char=""/>
+            </a:pPr>
+            <a:r>
+              <a:rPr b="0" lang="en-US" sz="1800" spc="-1" strike="noStrike">
+                <a:solidFill>
+                  <a:srgbClr val="009bdd"/>
+                </a:solidFill>
+                <a:latin typeface="Arial"/>
+              </a:rPr>
+              <a:t>Use different packages for different distributions</a:t>
+            </a:r>
+            <a:endParaRPr b="0" lang="en-US" sz="1800" spc="-1" strike="noStrike">
               <a:solidFill>
                 <a:srgbClr val="009bdd"/>
               </a:solidFill>
@@ -4984,7 +5069,7 @@
                 </a:solidFill>
                 <a:latin typeface="Arial"/>
               </a:rPr>
-              <a:t>Template Example</a:t>
+              <a:t>Templates</a:t>
             </a:r>
             <a:endParaRPr b="0" lang="en-US" sz="2400" spc="-1" strike="noStrike">
               <a:solidFill>
@@ -4994,139 +5079,55 @@
             </a:endParaRPr>
           </a:p>
           <a:p>
-            <a:pPr marL="432000" indent="-324000">
-              <a:spcBef>
-                <a:spcPts val="1060"/>
-              </a:spcBef>
-              <a:buClr>
-                <a:srgbClr val="77caee"/>
-              </a:buClr>
-              <a:buSzPct val="45000"/>
-              <a:buFont typeface="Wingdings" charset="2"/>
-              <a:buChar char=""/>
-            </a:pPr>
-            <a:r>
-              <a:rPr b="0" lang="en-US" sz="2400" spc="-1" strike="noStrike">
-                <a:solidFill>
-                  <a:srgbClr val="009bdd"/>
-                </a:solidFill>
-                <a:latin typeface="Arial"/>
-              </a:rPr>
-              <a:t># Mysql my.cnf file</a:t>
-            </a:r>
-            <a:endParaRPr b="0" lang="en-US" sz="2400" spc="-1" strike="noStrike">
-              <a:solidFill>
-                <a:srgbClr val="009bdd"/>
-              </a:solidFill>
-              <a:latin typeface="Arial"/>
-            </a:endParaRPr>
-          </a:p>
-          <a:p>
-            <a:pPr marL="432000" indent="-324000">
-              <a:spcBef>
-                <a:spcPts val="1060"/>
-              </a:spcBef>
-              <a:buClr>
-                <a:srgbClr val="77caee"/>
-              </a:buClr>
-              <a:buSzPct val="45000"/>
-              <a:buFont typeface="Wingdings" charset="2"/>
-              <a:buChar char=""/>
-            </a:pPr>
-            <a:r>
-              <a:rPr b="0" lang="en-US" sz="2400" spc="-1" strike="noStrike">
-                <a:solidFill>
-                  <a:srgbClr val="009bdd"/>
-                </a:solidFill>
-                <a:latin typeface="Arial"/>
-              </a:rPr>
-              <a:t>[mysql]</a:t>
-            </a:r>
-            <a:endParaRPr b="0" lang="en-US" sz="2400" spc="-1" strike="noStrike">
-              <a:solidFill>
-                <a:srgbClr val="009bdd"/>
-              </a:solidFill>
-              <a:latin typeface="Arial"/>
-            </a:endParaRPr>
-          </a:p>
-          <a:p>
-            <a:pPr marL="432000" indent="-324000">
-              <a:spcBef>
-                <a:spcPts val="1060"/>
-              </a:spcBef>
-              <a:buClr>
-                <a:srgbClr val="77caee"/>
-              </a:buClr>
-              <a:buSzPct val="45000"/>
-              <a:buFont typeface="Wingdings" charset="2"/>
-              <a:buChar char=""/>
-            </a:pPr>
-            <a:r>
-              <a:rPr b="0" lang="en-US" sz="2400" spc="-1" strike="noStrike">
-                <a:solidFill>
-                  <a:srgbClr val="009bdd"/>
-                </a:solidFill>
-                <a:latin typeface="Arial"/>
-              </a:rPr>
-              <a:t>user = root</a:t>
-            </a:r>
-            <a:endParaRPr b="0" lang="en-US" sz="2400" spc="-1" strike="noStrike">
-              <a:solidFill>
-                <a:srgbClr val="009bdd"/>
-              </a:solidFill>
-              <a:latin typeface="Arial"/>
-            </a:endParaRPr>
-          </a:p>
-          <a:p>
-            <a:pPr marL="432000" indent="-324000">
-              <a:spcBef>
-                <a:spcPts val="1060"/>
-              </a:spcBef>
-              <a:buClr>
-                <a:srgbClr val="77caee"/>
-              </a:buClr>
-              <a:buSzPct val="45000"/>
-              <a:buFont typeface="Wingdings" charset="2"/>
-              <a:buChar char=""/>
-            </a:pPr>
-            <a:r>
-              <a:rPr b="0" lang="en-US" sz="2400" spc="-1" strike="noStrike">
-                <a:solidFill>
-                  <a:srgbClr val="009bdd"/>
-                </a:solidFill>
-                <a:latin typeface="Arial"/>
-              </a:rPr>
-              <a:t>password = {{ mysql_pass }}</a:t>
-            </a:r>
-            <a:endParaRPr b="0" lang="en-US" sz="2400" spc="-1" strike="noStrike">
-              <a:solidFill>
-                <a:srgbClr val="009bdd"/>
-              </a:solidFill>
-              <a:latin typeface="Arial"/>
-            </a:endParaRPr>
-          </a:p>
-          <a:p>
-            <a:pPr marL="432000" indent="-324000">
-              <a:spcBef>
-                <a:spcPts val="1060"/>
-              </a:spcBef>
-              <a:buClr>
-                <a:srgbClr val="77caee"/>
-              </a:buClr>
-              <a:buSzPct val="45000"/>
-              <a:buFont typeface="Wingdings" charset="2"/>
-              <a:buChar char=""/>
-            </a:pPr>
-            <a:r>
-              <a:rPr b="0" lang="en-US" sz="2400" spc="-1" strike="noStrike">
-                <a:solidFill>
-                  <a:srgbClr val="009bdd"/>
-                </a:solidFill>
-                <a:latin typeface="Arial"/>
-              </a:rPr>
-              <a:t>{{ mysql_pass }} will be replaced with value of mysql_pass</a:t>
-            </a:r>
-            <a:endParaRPr b="0" lang="en-US" sz="2400" spc="-1" strike="noStrike">
+            <a:pPr lvl="1" marL="864000" indent="-324000">
+              <a:spcBef>
+                <a:spcPts val="850"/>
+              </a:spcBef>
+              <a:buClr>
+                <a:srgbClr val="77caee"/>
+              </a:buClr>
+              <a:buSzPct val="45000"/>
+              <a:buFont typeface="Wingdings" charset="2"/>
+              <a:buChar char=""/>
+            </a:pPr>
+            <a:r>
+              <a:rPr b="0" lang="en-US" sz="2100" spc="-1" strike="noStrike">
+                <a:solidFill>
+                  <a:srgbClr val="009bdd"/>
+                </a:solidFill>
+                <a:latin typeface="Arial"/>
+              </a:rPr>
+              <a:t>Updating files with variable substitution</a:t>
+            </a:r>
+            <a:endParaRPr b="0" lang="en-US" sz="2100" spc="-1" strike="noStrike">
+              <a:solidFill>
+                <a:srgbClr val="009bdd"/>
+              </a:solidFill>
+              <a:latin typeface="Arial"/>
+            </a:endParaRPr>
+          </a:p>
+          <a:p>
+            <a:pPr lvl="1" marL="864000" indent="-324000">
+              <a:spcBef>
+                <a:spcPts val="850"/>
+              </a:spcBef>
+              <a:buClr>
+                <a:srgbClr val="77caee"/>
+              </a:buClr>
+              <a:buSzPct val="45000"/>
+              <a:buFont typeface="Wingdings" charset="2"/>
+              <a:buChar char=""/>
+            </a:pPr>
+            <a:r>
+              <a:rPr b="0" lang="en-US" sz="2100" spc="-1" strike="noStrike">
+                <a:solidFill>
+                  <a:srgbClr val="009bdd"/>
+                </a:solidFill>
+                <a:latin typeface="Arial"/>
+              </a:rPr>
+              <a:t>Uses jinja2 templating</a:t>
+            </a:r>
+            <a:endParaRPr b="0" lang="en-US" sz="2100" spc="-1" strike="noStrike">
               <a:solidFill>
                 <a:srgbClr val="009bdd"/>
               </a:solidFill>
@@ -5197,7 +5198,7 @@
                 </a:solidFill>
                 <a:latin typeface="Arial"/>
               </a:rPr>
-              <a:t>Pitfalls</a:t>
+              <a:t>Role Structure</a:t>
             </a:r>
             <a:endParaRPr b="0" lang="en-US" sz="3300" spc="-1" strike="noStrike">
               <a:solidFill>
@@ -5250,7 +5251,7 @@
                 </a:solidFill>
                 <a:latin typeface="Arial"/>
               </a:rPr>
-              <a:t>Global variables</a:t>
+              <a:t>Template Example</a:t>
             </a:r>
             <a:endParaRPr b="0" lang="en-US" sz="2400" spc="-1" strike="noStrike">
               <a:solidFill>
@@ -5278,7 +5279,7 @@
                 </a:solidFill>
                 <a:latin typeface="Arial"/>
               </a:rPr>
-              <a:t>Hard to change values</a:t>
+              <a:t># Mysql my.cnf file</a:t>
             </a:r>
             <a:endParaRPr b="0" lang="en-US" sz="2400" spc="-1" strike="noStrike">
               <a:solidFill>
@@ -5288,34 +5289,6 @@
             </a:endParaRPr>
           </a:p>
           <a:p>
-            <a:pPr lvl="1" marL="864000" indent="-324000">
-              <a:spcBef>
-                <a:spcPts val="850"/>
-              </a:spcBef>
-              <a:buClr>
-                <a:srgbClr val="77caee"/>
-              </a:buClr>
-              <a:buSzPct val="45000"/>
-              <a:buFont typeface="Wingdings" charset="2"/>
-              <a:buChar char=""/>
-            </a:pPr>
-            <a:r>
-              <a:rPr b="0" lang="en-US" sz="2100" spc="-1" strike="noStrike">
-                <a:solidFill>
-                  <a:srgbClr val="009bdd"/>
-                </a:solidFill>
-                <a:latin typeface="Arial"/>
-              </a:rPr>
-              <a:t>Create new variables</a:t>
-            </a:r>
-            <a:endParaRPr b="0" lang="en-US" sz="2100" spc="-1" strike="noStrike">
-              <a:solidFill>
-                <a:srgbClr val="009bdd"/>
-              </a:solidFill>
-              <a:latin typeface="Arial"/>
-            </a:endParaRPr>
-          </a:p>
-          <a:p>
             <a:pPr marL="432000" indent="-324000">
               <a:spcBef>
                 <a:spcPts val="1060"/>
@@ -5334,7 +5307,7 @@
                 </a:solidFill>
                 <a:latin typeface="Arial"/>
               </a:rPr>
-              <a:t>Name conflicts</a:t>
+              <a:t>[mysql]</a:t>
             </a:r>
             <a:endParaRPr b="0" lang="en-US" sz="2400" spc="-1" strike="noStrike">
               <a:solidFill>
@@ -5362,7 +5335,7 @@
                 </a:solidFill>
                 <a:latin typeface="Arial"/>
               </a:rPr>
-              <a:t>Variables aren’t typed</a:t>
+              <a:t>user = root</a:t>
             </a:r>
             <a:endParaRPr b="0" lang="en-US" sz="2400" spc="-1" strike="noStrike">
               <a:solidFill>
@@ -5390,7 +5363,7 @@
                 </a:solidFill>
                 <a:latin typeface="Arial"/>
               </a:rPr>
-              <a:t>Variable precedence</a:t>
+              <a:t>password = {{ mysql_pass }}</a:t>
             </a:r>
             <a:endParaRPr b="0" lang="en-US" sz="2400" spc="-1" strike="noStrike">
               <a:solidFill>
@@ -5418,7 +5391,7 @@
                 </a:solidFill>
                 <a:latin typeface="Arial"/>
               </a:rPr>
-              <a:t>Everything is permitted</a:t>
+              <a:t>{{ mysql_pass }} will be replaced with value of mysql_pass</a:t>
             </a:r>
             <a:endParaRPr b="0" lang="en-US" sz="2400" spc="-1" strike="noStrike">
               <a:solidFill>
@@ -5491,7 +5464,7 @@
                 </a:solidFill>
                 <a:latin typeface="Arial"/>
               </a:rPr>
-              <a:t>Molecule</a:t>
+              <a:t>Pitfalls</a:t>
             </a:r>
             <a:endParaRPr b="0" lang="en-US" sz="3300" spc="-1" strike="noStrike">
               <a:solidFill>
@@ -5544,7 +5517,7 @@
                 </a:solidFill>
                 <a:latin typeface="Arial"/>
               </a:rPr>
-              <a:t>Created by Cisco</a:t>
+              <a:t>Global variables</a:t>
             </a:r>
             <a:endParaRPr b="0" lang="en-US" sz="2400" spc="-1" strike="noStrike">
               <a:solidFill>
@@ -5572,7 +5545,7 @@
                 </a:solidFill>
                 <a:latin typeface="Arial"/>
               </a:rPr>
-              <a:t>Donated to Red Hat Ansible project in 2019</a:t>
+              <a:t>Hard to change values</a:t>
             </a:r>
             <a:endParaRPr b="0" lang="en-US" sz="2400" spc="-1" strike="noStrike">
               <a:solidFill>
@@ -5582,6 +5555,34 @@
             </a:endParaRPr>
           </a:p>
           <a:p>
+            <a:pPr lvl="1" marL="864000" indent="-324000">
+              <a:spcBef>
+                <a:spcPts val="850"/>
+              </a:spcBef>
+              <a:buClr>
+                <a:srgbClr val="77caee"/>
+              </a:buClr>
+              <a:buSzPct val="45000"/>
+              <a:buFont typeface="Wingdings" charset="2"/>
+              <a:buChar char=""/>
+            </a:pPr>
+            <a:r>
+              <a:rPr b="0" lang="en-US" sz="2100" spc="-1" strike="noStrike">
+                <a:solidFill>
+                  <a:srgbClr val="009bdd"/>
+                </a:solidFill>
+                <a:latin typeface="Arial"/>
+              </a:rPr>
+              <a:t>Create new variables</a:t>
+            </a:r>
+            <a:endParaRPr b="0" lang="en-US" sz="2100" spc="-1" strike="noStrike">
+              <a:solidFill>
+                <a:srgbClr val="009bdd"/>
+              </a:solidFill>
+              <a:latin typeface="Arial"/>
+            </a:endParaRPr>
+          </a:p>
+          <a:p>
             <a:pPr marL="432000" indent="-324000">
               <a:spcBef>
                 <a:spcPts val="1060"/>
@@ -5600,7 +5601,7 @@
                 </a:solidFill>
                 <a:latin typeface="Arial"/>
               </a:rPr>
-              <a:t>Used to test your roles</a:t>
+              <a:t>Name conflicts</a:t>
             </a:r>
             <a:endParaRPr b="0" lang="en-US" sz="2400" spc="-1" strike="noStrike">
               <a:solidFill>
@@ -5628,7 +5629,7 @@
                 </a:solidFill>
                 <a:latin typeface="Arial"/>
               </a:rPr>
-              <a:t>Uses galaxy to create roles</a:t>
+              <a:t>Variables aren’t typed</a:t>
             </a:r>
             <a:endParaRPr b="0" lang="en-US" sz="2400" spc="-1" strike="noStrike">
               <a:solidFill>
@@ -5638,55 +5639,55 @@
             </a:endParaRPr>
           </a:p>
           <a:p>
-            <a:pPr lvl="1" marL="864000" indent="-324000">
-              <a:spcBef>
-                <a:spcPts val="850"/>
-              </a:spcBef>
-              <a:buClr>
-                <a:srgbClr val="77caee"/>
-              </a:buClr>
-              <a:buSzPct val="45000"/>
-              <a:buFont typeface="Wingdings" charset="2"/>
-              <a:buChar char=""/>
-            </a:pPr>
-            <a:r>
-              <a:rPr b="0" lang="en-US" sz="2100" spc="-1" strike="noStrike">
-                <a:solidFill>
-                  <a:srgbClr val="009bdd"/>
-                </a:solidFill>
-                <a:latin typeface="Arial"/>
-              </a:rPr>
-              <a:t> </a:t>
-            </a:r>
-            <a:endParaRPr b="0" lang="en-US" sz="2100" spc="-1" strike="noStrike">
-              <a:solidFill>
-                <a:srgbClr val="009bdd"/>
-              </a:solidFill>
-              <a:latin typeface="Arial"/>
-            </a:endParaRPr>
-          </a:p>
-          <a:p>
-            <a:pPr lvl="1" marL="864000" indent="-324000">
-              <a:spcBef>
-                <a:spcPts val="850"/>
-              </a:spcBef>
-              <a:buClr>
-                <a:srgbClr val="77caee"/>
-              </a:buClr>
-              <a:buSzPct val="45000"/>
-              <a:buFont typeface="Wingdings" charset="2"/>
-              <a:buChar char=""/>
-            </a:pPr>
-            <a:r>
-              <a:rPr b="0" lang="en-US" sz="2100" spc="-1" strike="noStrike">
-                <a:solidFill>
-                  <a:srgbClr val="009bdd"/>
-                </a:solidFill>
-                <a:latin typeface="Arial"/>
-              </a:rPr>
-              <a:t> </a:t>
-            </a:r>
-            <a:endParaRPr b="0" lang="en-US" sz="2100" spc="-1" strike="noStrike">
+            <a:pPr marL="432000" indent="-324000">
+              <a:spcBef>
+                <a:spcPts val="1060"/>
+              </a:spcBef>
+              <a:buClr>
+                <a:srgbClr val="77caee"/>
+              </a:buClr>
+              <a:buSzPct val="45000"/>
+              <a:buFont typeface="Wingdings" charset="2"/>
+              <a:buChar char=""/>
+            </a:pPr>
+            <a:r>
+              <a:rPr b="0" lang="en-US" sz="2400" spc="-1" strike="noStrike">
+                <a:solidFill>
+                  <a:srgbClr val="009bdd"/>
+                </a:solidFill>
+                <a:latin typeface="Arial"/>
+              </a:rPr>
+              <a:t>Variable precedence</a:t>
+            </a:r>
+            <a:endParaRPr b="0" lang="en-US" sz="2400" spc="-1" strike="noStrike">
+              <a:solidFill>
+                <a:srgbClr val="009bdd"/>
+              </a:solidFill>
+              <a:latin typeface="Arial"/>
+            </a:endParaRPr>
+          </a:p>
+          <a:p>
+            <a:pPr marL="432000" indent="-324000">
+              <a:spcBef>
+                <a:spcPts val="1060"/>
+              </a:spcBef>
+              <a:buClr>
+                <a:srgbClr val="77caee"/>
+              </a:buClr>
+              <a:buSzPct val="45000"/>
+              <a:buFont typeface="Wingdings" charset="2"/>
+              <a:buChar char=""/>
+            </a:pPr>
+            <a:r>
+              <a:rPr b="0" lang="en-US" sz="2400" spc="-1" strike="noStrike">
+                <a:solidFill>
+                  <a:srgbClr val="009bdd"/>
+                </a:solidFill>
+                <a:latin typeface="Arial"/>
+              </a:rPr>
+              <a:t>Everything is permitted</a:t>
+            </a:r>
+            <a:endParaRPr b="0" lang="en-US" sz="2400" spc="-1" strike="noStrike">
               <a:solidFill>
                 <a:srgbClr val="009bdd"/>
               </a:solidFill>
@@ -5810,7 +5811,7 @@
                 </a:solidFill>
                 <a:latin typeface="Arial"/>
               </a:rPr>
-              <a:t>molecule init role user.example -d docker</a:t>
+              <a:t>Created by Cisco</a:t>
             </a:r>
             <a:endParaRPr b="0" lang="en-US" sz="2400" spc="-1" strike="noStrike">
               <a:solidFill>
@@ -5820,6 +5821,90 @@
             </a:endParaRPr>
           </a:p>
           <a:p>
+            <a:pPr marL="432000" indent="-324000">
+              <a:spcBef>
+                <a:spcPts val="1060"/>
+              </a:spcBef>
+              <a:buClr>
+                <a:srgbClr val="77caee"/>
+              </a:buClr>
+              <a:buSzPct val="45000"/>
+              <a:buFont typeface="Wingdings" charset="2"/>
+              <a:buChar char=""/>
+            </a:pPr>
+            <a:r>
+              <a:rPr b="0" lang="en-US" sz="2400" spc="-1" strike="noStrike">
+                <a:solidFill>
+                  <a:srgbClr val="009bdd"/>
+                </a:solidFill>
+                <a:latin typeface="Arial"/>
+              </a:rPr>
+              <a:t>Donated to Red Hat Ansible project in 2019</a:t>
+            </a:r>
+            <a:endParaRPr b="0" lang="en-US" sz="2400" spc="-1" strike="noStrike">
+              <a:solidFill>
+                <a:srgbClr val="009bdd"/>
+              </a:solidFill>
+              <a:latin typeface="Arial"/>
+            </a:endParaRPr>
+          </a:p>
+          <a:p>
+            <a:pPr marL="432000" indent="-324000">
+              <a:spcBef>
+                <a:spcPts val="1060"/>
+              </a:spcBef>
+              <a:buClr>
+                <a:srgbClr val="77caee"/>
+              </a:buClr>
+              <a:buSzPct val="45000"/>
+              <a:buFont typeface="Wingdings" charset="2"/>
+              <a:buChar char=""/>
+            </a:pPr>
+            <a:r>
+              <a:rPr b="0" lang="en-US" sz="2400" spc="-1" strike="noStrike">
+                <a:solidFill>
+                  <a:srgbClr val="009bdd"/>
+                </a:solidFill>
+                <a:latin typeface="Arial"/>
+              </a:rPr>
+              <a:t>Used to test your roles</a:t>
+            </a:r>
+            <a:endParaRPr b="0" lang="en-US" sz="2400" spc="-1" strike="noStrike">
+              <a:solidFill>
+                <a:srgbClr val="009bdd"/>
+              </a:solidFill>
+              <a:latin typeface="Arial"/>
+            </a:endParaRPr>
+          </a:p>
+          <a:p>
+            <a:pPr marL="432000" indent="-324000">
+              <a:spcBef>
+                <a:spcPts val="1060"/>
+              </a:spcBef>
+              <a:buClr>
+                <a:srgbClr val="77caee"/>
+              </a:buClr>
+              <a:buSzPct val="45000"/>
+              <a:buFont typeface="Wingdings" charset="2"/>
+              <a:buChar char=""/>
+            </a:pPr>
+            <a:r>
+              <a:rPr b="0" lang="en-US" sz="2400" spc="-1" strike="noStrike">
+                <a:solidFill>
+                  <a:srgbClr val="009bdd"/>
+                </a:solidFill>
+                <a:latin typeface="Arial"/>
+              </a:rPr>
+              <a:t>Uses ansible-galaxy to create roles</a:t>
+            </a:r>
+            <a:endParaRPr b="0" lang="en-US" sz="2400" spc="-1" strike="noStrike">
+              <a:solidFill>
+                <a:srgbClr val="009bdd"/>
+              </a:solidFill>
+              <a:latin typeface="Arial"/>
+            </a:endParaRPr>
+          </a:p>
+          <a:p>
             <a:pPr lvl="1" marL="864000" indent="-324000">
               <a:spcBef>
                 <a:spcPts val="850"/>
@@ -5831,183 +5916,6 @@
               <a:buFont typeface="Wingdings" charset="2"/>
               <a:buChar char=""/>
             </a:pPr>
-            <a:r>
-              <a:rPr b="0" lang="en-US" sz="2100" spc="-1" strike="noStrike">
-                <a:solidFill>
-                  <a:srgbClr val="009bdd"/>
-                </a:solidFill>
-                <a:latin typeface="Arial"/>
-              </a:rPr>
-              <a:t>molecule init scenario -r &lt;current role&gt; -d docker</a:t>
-            </a:r>
-            <a:endParaRPr b="0" lang="en-US" sz="2100" spc="-1" strike="noStrike">
-              <a:solidFill>
-                <a:srgbClr val="009bdd"/>
-              </a:solidFill>
-              <a:latin typeface="Arial"/>
-            </a:endParaRPr>
-          </a:p>
-          <a:p>
-            <a:pPr marL="432000" indent="-324000">
-              <a:spcBef>
-                <a:spcPts val="1060"/>
-              </a:spcBef>
-              <a:buClr>
-                <a:srgbClr val="77caee"/>
-              </a:buClr>
-              <a:buSzPct val="45000"/>
-              <a:buFont typeface="Wingdings" charset="2"/>
-              <a:buChar char=""/>
-            </a:pPr>
-            <a:r>
-              <a:rPr b="0" lang="en-US" sz="2400" spc="-1" strike="noStrike">
-                <a:solidFill>
-                  <a:srgbClr val="009bdd"/>
-                </a:solidFill>
-                <a:latin typeface="Arial"/>
-              </a:rPr>
-              <a:t>molecule converge</a:t>
-            </a:r>
-            <a:endParaRPr b="0" lang="en-US" sz="2400" spc="-1" strike="noStrike">
-              <a:solidFill>
-                <a:srgbClr val="009bdd"/>
-              </a:solidFill>
-              <a:latin typeface="Arial"/>
-            </a:endParaRPr>
-          </a:p>
-          <a:p>
-            <a:pPr lvl="1" marL="864000" indent="-324000">
-              <a:spcBef>
-                <a:spcPts val="850"/>
-              </a:spcBef>
-              <a:buClr>
-                <a:srgbClr val="77caee"/>
-              </a:buClr>
-              <a:buSzPct val="45000"/>
-              <a:buFont typeface="Wingdings" charset="2"/>
-              <a:buChar char=""/>
-            </a:pPr>
-            <a:r>
-              <a:rPr b="0" lang="en-US" sz="2100" spc="-1" strike="noStrike">
-                <a:solidFill>
-                  <a:srgbClr val="009bdd"/>
-                </a:solidFill>
-                <a:latin typeface="Arial"/>
-              </a:rPr>
-              <a:t>Work on the role</a:t>
-            </a:r>
-            <a:endParaRPr b="0" lang="en-US" sz="2100" spc="-1" strike="noStrike">
-              <a:solidFill>
-                <a:srgbClr val="009bdd"/>
-              </a:solidFill>
-              <a:latin typeface="Arial"/>
-            </a:endParaRPr>
-          </a:p>
-          <a:p>
-            <a:pPr marL="432000" indent="-324000">
-              <a:spcBef>
-                <a:spcPts val="1060"/>
-              </a:spcBef>
-              <a:buClr>
-                <a:srgbClr val="77caee"/>
-              </a:buClr>
-              <a:buSzPct val="45000"/>
-              <a:buFont typeface="Wingdings" charset="2"/>
-              <a:buChar char=""/>
-            </a:pPr>
-            <a:r>
-              <a:rPr b="0" lang="en-US" sz="2400" spc="-1" strike="noStrike">
-                <a:solidFill>
-                  <a:srgbClr val="009bdd"/>
-                </a:solidFill>
-                <a:latin typeface="Arial"/>
-              </a:rPr>
-              <a:t>molecule converge</a:t>
-            </a:r>
-            <a:endParaRPr b="0" lang="en-US" sz="2400" spc="-1" strike="noStrike">
-              <a:solidFill>
-                <a:srgbClr val="009bdd"/>
-              </a:solidFill>
-              <a:latin typeface="Arial"/>
-            </a:endParaRPr>
-          </a:p>
-          <a:p>
-            <a:pPr lvl="1" marL="864000" indent="-324000">
-              <a:spcBef>
-                <a:spcPts val="850"/>
-              </a:spcBef>
-              <a:buClr>
-                <a:srgbClr val="77caee"/>
-              </a:buClr>
-              <a:buSzPct val="45000"/>
-              <a:buFont typeface="Wingdings" charset="2"/>
-              <a:buChar char=""/>
-            </a:pPr>
-            <a:r>
-              <a:rPr b="0" lang="en-US" sz="2100" spc="-1" strike="noStrike">
-                <a:solidFill>
-                  <a:srgbClr val="009bdd"/>
-                </a:solidFill>
-                <a:latin typeface="Arial"/>
-              </a:rPr>
-              <a:t>molecule converge again, make sure ansible doesn’t report changes</a:t>
-            </a:r>
-            <a:endParaRPr b="0" lang="en-US" sz="2100" spc="-1" strike="noStrike">
-              <a:solidFill>
-                <a:srgbClr val="009bdd"/>
-              </a:solidFill>
-              <a:latin typeface="Arial"/>
-            </a:endParaRPr>
-          </a:p>
-          <a:p>
-            <a:pPr marL="432000" indent="-324000">
-              <a:spcBef>
-                <a:spcPts val="1060"/>
-              </a:spcBef>
-              <a:buClr>
-                <a:srgbClr val="77caee"/>
-              </a:buClr>
-              <a:buSzPct val="45000"/>
-              <a:buFont typeface="Wingdings" charset="2"/>
-              <a:buChar char=""/>
-            </a:pPr>
-            <a:r>
-              <a:rPr b="0" lang="en-US" sz="2400" spc="-1" strike="noStrike">
-                <a:solidFill>
-                  <a:srgbClr val="009bdd"/>
-                </a:solidFill>
-                <a:latin typeface="Arial"/>
-              </a:rPr>
-              <a:t>molecule destroy</a:t>
-            </a:r>
-            <a:endParaRPr b="0" lang="en-US" sz="2400" spc="-1" strike="noStrike">
-              <a:solidFill>
-                <a:srgbClr val="009bdd"/>
-              </a:solidFill>
-              <a:latin typeface="Arial"/>
-            </a:endParaRPr>
-          </a:p>
-          <a:p>
-            <a:pPr marL="432000" indent="-324000">
-              <a:spcBef>
-                <a:spcPts val="1060"/>
-              </a:spcBef>
-              <a:buClr>
-                <a:srgbClr val="77caee"/>
-              </a:buClr>
-              <a:buSzPct val="45000"/>
-              <a:buFont typeface="Wingdings" charset="2"/>
-              <a:buChar char=""/>
-            </a:pPr>
-            <a:r>
-              <a:rPr b="0" lang="en-US" sz="2400" spc="-1" strike="noStrike">
-                <a:solidFill>
-                  <a:srgbClr val="009bdd"/>
-                </a:solidFill>
-                <a:latin typeface="Arial"/>
-              </a:rPr>
-              <a:t>Integrate with CI/CD</a:t>
-            </a:r>
             <a:endParaRPr b="0" lang="en-US" sz="2400" spc="-1" strike="noStrike">
               <a:solidFill>
                 <a:srgbClr val="009bdd"/>
@@ -6079,7 +5987,7 @@
                 </a:solidFill>
                 <a:latin typeface="Arial"/>
               </a:rPr>
-              <a:t>ansible-galaxy</a:t>
+              <a:t>Molecule</a:t>
             </a:r>
             <a:endParaRPr b="0" lang="en-US" sz="3300" spc="-1" strike="noStrike">
               <a:solidFill>
@@ -6132,7 +6040,7 @@
                 </a:solidFill>
                 <a:latin typeface="Arial"/>
               </a:rPr>
-              <a:t>ansible-galaxy role|collection search &lt;name&gt;</a:t>
+              <a:t>molecule init role user.example -d docker</a:t>
             </a:r>
             <a:endParaRPr b="0" lang="en-US" sz="2400" spc="-1" strike="noStrike">
               <a:solidFill>
@@ -6142,6 +6050,34 @@
             </a:endParaRPr>
           </a:p>
           <a:p>
+            <a:pPr lvl="1" marL="864000" indent="-324000">
+              <a:spcBef>
+                <a:spcPts val="850"/>
+              </a:spcBef>
+              <a:buClr>
+                <a:srgbClr val="77caee"/>
+              </a:buClr>
+              <a:buSzPct val="45000"/>
+              <a:buFont typeface="Wingdings" charset="2"/>
+              <a:buChar char=""/>
+            </a:pPr>
+            <a:r>
+              <a:rPr b="0" lang="en-US" sz="2100" spc="-1" strike="noStrike">
+                <a:solidFill>
+                  <a:srgbClr val="009bdd"/>
+                </a:solidFill>
+                <a:latin typeface="Arial"/>
+              </a:rPr>
+              <a:t>molecule init scenario -r &lt;current role&gt; -d docker</a:t>
+            </a:r>
+            <a:endParaRPr b="0" lang="en-US" sz="2100" spc="-1" strike="noStrike">
+              <a:solidFill>
+                <a:srgbClr val="009bdd"/>
+              </a:solidFill>
+              <a:latin typeface="Arial"/>
+            </a:endParaRPr>
+          </a:p>
+          <a:p>
             <a:pPr marL="432000" indent="-324000">
               <a:spcBef>
                 <a:spcPts val="1060"/>
@@ -6160,7 +6096,7 @@
                 </a:solidFill>
                 <a:latin typeface="Arial"/>
               </a:rPr>
-              <a:t>Roles in galaxy hub for many purposes</a:t>
+              <a:t>molecule converge</a:t>
             </a:r>
             <a:endParaRPr b="0" lang="en-US" sz="2400" spc="-1" strike="noStrike">
               <a:solidFill>
@@ -6170,6 +6106,34 @@
             </a:endParaRPr>
           </a:p>
           <a:p>
+            <a:pPr lvl="1" marL="864000" indent="-324000">
+              <a:spcBef>
+                <a:spcPts val="850"/>
+              </a:spcBef>
+              <a:buClr>
+                <a:srgbClr val="77caee"/>
+              </a:buClr>
+              <a:buSzPct val="45000"/>
+              <a:buFont typeface="Wingdings" charset="2"/>
+              <a:buChar char=""/>
+            </a:pPr>
+            <a:r>
+              <a:rPr b="0" lang="en-US" sz="2100" spc="-1" strike="noStrike">
+                <a:solidFill>
+                  <a:srgbClr val="009bdd"/>
+                </a:solidFill>
+                <a:latin typeface="Arial"/>
+              </a:rPr>
+              <a:t>Work on the role</a:t>
+            </a:r>
+            <a:endParaRPr b="0" lang="en-US" sz="2100" spc="-1" strike="noStrike">
+              <a:solidFill>
+                <a:srgbClr val="009bdd"/>
+              </a:solidFill>
+              <a:latin typeface="Arial"/>
+            </a:endParaRPr>
+          </a:p>
+          <a:p>
             <a:pPr marL="432000" indent="-324000">
               <a:spcBef>
                 <a:spcPts val="1060"/>
@@ -6181,6 +6145,99 @@
               <a:buFont typeface="Wingdings" charset="2"/>
               <a:buChar char=""/>
             </a:pPr>
+            <a:r>
+              <a:rPr b="0" lang="en-US" sz="2400" spc="-1" strike="noStrike">
+                <a:solidFill>
+                  <a:srgbClr val="009bdd"/>
+                </a:solidFill>
+                <a:latin typeface="Arial"/>
+              </a:rPr>
+              <a:t>molecule converge</a:t>
+            </a:r>
+            <a:endParaRPr b="0" lang="en-US" sz="2400" spc="-1" strike="noStrike">
+              <a:solidFill>
+                <a:srgbClr val="009bdd"/>
+              </a:solidFill>
+              <a:latin typeface="Arial"/>
+            </a:endParaRPr>
+          </a:p>
+          <a:p>
+            <a:pPr lvl="1" marL="864000" indent="-324000">
+              <a:spcBef>
+                <a:spcPts val="850"/>
+              </a:spcBef>
+              <a:buClr>
+                <a:srgbClr val="77caee"/>
+              </a:buClr>
+              <a:buSzPct val="45000"/>
+              <a:buFont typeface="Wingdings" charset="2"/>
+              <a:buChar char=""/>
+            </a:pPr>
+            <a:r>
+              <a:rPr b="0" lang="en-US" sz="2100" spc="-1" strike="noStrike">
+                <a:solidFill>
+                  <a:srgbClr val="009bdd"/>
+                </a:solidFill>
+                <a:latin typeface="Arial"/>
+              </a:rPr>
+              <a:t>molecule converge again, make sure ansible doesn’t report changes</a:t>
+            </a:r>
+            <a:endParaRPr b="0" lang="en-US" sz="2100" spc="-1" strike="noStrike">
+              <a:solidFill>
+                <a:srgbClr val="009bdd"/>
+              </a:solidFill>
+              <a:latin typeface="Arial"/>
+            </a:endParaRPr>
+          </a:p>
+          <a:p>
+            <a:pPr marL="432000" indent="-324000">
+              <a:spcBef>
+                <a:spcPts val="1060"/>
+              </a:spcBef>
+              <a:buClr>
+                <a:srgbClr val="77caee"/>
+              </a:buClr>
+              <a:buSzPct val="45000"/>
+              <a:buFont typeface="Wingdings" charset="2"/>
+              <a:buChar char=""/>
+            </a:pPr>
+            <a:r>
+              <a:rPr b="0" lang="en-US" sz="2400" spc="-1" strike="noStrike">
+                <a:solidFill>
+                  <a:srgbClr val="009bdd"/>
+                </a:solidFill>
+                <a:latin typeface="Arial"/>
+              </a:rPr>
+              <a:t>molecule destroy</a:t>
+            </a:r>
+            <a:endParaRPr b="0" lang="en-US" sz="2400" spc="-1" strike="noStrike">
+              <a:solidFill>
+                <a:srgbClr val="009bdd"/>
+              </a:solidFill>
+              <a:latin typeface="Arial"/>
+            </a:endParaRPr>
+          </a:p>
+          <a:p>
+            <a:pPr marL="432000" indent="-324000">
+              <a:spcBef>
+                <a:spcPts val="1060"/>
+              </a:spcBef>
+              <a:buClr>
+                <a:srgbClr val="77caee"/>
+              </a:buClr>
+              <a:buSzPct val="45000"/>
+              <a:buFont typeface="Wingdings" charset="2"/>
+              <a:buChar char=""/>
+            </a:pPr>
+            <a:r>
+              <a:rPr b="0" lang="en-US" sz="2400" spc="-1" strike="noStrike">
+                <a:solidFill>
+                  <a:srgbClr val="009bdd"/>
+                </a:solidFill>
+                <a:latin typeface="Arial"/>
+              </a:rPr>
+              <a:t>Integrate with CI/CD</a:t>
+            </a:r>
             <a:endParaRPr b="0" lang="en-US" sz="2400" spc="-1" strike="noStrike">
               <a:solidFill>
                 <a:srgbClr val="009bdd"/>
@@ -6252,7 +6309,7 @@
                 </a:solidFill>
                 <a:latin typeface="Arial"/>
               </a:rPr>
-              <a:t>Ansible environment</a:t>
+              <a:t>ansible-galaxy</a:t>
             </a:r>
             <a:endParaRPr b="0" lang="en-US" sz="3300" spc="-1" strike="noStrike">
               <a:solidFill>
@@ -6305,7 +6362,7 @@
                 </a:solidFill>
                 <a:latin typeface="Arial"/>
               </a:rPr>
-              <a:t>Use virtualenv, requirements.txt, and pip</a:t>
+              <a:t>ansible-galaxy role|collection search &lt;name&gt;</a:t>
             </a:r>
             <a:endParaRPr b="0" lang="en-US" sz="2400" spc="-1" strike="noStrike">
               <a:solidFill>
@@ -6315,62 +6372,6 @@
             </a:endParaRPr>
           </a:p>
           <a:p>
-            <a:pPr lvl="1" marL="864000" indent="-324000">
-              <a:spcBef>
-                <a:spcPts val="850"/>
-              </a:spcBef>
-              <a:buClr>
-                <a:srgbClr val="77caee"/>
-              </a:buClr>
-              <a:buSzPct val="45000"/>
-              <a:buFont typeface="Wingdings" charset="2"/>
-              <a:buChar char=""/>
-            </a:pPr>
-            <a:r>
-              <a:rPr b="0" lang="en-US" sz="2100" spc="-1" strike="noStrike">
-                <a:solidFill>
-                  <a:srgbClr val="009bdd"/>
-                </a:solidFill>
-                <a:latin typeface="Arial"/>
-              </a:rPr>
-              <a:t>Keeps tree clean</a:t>
-            </a:r>
-            <a:endParaRPr b="0" lang="en-US" sz="2100" spc="-1" strike="noStrike">
-              <a:solidFill>
-                <a:srgbClr val="009bdd"/>
-              </a:solidFill>
-              <a:latin typeface="Arial"/>
-            </a:endParaRPr>
-          </a:p>
-          <a:p>
-            <a:pPr lvl="1" marL="864000" indent="-324000">
-              <a:spcBef>
-                <a:spcPts val="850"/>
-              </a:spcBef>
-              <a:buClr>
-                <a:srgbClr val="77caee"/>
-              </a:buClr>
-              <a:buSzPct val="45000"/>
-              <a:buFont typeface="Wingdings" charset="2"/>
-              <a:buChar char=""/>
-            </a:pPr>
-            <a:r>
-              <a:rPr b="0" lang="en-US" sz="2100" spc="-1" strike="noStrike">
-                <a:solidFill>
-                  <a:srgbClr val="009bdd"/>
-                </a:solidFill>
-                <a:latin typeface="Arial"/>
-              </a:rPr>
-              <a:t>Doesn’t pollute rest of system</a:t>
-            </a:r>
-            <a:endParaRPr b="0" lang="en-US" sz="2100" spc="-1" strike="noStrike">
-              <a:solidFill>
-                <a:srgbClr val="009bdd"/>
-              </a:solidFill>
-              <a:latin typeface="Arial"/>
-            </a:endParaRPr>
-          </a:p>
-          <a:p>
             <a:pPr marL="432000" indent="-324000">
               <a:spcBef>
                 <a:spcPts val="1060"/>
@@ -6389,8 +6390,27 @@
                 </a:solidFill>
                 <a:latin typeface="Arial"/>
               </a:rPr>
-              <a:t>Alternatively, docker container</a:t>
-            </a:r>
+              <a:t>Roles in galaxy hub for many purposes</a:t>
+            </a:r>
+            <a:endParaRPr b="0" lang="en-US" sz="2400" spc="-1" strike="noStrike">
+              <a:solidFill>
+                <a:srgbClr val="009bdd"/>
+              </a:solidFill>
+              <a:latin typeface="Arial"/>
+            </a:endParaRPr>
+          </a:p>
+          <a:p>
+            <a:pPr marL="432000" indent="-324000">
+              <a:spcBef>
+                <a:spcPts val="1060"/>
+              </a:spcBef>
+              <a:buClr>
+                <a:srgbClr val="77caee"/>
+              </a:buClr>
+              <a:buSzPct val="45000"/>
+              <a:buFont typeface="Wingdings" charset="2"/>
+              <a:buChar char=""/>
+            </a:pPr>
             <a:endParaRPr b="0" lang="en-US" sz="2400" spc="-1" strike="noStrike">
               <a:solidFill>
                 <a:srgbClr val="009bdd"/>
@@ -6719,6 +6739,272 @@
                 </a:solidFill>
                 <a:latin typeface="Arial"/>
               </a:rPr>
+              <a:t>Ansible environment</a:t>
+            </a:r>
+            <a:endParaRPr b="0" lang="en-US" sz="3300" spc="-1" strike="noStrike">
+              <a:solidFill>
+                <a:srgbClr val="ffffff"/>
+              </a:solidFill>
+              <a:latin typeface="Arial"/>
+            </a:endParaRPr>
+          </a:p>
+        </p:txBody>
+      </p:sp>
+      <p:sp>
+        <p:nvSpPr>
+          <p:cNvPr id="123" name=""/>
+          <p:cNvSpPr txBox="1"/>
+          <p:nvPr/>
+        </p:nvSpPr>
+        <p:spPr>
+          <a:xfrm>
+            <a:off x="360000" y="1080000"/>
+            <a:ext cx="9360000" cy="3600000"/>
+          </a:xfrm>
+          <a:prstGeom prst="rect">
+            <a:avLst/>
+          </a:prstGeom>
+          <a:noFill/>
+          <a:ln w="0">
+            <a:noFill/>
+          </a:ln>
+        </p:spPr>
+        <p:txBody>
+          <a:bodyPr lIns="0" rIns="0" tIns="0" bIns="0">
+            <a:noAutofit/>
+          </a:bodyPr>
+          <a:p>
+            <a:pPr marL="432000" indent="-324000">
+              <a:spcBef>
+                <a:spcPts val="1060"/>
+              </a:spcBef>
+              <a:buClr>
+                <a:srgbClr val="77caee"/>
+              </a:buClr>
+              <a:buSzPct val="45000"/>
+              <a:buFont typeface="Wingdings" charset="2"/>
+              <a:buChar char=""/>
+            </a:pPr>
+            <a:r>
+              <a:rPr b="0" lang="en-US" sz="2400" spc="-1" strike="noStrike">
+                <a:solidFill>
+                  <a:srgbClr val="009bdd"/>
+                </a:solidFill>
+                <a:latin typeface="Arial"/>
+              </a:rPr>
+              <a:t>Use virtualenv, requirements.txt, and pip</a:t>
+            </a:r>
+            <a:endParaRPr b="0" lang="en-US" sz="2400" spc="-1" strike="noStrike">
+              <a:solidFill>
+                <a:srgbClr val="009bdd"/>
+              </a:solidFill>
+              <a:latin typeface="Arial"/>
+            </a:endParaRPr>
+          </a:p>
+          <a:p>
+            <a:pPr lvl="1" marL="864000" indent="-324000">
+              <a:spcBef>
+                <a:spcPts val="850"/>
+              </a:spcBef>
+              <a:buClr>
+                <a:srgbClr val="77caee"/>
+              </a:buClr>
+              <a:buSzPct val="45000"/>
+              <a:buFont typeface="Wingdings" charset="2"/>
+              <a:buChar char=""/>
+            </a:pPr>
+            <a:r>
+              <a:rPr b="0" lang="en-US" sz="2100" spc="-1" strike="noStrike">
+                <a:solidFill>
+                  <a:srgbClr val="009bdd"/>
+                </a:solidFill>
+                <a:latin typeface="Arial"/>
+              </a:rPr>
+              <a:t>Keeps tree clean</a:t>
+            </a:r>
+            <a:endParaRPr b="0" lang="en-US" sz="2100" spc="-1" strike="noStrike">
+              <a:solidFill>
+                <a:srgbClr val="009bdd"/>
+              </a:solidFill>
+              <a:latin typeface="Arial"/>
+            </a:endParaRPr>
+          </a:p>
+          <a:p>
+            <a:pPr lvl="1" marL="864000" indent="-324000">
+              <a:spcBef>
+                <a:spcPts val="850"/>
+              </a:spcBef>
+              <a:buClr>
+                <a:srgbClr val="77caee"/>
+              </a:buClr>
+              <a:buSzPct val="45000"/>
+              <a:buFont typeface="Wingdings" charset="2"/>
+              <a:buChar char=""/>
+            </a:pPr>
+            <a:r>
+              <a:rPr b="0" lang="en-US" sz="2100" spc="-1" strike="noStrike">
+                <a:solidFill>
+                  <a:srgbClr val="009bdd"/>
+                </a:solidFill>
+                <a:latin typeface="Arial"/>
+              </a:rPr>
+              <a:t>Doesn’t pollute rest of system</a:t>
+            </a:r>
+            <a:endParaRPr b="0" lang="en-US" sz="2100" spc="-1" strike="noStrike">
+              <a:solidFill>
+                <a:srgbClr val="009bdd"/>
+              </a:solidFill>
+              <a:latin typeface="Arial"/>
+            </a:endParaRPr>
+          </a:p>
+          <a:p>
+            <a:pPr marL="432000" indent="-324000">
+              <a:spcBef>
+                <a:spcPts val="1060"/>
+              </a:spcBef>
+              <a:buClr>
+                <a:srgbClr val="77caee"/>
+              </a:buClr>
+              <a:buSzPct val="45000"/>
+              <a:buFont typeface="Wingdings" charset="2"/>
+              <a:buChar char=""/>
+            </a:pPr>
+            <a:r>
+              <a:rPr b="0" lang="en-US" sz="2400" spc="-1" strike="noStrike">
+                <a:solidFill>
+                  <a:srgbClr val="009bdd"/>
+                </a:solidFill>
+                <a:latin typeface="Arial"/>
+              </a:rPr>
+              <a:t>Alternatively, docker container</a:t>
+            </a:r>
+            <a:endParaRPr b="0" lang="en-US" sz="2400" spc="-1" strike="noStrike">
+              <a:solidFill>
+                <a:srgbClr val="009bdd"/>
+              </a:solidFill>
+              <a:latin typeface="Arial"/>
+            </a:endParaRPr>
+          </a:p>
+          <a:p>
+            <a:pPr lvl="1" marL="864000" indent="-324000">
+              <a:spcBef>
+                <a:spcPts val="850"/>
+              </a:spcBef>
+              <a:buClr>
+                <a:srgbClr val="77caee"/>
+              </a:buClr>
+              <a:buSzPct val="45000"/>
+              <a:buFont typeface="Wingdings" charset="2"/>
+              <a:buChar char=""/>
+            </a:pPr>
+            <a:r>
+              <a:rPr b="0" lang="en-US" sz="2100" spc="-1" strike="noStrike">
+                <a:solidFill>
+                  <a:srgbClr val="009bdd"/>
+                </a:solidFill>
+                <a:latin typeface="Arial"/>
+              </a:rPr>
+              <a:t>Isolates all dependencies for build in container</a:t>
+            </a:r>
+            <a:endParaRPr b="0" lang="en-US" sz="2100" spc="-1" strike="noStrike">
+              <a:solidFill>
+                <a:srgbClr val="009bdd"/>
+              </a:solidFill>
+              <a:latin typeface="Arial"/>
+            </a:endParaRPr>
+          </a:p>
+          <a:p>
+            <a:pPr lvl="1" marL="864000" indent="-324000">
+              <a:spcBef>
+                <a:spcPts val="850"/>
+              </a:spcBef>
+              <a:buClr>
+                <a:srgbClr val="77caee"/>
+              </a:buClr>
+              <a:buSzPct val="45000"/>
+              <a:buFont typeface="Wingdings" charset="2"/>
+              <a:buChar char=""/>
+            </a:pPr>
+            <a:r>
+              <a:rPr b="0" lang="en-US" sz="2100" spc="-1" strike="noStrike">
+                <a:solidFill>
+                  <a:srgbClr val="009bdd"/>
+                </a:solidFill>
+                <a:latin typeface="Arial"/>
+              </a:rPr>
+              <a:t>Different containers can be built for different purposes, versions, etc</a:t>
+            </a:r>
+            <a:endParaRPr b="0" lang="en-US" sz="2100" spc="-1" strike="noStrike">
+              <a:solidFill>
+                <a:srgbClr val="009bdd"/>
+              </a:solidFill>
+              <a:latin typeface="Arial"/>
+            </a:endParaRPr>
+          </a:p>
+        </p:txBody>
+      </p:sp>
+    </p:spTree>
+  </p:cSld>
+  <mc:AlternateContent>
+    <mc:Choice Requires="p14">
+      <p:transition spd="slow" p14:dur="2000"/>
+    </mc:Choice>
+    <mc:Fallback>
+      <p:transition spd="slow"/>
+    </mc:Fallback>
+  </mc:AlternateContent>
+</p:sld>
+</file>
+
+<file path=ppt/slides/slide21.xml><?xml version="1.0" encoding="utf-8"?>
+<p:sld xmlns:a="http://schemas.openxmlformats.org/drawingml/2006/main" xmlns:p="http://schemas.openxmlformats.org/presentationml/2006/main" xmlns:r="http://schemas.openxmlformats.org/officeDocument/2006/relationships" xmlns:p14="http://schemas.microsoft.com/office/powerpoint/2010/main" xmlns:p15="http://schemas.microsoft.com/office/powerpoint/2012/main" xmlns:mc="http://schemas.openxmlformats.org/markup-compatibility/2006">
+  <p:cSld>
+    <p:spTree>
+      <p:nvGrpSpPr>
+        <p:cNvPr id="1" name=""/>
+        <p:cNvGrpSpPr/>
+        <p:nvPr/>
+      </p:nvGrpSpPr>
+      <p:grpSpPr>
+        <a:xfrm>
+          <a:off x="0" y="0"/>
+          <a:ext cx="0" cy="0"/>
+          <a:chOff x="0" y="0"/>
+          <a:chExt cx="0" cy="0"/>
+        </a:xfrm>
+      </p:grpSpPr>
+      <p:sp>
+        <p:nvSpPr>
+          <p:cNvPr id="124" name=""/>
+          <p:cNvSpPr txBox="1"/>
+          <p:nvPr/>
+        </p:nvSpPr>
+        <p:spPr>
+          <a:xfrm>
+            <a:off x="360000" y="180000"/>
+            <a:ext cx="9360000" cy="478080"/>
+          </a:xfrm>
+          <a:prstGeom prst="rect">
+            <a:avLst/>
+          </a:prstGeom>
+          <a:noFill/>
+          <a:ln w="0">
+            <a:noFill/>
+          </a:ln>
+        </p:spPr>
+        <p:txBody>
+          <a:bodyPr lIns="0" rIns="0" tIns="0" bIns="0" anchor="ctr">
+            <a:noAutofit/>
+          </a:bodyPr>
+          <a:p>
+            <a:pPr algn="ctr"/>
+            <a:r>
+              <a:rPr b="0" lang="en-US" sz="3300" spc="-1" strike="noStrike">
+                <a:solidFill>
+                  <a:srgbClr val="ffffff"/>
+                </a:solidFill>
+                <a:latin typeface="Arial"/>
+              </a:rPr>
               <a:t>Future</a:t>
             </a:r>
             <a:endParaRPr b="0" lang="en-US" sz="3300" spc="-1" strike="noStrike">
@@ -6732,7 +7018,7 @@
       </p:sp>
       <p:sp>
         <p:nvSpPr>
-          <p:cNvPr id="123" name=""/>
+          <p:cNvPr id="125" name=""/>
           <p:cNvSpPr txBox="1"/>
           <p:nvPr/>
         </p:nvSpPr>
